--- a/Web 2.0.pptx
+++ b/Web 2.0.pptx
@@ -7,11 +7,13 @@
   <p:sldIdLst>
     <p:sldId id="256" r:id="rId2"/>
     <p:sldId id="258" r:id="rId3"/>
-    <p:sldId id="259" r:id="rId4"/>
-    <p:sldId id="260" r:id="rId5"/>
-    <p:sldId id="261" r:id="rId6"/>
-    <p:sldId id="262" r:id="rId7"/>
-    <p:sldId id="257" r:id="rId8"/>
+    <p:sldId id="261" r:id="rId4"/>
+    <p:sldId id="259" r:id="rId5"/>
+    <p:sldId id="260" r:id="rId6"/>
+    <p:sldId id="263" r:id="rId7"/>
+    <p:sldId id="264" r:id="rId8"/>
+    <p:sldId id="262" r:id="rId9"/>
+    <p:sldId id="257" r:id="rId10"/>
   </p:sldIdLst>
   <p:sldSz cx="12192000" cy="6858000"/>
   <p:notesSz cx="6858000" cy="9144000"/>
@@ -110,6 +112,11 @@
       </a:defRPr>
     </a:lvl9pPr>
   </p:defaultTextStyle>
+  <p:extLst>
+    <p:ext uri="{EFAFB233-063F-42B5-8137-9DF3F51BA10A}">
+      <p15:sldGuideLst xmlns:p15="http://schemas.microsoft.com/office/powerpoint/2012/main"/>
+    </p:ext>
+  </p:extLst>
 </p:presentation>
 </file>
 
@@ -244,7 +251,7 @@
           <a:p>
             <a:fld id="{CE904122-5843-4DE5-B716-8C27E94EF1F8}" type="datetimeFigureOut">
               <a:rPr lang="hu-HU" smtClean="0"/>
-              <a:t>2022.09.12.</a:t>
+              <a:t>2022.09.13.</a:t>
             </a:fld>
             <a:endParaRPr lang="hu-HU"/>
           </a:p>
@@ -414,7 +421,7 @@
           <a:p>
             <a:fld id="{CE904122-5843-4DE5-B716-8C27E94EF1F8}" type="datetimeFigureOut">
               <a:rPr lang="hu-HU" smtClean="0"/>
-              <a:t>2022.09.12.</a:t>
+              <a:t>2022.09.13.</a:t>
             </a:fld>
             <a:endParaRPr lang="hu-HU"/>
           </a:p>
@@ -594,7 +601,7 @@
           <a:p>
             <a:fld id="{CE904122-5843-4DE5-B716-8C27E94EF1F8}" type="datetimeFigureOut">
               <a:rPr lang="hu-HU" smtClean="0"/>
-              <a:t>2022.09.12.</a:t>
+              <a:t>2022.09.13.</a:t>
             </a:fld>
             <a:endParaRPr lang="hu-HU"/>
           </a:p>
@@ -764,7 +771,7 @@
           <a:p>
             <a:fld id="{CE904122-5843-4DE5-B716-8C27E94EF1F8}" type="datetimeFigureOut">
               <a:rPr lang="hu-HU" smtClean="0"/>
-              <a:t>2022.09.12.</a:t>
+              <a:t>2022.09.13.</a:t>
             </a:fld>
             <a:endParaRPr lang="hu-HU"/>
           </a:p>
@@ -1010,7 +1017,7 @@
           <a:p>
             <a:fld id="{CE904122-5843-4DE5-B716-8C27E94EF1F8}" type="datetimeFigureOut">
               <a:rPr lang="hu-HU" smtClean="0"/>
-              <a:t>2022.09.12.</a:t>
+              <a:t>2022.09.13.</a:t>
             </a:fld>
             <a:endParaRPr lang="hu-HU"/>
           </a:p>
@@ -1242,7 +1249,7 @@
           <a:p>
             <a:fld id="{CE904122-5843-4DE5-B716-8C27E94EF1F8}" type="datetimeFigureOut">
               <a:rPr lang="hu-HU" smtClean="0"/>
-              <a:t>2022.09.12.</a:t>
+              <a:t>2022.09.13.</a:t>
             </a:fld>
             <a:endParaRPr lang="hu-HU"/>
           </a:p>
@@ -1609,7 +1616,7 @@
           <a:p>
             <a:fld id="{CE904122-5843-4DE5-B716-8C27E94EF1F8}" type="datetimeFigureOut">
               <a:rPr lang="hu-HU" smtClean="0"/>
-              <a:t>2022.09.12.</a:t>
+              <a:t>2022.09.13.</a:t>
             </a:fld>
             <a:endParaRPr lang="hu-HU"/>
           </a:p>
@@ -1727,7 +1734,7 @@
           <a:p>
             <a:fld id="{CE904122-5843-4DE5-B716-8C27E94EF1F8}" type="datetimeFigureOut">
               <a:rPr lang="hu-HU" smtClean="0"/>
-              <a:t>2022.09.12.</a:t>
+              <a:t>2022.09.13.</a:t>
             </a:fld>
             <a:endParaRPr lang="hu-HU"/>
           </a:p>
@@ -1822,7 +1829,7 @@
           <a:p>
             <a:fld id="{CE904122-5843-4DE5-B716-8C27E94EF1F8}" type="datetimeFigureOut">
               <a:rPr lang="hu-HU" smtClean="0"/>
-              <a:t>2022.09.12.</a:t>
+              <a:t>2022.09.13.</a:t>
             </a:fld>
             <a:endParaRPr lang="hu-HU"/>
           </a:p>
@@ -2099,7 +2106,7 @@
           <a:p>
             <a:fld id="{CE904122-5843-4DE5-B716-8C27E94EF1F8}" type="datetimeFigureOut">
               <a:rPr lang="hu-HU" smtClean="0"/>
-              <a:t>2022.09.12.</a:t>
+              <a:t>2022.09.13.</a:t>
             </a:fld>
             <a:endParaRPr lang="hu-HU"/>
           </a:p>
@@ -2352,7 +2359,7 @@
           <a:p>
             <a:fld id="{CE904122-5843-4DE5-B716-8C27E94EF1F8}" type="datetimeFigureOut">
               <a:rPr lang="hu-HU" smtClean="0"/>
-              <a:t>2022.09.12.</a:t>
+              <a:t>2022.09.13.</a:t>
             </a:fld>
             <a:endParaRPr lang="hu-HU"/>
           </a:p>
@@ -2565,7 +2572,7 @@
           <a:p>
             <a:fld id="{CE904122-5843-4DE5-B716-8C27E94EF1F8}" type="datetimeFigureOut">
               <a:rPr lang="hu-HU" smtClean="0"/>
-              <a:t>2022.09.12.</a:t>
+              <a:t>2022.09.13.</a:t>
             </a:fld>
             <a:endParaRPr lang="hu-HU"/>
           </a:p>
@@ -3092,26 +3099,114 @@
           <a:bodyPr/>
           <a:lstStyle/>
           <a:p>
-            <a:endParaRPr lang="hu-HU"/>
-          </a:p>
-        </p:txBody>
-      </p:sp>
-      <p:sp>
-        <p:nvSpPr>
-          <p:cNvPr id="4" name="Tartalom helye 3"/>
-          <p:cNvSpPr>
-            <a:spLocks noGrp="1"/>
-          </p:cNvSpPr>
+            <a:r>
+              <a:rPr lang="hu-HU" dirty="0" smtClean="0"/>
+              <a:t>Statikus weboldalak</a:t>
+            </a:r>
+          </a:p>
+          <a:p>
+            <a:r>
+              <a:rPr lang="hu-HU" dirty="0" smtClean="0"/>
+              <a:t>Kevesebb kommunikáció</a:t>
+            </a:r>
+          </a:p>
+          <a:p>
+            <a:endParaRPr lang="hu-HU" dirty="0"/>
+          </a:p>
+        </p:txBody>
+      </p:sp>
+      <p:pic>
+        <p:nvPicPr>
+          <p:cNvPr id="1026" name="Picture 2" descr="PDF] Evolution of the Web: from Web 1.0 to 4.0 | Semantic Scholar"/>
+          <p:cNvPicPr>
+            <a:picLocks noGrp="1" noChangeAspect="1" noChangeArrowheads="1"/>
+          </p:cNvPicPr>
           <p:nvPr>
             <p:ph sz="half" idx="2"/>
           </p:nvPr>
-        </p:nvSpPr>
-        <p:spPr/>
-        <p:txBody>
-          <a:bodyPr/>
-          <a:lstStyle/>
-          <a:p>
-            <a:endParaRPr lang="hu-HU"/>
+        </p:nvPicPr>
+        <p:blipFill>
+          <a:blip r:embed="rId2">
+            <a:extLst>
+              <a:ext uri="{28A0092B-C50C-407E-A947-70E740481C1C}">
+                <a14:useLocalDpi xmlns:a14="http://schemas.microsoft.com/office/drawing/2010/main" val="0"/>
+              </a:ext>
+            </a:extLst>
+          </a:blip>
+          <a:srcRect/>
+          <a:stretch>
+            <a:fillRect/>
+          </a:stretch>
+        </p:blipFill>
+        <p:spPr bwMode="auto">
+          <a:xfrm>
+            <a:off x="6528573" y="1690688"/>
+            <a:ext cx="4744058" cy="4351338"/>
+          </a:xfrm>
+          <a:prstGeom prst="rect">
+            <a:avLst/>
+          </a:prstGeom>
+          <a:noFill/>
+          <a:extLst>
+            <a:ext uri="{909E8E84-426E-40DD-AFC4-6F175D3DCCD1}">
+              <a14:hiddenFill xmlns:a14="http://schemas.microsoft.com/office/drawing/2010/main">
+                <a:solidFill>
+                  <a:srgbClr val="FFFFFF"/>
+                </a:solidFill>
+              </a14:hiddenFill>
+            </a:ext>
+          </a:extLst>
+        </p:spPr>
+      </p:pic>
+      <p:sp>
+        <p:nvSpPr>
+          <p:cNvPr id="6" name="Szövegdoboz 5"/>
+          <p:cNvSpPr txBox="1"/>
+          <p:nvPr/>
+        </p:nvSpPr>
+        <p:spPr>
+          <a:xfrm>
+            <a:off x="6528573" y="6176963"/>
+            <a:ext cx="4953000" cy="307777"/>
+          </a:xfrm>
+          <a:prstGeom prst="rect">
+            <a:avLst/>
+          </a:prstGeom>
+          <a:noFill/>
+        </p:spPr>
+        <p:txBody>
+          <a:bodyPr wrap="square" rtlCol="0">
+            <a:spAutoFit/>
+          </a:bodyPr>
+          <a:lstStyle/>
+          <a:p>
+            <a:r>
+              <a:rPr lang="hu-HU" sz="1400" dirty="0" smtClean="0"/>
+              <a:t>Kép: </a:t>
+            </a:r>
+            <a:r>
+              <a:rPr lang="hu-HU" sz="1400" dirty="0" smtClean="0">
+                <a:hlinkClick r:id="rId3"/>
+              </a:rPr>
+              <a:t>https</a:t>
+            </a:r>
+            <a:r>
+              <a:rPr lang="hu-HU" sz="1400" dirty="0">
+                <a:hlinkClick r:id="rId3"/>
+              </a:rPr>
+              <a:t>://</a:t>
+            </a:r>
+            <a:r>
+              <a:rPr lang="hu-HU" sz="1400" dirty="0" smtClean="0">
+                <a:hlinkClick r:id="rId3"/>
+              </a:rPr>
+              <a:t>tinyurl.com/y68t8ven</a:t>
+            </a:r>
+            <a:r>
+              <a:rPr lang="hu-HU" sz="1400" dirty="0" smtClean="0"/>
+              <a:t> </a:t>
+            </a:r>
+            <a:endParaRPr lang="hu-HU" sz="1400" dirty="0"/>
           </a:p>
         </p:txBody>
       </p:sp>
@@ -3145,71 +3240,53 @@
           <a:chExt cx="0" cy="0"/>
         </a:xfrm>
       </p:grpSpPr>
-      <p:sp>
-        <p:nvSpPr>
-          <p:cNvPr id="2" name="Cím 1"/>
-          <p:cNvSpPr>
-            <a:spLocks noGrp="1"/>
-          </p:cNvSpPr>
-          <p:nvPr>
-            <p:ph type="title"/>
-          </p:nvPr>
-        </p:nvSpPr>
-        <p:spPr/>
-        <p:txBody>
-          <a:bodyPr/>
-          <a:lstStyle/>
-          <a:p>
-            <a:r>
-              <a:rPr lang="hu-HU" dirty="0" smtClean="0"/>
-              <a:t>Web 2.0</a:t>
-            </a:r>
-            <a:endParaRPr lang="hu-HU" dirty="0"/>
-          </a:p>
-        </p:txBody>
-      </p:sp>
-      <p:sp>
-        <p:nvSpPr>
-          <p:cNvPr id="3" name="Tartalom helye 2"/>
-          <p:cNvSpPr>
-            <a:spLocks noGrp="1"/>
-          </p:cNvSpPr>
+      <p:pic>
+        <p:nvPicPr>
+          <p:cNvPr id="3074" name="Picture 2" descr="https://res.cloudinary.com/practicaldev/image/fetch/s--O1K9fxiF--/c_limit%2Cf_auto%2Cfl_progressive%2Cq_auto%2Cw_880/https:/dev-to-uploads.s3.amazonaws.com/uploads/articles/xu9rw9wt9ibi04oellqs.png"/>
+          <p:cNvPicPr>
+            <a:picLocks noGrp="1" noChangeAspect="1" noChangeArrowheads="1"/>
+          </p:cNvPicPr>
           <p:nvPr>
             <p:ph sz="half" idx="1"/>
           </p:nvPr>
-        </p:nvSpPr>
-        <p:spPr/>
-        <p:txBody>
-          <a:bodyPr/>
-          <a:lstStyle/>
-          <a:p>
-            <a:endParaRPr lang="hu-HU"/>
-          </a:p>
-        </p:txBody>
-      </p:sp>
-      <p:sp>
-        <p:nvSpPr>
-          <p:cNvPr id="4" name="Tartalom helye 3"/>
-          <p:cNvSpPr>
-            <a:spLocks noGrp="1"/>
-          </p:cNvSpPr>
-          <p:nvPr>
-            <p:ph sz="half" idx="2"/>
-          </p:nvPr>
-        </p:nvSpPr>
-        <p:spPr/>
-        <p:txBody>
-          <a:bodyPr/>
-          <a:lstStyle/>
-          <a:p>
-            <a:endParaRPr lang="hu-HU"/>
-          </a:p>
-        </p:txBody>
-      </p:sp>
+        </p:nvPicPr>
+        <p:blipFill>
+          <a:blip r:embed="rId2">
+            <a:extLst>
+              <a:ext uri="{28A0092B-C50C-407E-A947-70E740481C1C}">
+                <a14:useLocalDpi xmlns:a14="http://schemas.microsoft.com/office/drawing/2010/main" val="0"/>
+              </a:ext>
+            </a:extLst>
+          </a:blip>
+          <a:srcRect/>
+          <a:stretch>
+            <a:fillRect/>
+          </a:stretch>
+        </p:blipFill>
+        <p:spPr bwMode="auto">
+          <a:xfrm>
+            <a:off x="2120900" y="0"/>
+            <a:ext cx="9220200" cy="6858000"/>
+          </a:xfrm>
+          <a:prstGeom prst="rect">
+            <a:avLst/>
+          </a:prstGeom>
+          <a:noFill/>
+          <a:extLst>
+            <a:ext uri="{909E8E84-426E-40DD-AFC4-6F175D3DCCD1}">
+              <a14:hiddenFill xmlns:a14="http://schemas.microsoft.com/office/drawing/2010/main">
+                <a:solidFill>
+                  <a:srgbClr val="FFFFFF"/>
+                </a:solidFill>
+              </a14:hiddenFill>
+            </a:ext>
+          </a:extLst>
+        </p:spPr>
+      </p:pic>
     </p:spTree>
     <p:extLst>
       <p:ext uri="{BB962C8B-B14F-4D97-AF65-F5344CB8AC3E}">
-        <p14:creationId xmlns:p14="http://schemas.microsoft.com/office/powerpoint/2010/main" val="2409986365"/>
+        <p14:creationId xmlns:p14="http://schemas.microsoft.com/office/powerpoint/2010/main" val="696694189"/>
       </p:ext>
     </p:extLst>
   </p:cSld>
@@ -3253,7 +3330,7 @@
           <a:p>
             <a:r>
               <a:rPr lang="hu-HU" dirty="0" smtClean="0"/>
-              <a:t>Web 2.0 jellemzői</a:t>
+              <a:t>Web 2.0</a:t>
             </a:r>
             <a:endParaRPr lang="hu-HU" dirty="0"/>
           </a:p>
@@ -3274,33 +3351,100 @@
           <a:bodyPr/>
           <a:lstStyle/>
           <a:p>
-            <a:endParaRPr lang="hu-HU"/>
-          </a:p>
-        </p:txBody>
-      </p:sp>
-      <p:sp>
-        <p:nvSpPr>
-          <p:cNvPr id="4" name="Tartalom helye 3"/>
-          <p:cNvSpPr>
-            <a:spLocks noGrp="1"/>
-          </p:cNvSpPr>
+            <a:r>
+              <a:rPr lang="hu-HU" dirty="0" err="1" smtClean="0"/>
+              <a:t>Interaktívitás</a:t>
+            </a:r>
+            <a:endParaRPr lang="hu-HU" dirty="0" smtClean="0"/>
+          </a:p>
+          <a:p>
+            <a:endParaRPr lang="hu-HU" dirty="0"/>
+          </a:p>
+        </p:txBody>
+      </p:sp>
+      <p:pic>
+        <p:nvPicPr>
+          <p:cNvPr id="9" name="Tartalom helye 8"/>
+          <p:cNvPicPr>
+            <a:picLocks noGrp="1" noChangeAspect="1"/>
+          </p:cNvPicPr>
           <p:nvPr>
             <p:ph sz="half" idx="2"/>
           </p:nvPr>
-        </p:nvSpPr>
-        <p:spPr/>
-        <p:txBody>
-          <a:bodyPr/>
-          <a:lstStyle/>
-          <a:p>
-            <a:endParaRPr lang="hu-HU"/>
+        </p:nvPicPr>
+        <p:blipFill>
+          <a:blip r:embed="rId2">
+            <a:extLst>
+              <a:ext uri="{28A0092B-C50C-407E-A947-70E740481C1C}">
+                <a14:useLocalDpi xmlns:a14="http://schemas.microsoft.com/office/drawing/2010/main" val="0"/>
+              </a:ext>
+            </a:extLst>
+          </a:blip>
+          <a:stretch>
+            <a:fillRect/>
+          </a:stretch>
+        </p:blipFill>
+        <p:spPr>
+          <a:xfrm>
+            <a:off x="6528573" y="1656587"/>
+            <a:ext cx="4994818" cy="4520376"/>
+          </a:xfrm>
+        </p:spPr>
+      </p:pic>
+      <p:sp>
+        <p:nvSpPr>
+          <p:cNvPr id="12" name="Szövegdoboz 11"/>
+          <p:cNvSpPr txBox="1"/>
+          <p:nvPr/>
+        </p:nvSpPr>
+        <p:spPr>
+          <a:xfrm>
+            <a:off x="6528573" y="6176963"/>
+            <a:ext cx="4953000" cy="307777"/>
+          </a:xfrm>
+          <a:prstGeom prst="rect">
+            <a:avLst/>
+          </a:prstGeom>
+          <a:noFill/>
+        </p:spPr>
+        <p:txBody>
+          <a:bodyPr wrap="square" rtlCol="0">
+            <a:spAutoFit/>
+          </a:bodyPr>
+          <a:lstStyle/>
+          <a:p>
+            <a:r>
+              <a:rPr lang="hu-HU" sz="1400" dirty="0" smtClean="0"/>
+              <a:t>Kép</a:t>
+            </a:r>
+            <a:r>
+              <a:rPr lang="hu-HU" sz="1400" dirty="0"/>
+              <a:t>: </a:t>
+            </a:r>
+            <a:r>
+              <a:rPr lang="hu-HU" sz="1400" dirty="0">
+                <a:hlinkClick r:id="rId3"/>
+              </a:rPr>
+              <a:t>https://</a:t>
+            </a:r>
+            <a:r>
+              <a:rPr lang="hu-HU" sz="1400" dirty="0" smtClean="0">
+                <a:hlinkClick r:id="rId3"/>
+              </a:rPr>
+              <a:t>tinyurl.com/2p8kakn7</a:t>
+            </a:r>
+            <a:r>
+              <a:rPr lang="hu-HU" sz="1400" dirty="0" smtClean="0"/>
+              <a:t>  </a:t>
+            </a:r>
+            <a:endParaRPr lang="hu-HU" sz="1400" dirty="0"/>
           </a:p>
         </p:txBody>
       </p:sp>
     </p:spTree>
     <p:extLst>
       <p:ext uri="{BB962C8B-B14F-4D97-AF65-F5344CB8AC3E}">
-        <p14:creationId xmlns:p14="http://schemas.microsoft.com/office/powerpoint/2010/main" val="2776899474"/>
+        <p14:creationId xmlns:p14="http://schemas.microsoft.com/office/powerpoint/2010/main" val="2409986365"/>
       </p:ext>
     </p:extLst>
   </p:cSld>
@@ -3342,7 +3486,11 @@
           <a:bodyPr/>
           <a:lstStyle/>
           <a:p>
-            <a:endParaRPr lang="hu-HU"/>
+            <a:r>
+              <a:rPr lang="hu-HU" dirty="0" smtClean="0"/>
+              <a:t>Web 2.0 jellemzői</a:t>
+            </a:r>
+            <a:endParaRPr lang="hu-HU" dirty="0"/>
           </a:p>
         </p:txBody>
       </p:sp>
@@ -3361,7 +3509,35 @@
           <a:bodyPr/>
           <a:lstStyle/>
           <a:p>
-            <a:endParaRPr lang="hu-HU"/>
+            <a:r>
+              <a:rPr lang="hu-HU" dirty="0" smtClean="0"/>
+              <a:t>A web (platform)</a:t>
+            </a:r>
+          </a:p>
+          <a:p>
+            <a:r>
+              <a:rPr lang="hu-HU" dirty="0" smtClean="0"/>
+              <a:t>Az adat (hajtóerő)</a:t>
+            </a:r>
+          </a:p>
+          <a:p>
+            <a:r>
+              <a:rPr lang="hu-HU" dirty="0" smtClean="0"/>
+              <a:t>Résvételen alapuló</a:t>
+            </a:r>
+          </a:p>
+          <a:p>
+            <a:r>
+              <a:rPr lang="hu-HU" dirty="0" smtClean="0"/>
+              <a:t>Komponensalapú</a:t>
+            </a:r>
+          </a:p>
+          <a:p>
+            <a:r>
+              <a:rPr lang="hu-HU" dirty="0" smtClean="0"/>
+              <a:t>Laza struktúra</a:t>
+            </a:r>
+            <a:endParaRPr lang="hu-HU" dirty="0"/>
           </a:p>
         </p:txBody>
       </p:sp>
@@ -3387,7 +3563,7 @@
     </p:spTree>
     <p:extLst>
       <p:ext uri="{BB962C8B-B14F-4D97-AF65-F5344CB8AC3E}">
-        <p14:creationId xmlns:p14="http://schemas.microsoft.com/office/powerpoint/2010/main" val="696694189"/>
+        <p14:creationId xmlns:p14="http://schemas.microsoft.com/office/powerpoint/2010/main" val="2776899474"/>
       </p:ext>
     </p:extLst>
   </p:cSld>
@@ -3421,6 +3597,180 @@
             <a:spLocks noGrp="1"/>
           </p:cNvSpPr>
           <p:nvPr>
+            <p:ph type="title"/>
+          </p:nvPr>
+        </p:nvSpPr>
+        <p:spPr/>
+        <p:txBody>
+          <a:bodyPr/>
+          <a:lstStyle/>
+          <a:p>
+            <a:endParaRPr lang="hu-HU"/>
+          </a:p>
+        </p:txBody>
+      </p:sp>
+      <p:sp>
+        <p:nvSpPr>
+          <p:cNvPr id="3" name="Tartalom helye 2"/>
+          <p:cNvSpPr>
+            <a:spLocks noGrp="1"/>
+          </p:cNvSpPr>
+          <p:nvPr>
+            <p:ph sz="half" idx="1"/>
+          </p:nvPr>
+        </p:nvSpPr>
+        <p:spPr/>
+        <p:txBody>
+          <a:bodyPr/>
+          <a:lstStyle/>
+          <a:p>
+            <a:endParaRPr lang="hu-HU"/>
+          </a:p>
+        </p:txBody>
+      </p:sp>
+      <p:sp>
+        <p:nvSpPr>
+          <p:cNvPr id="4" name="Tartalom helye 3"/>
+          <p:cNvSpPr>
+            <a:spLocks noGrp="1"/>
+          </p:cNvSpPr>
+          <p:nvPr>
+            <p:ph sz="half" idx="2"/>
+          </p:nvPr>
+        </p:nvSpPr>
+        <p:spPr/>
+        <p:txBody>
+          <a:bodyPr/>
+          <a:lstStyle/>
+          <a:p>
+            <a:endParaRPr lang="hu-HU"/>
+          </a:p>
+        </p:txBody>
+      </p:sp>
+    </p:spTree>
+    <p:extLst>
+      <p:ext uri="{BB962C8B-B14F-4D97-AF65-F5344CB8AC3E}">
+        <p14:creationId xmlns:p14="http://schemas.microsoft.com/office/powerpoint/2010/main" val="3464165919"/>
+      </p:ext>
+    </p:extLst>
+  </p:cSld>
+  <p:clrMapOvr>
+    <a:masterClrMapping/>
+  </p:clrMapOvr>
+</p:sld>
+</file>
+
+<file path=ppt/slides/slide7.xml><?xml version="1.0" encoding="utf-8"?>
+<p:sld xmlns:a="http://schemas.openxmlformats.org/drawingml/2006/main" xmlns:r="http://schemas.openxmlformats.org/officeDocument/2006/relationships" xmlns:p="http://schemas.openxmlformats.org/presentationml/2006/main">
+  <p:cSld>
+    <p:spTree>
+      <p:nvGrpSpPr>
+        <p:cNvPr id="1" name=""/>
+        <p:cNvGrpSpPr/>
+        <p:nvPr/>
+      </p:nvGrpSpPr>
+      <p:grpSpPr>
+        <a:xfrm>
+          <a:off x="0" y="0"/>
+          <a:ext cx="0" cy="0"/>
+          <a:chOff x="0" y="0"/>
+          <a:chExt cx="0" cy="0"/>
+        </a:xfrm>
+      </p:grpSpPr>
+      <p:sp>
+        <p:nvSpPr>
+          <p:cNvPr id="2" name="Cím 1"/>
+          <p:cNvSpPr>
+            <a:spLocks noGrp="1"/>
+          </p:cNvSpPr>
+          <p:nvPr>
+            <p:ph type="title"/>
+          </p:nvPr>
+        </p:nvSpPr>
+        <p:spPr/>
+        <p:txBody>
+          <a:bodyPr/>
+          <a:lstStyle/>
+          <a:p>
+            <a:endParaRPr lang="hu-HU"/>
+          </a:p>
+        </p:txBody>
+      </p:sp>
+      <p:sp>
+        <p:nvSpPr>
+          <p:cNvPr id="3" name="Tartalom helye 2"/>
+          <p:cNvSpPr>
+            <a:spLocks noGrp="1"/>
+          </p:cNvSpPr>
+          <p:nvPr>
+            <p:ph sz="half" idx="1"/>
+          </p:nvPr>
+        </p:nvSpPr>
+        <p:spPr/>
+        <p:txBody>
+          <a:bodyPr/>
+          <a:lstStyle/>
+          <a:p>
+            <a:endParaRPr lang="hu-HU"/>
+          </a:p>
+        </p:txBody>
+      </p:sp>
+      <p:sp>
+        <p:nvSpPr>
+          <p:cNvPr id="4" name="Tartalom helye 3"/>
+          <p:cNvSpPr>
+            <a:spLocks noGrp="1"/>
+          </p:cNvSpPr>
+          <p:nvPr>
+            <p:ph sz="half" idx="2"/>
+          </p:nvPr>
+        </p:nvSpPr>
+        <p:spPr/>
+        <p:txBody>
+          <a:bodyPr/>
+          <a:lstStyle/>
+          <a:p>
+            <a:endParaRPr lang="hu-HU"/>
+          </a:p>
+        </p:txBody>
+      </p:sp>
+    </p:spTree>
+    <p:extLst>
+      <p:ext uri="{BB962C8B-B14F-4D97-AF65-F5344CB8AC3E}">
+        <p14:creationId xmlns:p14="http://schemas.microsoft.com/office/powerpoint/2010/main" val="1944636713"/>
+      </p:ext>
+    </p:extLst>
+  </p:cSld>
+  <p:clrMapOvr>
+    <a:masterClrMapping/>
+  </p:clrMapOvr>
+</p:sld>
+</file>
+
+<file path=ppt/slides/slide8.xml><?xml version="1.0" encoding="utf-8"?>
+<p:sld xmlns:a="http://schemas.openxmlformats.org/drawingml/2006/main" xmlns:r="http://schemas.openxmlformats.org/officeDocument/2006/relationships" xmlns:p="http://schemas.openxmlformats.org/presentationml/2006/main">
+  <p:cSld>
+    <p:spTree>
+      <p:nvGrpSpPr>
+        <p:cNvPr id="1" name=""/>
+        <p:cNvGrpSpPr/>
+        <p:nvPr/>
+      </p:nvGrpSpPr>
+      <p:grpSpPr>
+        <a:xfrm>
+          <a:off x="0" y="0"/>
+          <a:ext cx="0" cy="0"/>
+          <a:chOff x="0" y="0"/>
+          <a:chExt cx="0" cy="0"/>
+        </a:xfrm>
+      </p:grpSpPr>
+      <p:sp>
+        <p:nvSpPr>
+          <p:cNvPr id="2" name="Cím 1"/>
+          <p:cNvSpPr>
+            <a:spLocks noGrp="1"/>
+          </p:cNvSpPr>
+          <p:nvPr>
             <p:ph type="ctrTitle"/>
           </p:nvPr>
         </p:nvSpPr>
@@ -3469,7 +3819,7 @@
 </p:sld>
 </file>
 
-<file path=ppt/slides/slide7.xml><?xml version="1.0" encoding="utf-8"?>
+<file path=ppt/slides/slide9.xml><?xml version="1.0" encoding="utf-8"?>
 <p:sld xmlns:a="http://schemas.openxmlformats.org/drawingml/2006/main" xmlns:r="http://schemas.openxmlformats.org/officeDocument/2006/relationships" xmlns:p="http://schemas.openxmlformats.org/presentationml/2006/main">
   <p:cSld>
     <p:spTree>

--- a/Web 2.0.pptx
+++ b/Web 2.0.pptx
@@ -2,26 +2,27 @@
 <file path=ppt/presentation.xml><?xml version="1.0" encoding="utf-8"?>
 <p:presentation xmlns:a="http://schemas.openxmlformats.org/drawingml/2006/main" xmlns:r="http://schemas.openxmlformats.org/officeDocument/2006/relationships" xmlns:p="http://schemas.openxmlformats.org/presentationml/2006/main" saveSubsetFonts="1">
   <p:sldMasterIdLst>
-    <p:sldMasterId id="2147483648" r:id="rId1"/>
+    <p:sldMasterId id="2147483672" r:id="rId1"/>
   </p:sldMasterIdLst>
   <p:sldIdLst>
     <p:sldId id="256" r:id="rId2"/>
     <p:sldId id="258" r:id="rId3"/>
     <p:sldId id="261" r:id="rId4"/>
     <p:sldId id="259" r:id="rId5"/>
-    <p:sldId id="260" r:id="rId6"/>
-    <p:sldId id="263" r:id="rId7"/>
-    <p:sldId id="264" r:id="rId8"/>
-    <p:sldId id="262" r:id="rId9"/>
-    <p:sldId id="257" r:id="rId10"/>
+    <p:sldId id="265" r:id="rId6"/>
+    <p:sldId id="260" r:id="rId7"/>
+    <p:sldId id="263" r:id="rId8"/>
+    <p:sldId id="264" r:id="rId9"/>
+    <p:sldId id="262" r:id="rId10"/>
+    <p:sldId id="257" r:id="rId11"/>
   </p:sldIdLst>
   <p:sldSz cx="12192000" cy="6858000"/>
   <p:notesSz cx="6858000" cy="9144000"/>
   <p:defaultTextStyle>
     <a:defPPr>
-      <a:defRPr lang="hu-HU"/>
+      <a:defRPr lang="en-US"/>
     </a:defPPr>
-    <a:lvl1pPr marL="0" algn="l" defTabSz="914400" rtl="0" eaLnBrk="1" latinLnBrk="0" hangingPunct="1">
+    <a:lvl1pPr marL="0" algn="l" defTabSz="457200" rtl="0" eaLnBrk="1" latinLnBrk="0" hangingPunct="1">
       <a:defRPr sz="1800" kern="1200">
         <a:solidFill>
           <a:schemeClr val="tx1"/>
@@ -31,7 +32,7 @@
         <a:cs typeface="+mn-cs"/>
       </a:defRPr>
     </a:lvl1pPr>
-    <a:lvl2pPr marL="457200" algn="l" defTabSz="914400" rtl="0" eaLnBrk="1" latinLnBrk="0" hangingPunct="1">
+    <a:lvl2pPr marL="457200" algn="l" defTabSz="457200" rtl="0" eaLnBrk="1" latinLnBrk="0" hangingPunct="1">
       <a:defRPr sz="1800" kern="1200">
         <a:solidFill>
           <a:schemeClr val="tx1"/>
@@ -41,7 +42,7 @@
         <a:cs typeface="+mn-cs"/>
       </a:defRPr>
     </a:lvl2pPr>
-    <a:lvl3pPr marL="914400" algn="l" defTabSz="914400" rtl="0" eaLnBrk="1" latinLnBrk="0" hangingPunct="1">
+    <a:lvl3pPr marL="914400" algn="l" defTabSz="457200" rtl="0" eaLnBrk="1" latinLnBrk="0" hangingPunct="1">
       <a:defRPr sz="1800" kern="1200">
         <a:solidFill>
           <a:schemeClr val="tx1"/>
@@ -51,7 +52,7 @@
         <a:cs typeface="+mn-cs"/>
       </a:defRPr>
     </a:lvl3pPr>
-    <a:lvl4pPr marL="1371600" algn="l" defTabSz="914400" rtl="0" eaLnBrk="1" latinLnBrk="0" hangingPunct="1">
+    <a:lvl4pPr marL="1371600" algn="l" defTabSz="457200" rtl="0" eaLnBrk="1" latinLnBrk="0" hangingPunct="1">
       <a:defRPr sz="1800" kern="1200">
         <a:solidFill>
           <a:schemeClr val="tx1"/>
@@ -61,7 +62,7 @@
         <a:cs typeface="+mn-cs"/>
       </a:defRPr>
     </a:lvl4pPr>
-    <a:lvl5pPr marL="1828800" algn="l" defTabSz="914400" rtl="0" eaLnBrk="1" latinLnBrk="0" hangingPunct="1">
+    <a:lvl5pPr marL="1828800" algn="l" defTabSz="457200" rtl="0" eaLnBrk="1" latinLnBrk="0" hangingPunct="1">
       <a:defRPr sz="1800" kern="1200">
         <a:solidFill>
           <a:schemeClr val="tx1"/>
@@ -71,7 +72,7 @@
         <a:cs typeface="+mn-cs"/>
       </a:defRPr>
     </a:lvl5pPr>
-    <a:lvl6pPr marL="2286000" algn="l" defTabSz="914400" rtl="0" eaLnBrk="1" latinLnBrk="0" hangingPunct="1">
+    <a:lvl6pPr marL="2286000" algn="l" defTabSz="457200" rtl="0" eaLnBrk="1" latinLnBrk="0" hangingPunct="1">
       <a:defRPr sz="1800" kern="1200">
         <a:solidFill>
           <a:schemeClr val="tx1"/>
@@ -81,7 +82,7 @@
         <a:cs typeface="+mn-cs"/>
       </a:defRPr>
     </a:lvl6pPr>
-    <a:lvl7pPr marL="2743200" algn="l" defTabSz="914400" rtl="0" eaLnBrk="1" latinLnBrk="0" hangingPunct="1">
+    <a:lvl7pPr marL="2743200" algn="l" defTabSz="457200" rtl="0" eaLnBrk="1" latinLnBrk="0" hangingPunct="1">
       <a:defRPr sz="1800" kern="1200">
         <a:solidFill>
           <a:schemeClr val="tx1"/>
@@ -91,7 +92,7 @@
         <a:cs typeface="+mn-cs"/>
       </a:defRPr>
     </a:lvl7pPr>
-    <a:lvl8pPr marL="3200400" algn="l" defTabSz="914400" rtl="0" eaLnBrk="1" latinLnBrk="0" hangingPunct="1">
+    <a:lvl8pPr marL="3200400" algn="l" defTabSz="457200" rtl="0" eaLnBrk="1" latinLnBrk="0" hangingPunct="1">
       <a:defRPr sz="1800" kern="1200">
         <a:solidFill>
           <a:schemeClr val="tx1"/>
@@ -101,7 +102,7 @@
         <a:cs typeface="+mn-cs"/>
       </a:defRPr>
     </a:lvl8pPr>
-    <a:lvl9pPr marL="3657600" algn="l" defTabSz="914400" rtl="0" eaLnBrk="1" latinLnBrk="0" hangingPunct="1">
+    <a:lvl9pPr marL="3657600" algn="l" defTabSz="457200" rtl="0" eaLnBrk="1" latinLnBrk="0" hangingPunct="1">
       <a:defRPr sz="1800" kern="1200">
         <a:solidFill>
           <a:schemeClr val="tx1"/>
@@ -139,7 +140,7 @@
       </p:grpSpPr>
       <p:sp>
         <p:nvSpPr>
-          <p:cNvPr id="2" name="Cím 1"/>
+          <p:cNvPr id="2" name="Title 1"/>
           <p:cNvSpPr>
             <a:spLocks noGrp="1"/>
           </p:cNvSpPr>
@@ -149,15 +150,17 @@
         </p:nvSpPr>
         <p:spPr>
           <a:xfrm>
-            <a:off x="1524000" y="1122363"/>
-            <a:ext cx="9144000" cy="2387600"/>
+            <a:off x="1370693" y="1769540"/>
+            <a:ext cx="9440034" cy="1828801"/>
           </a:xfrm>
         </p:spPr>
         <p:txBody>
-          <a:bodyPr anchor="b"/>
+          <a:bodyPr anchor="b">
+            <a:normAutofit/>
+          </a:bodyPr>
           <a:lstStyle>
             <a:lvl1pPr algn="ctr">
-              <a:defRPr sz="6000"/>
+              <a:defRPr sz="5400"/>
             </a:lvl1pPr>
           </a:lstStyle>
           <a:p>
@@ -165,13 +168,13 @@
               <a:rPr lang="hu-HU" smtClean="0"/>
               <a:t>Mintacím szerkesztése</a:t>
             </a:r>
-            <a:endParaRPr lang="hu-HU"/>
-          </a:p>
-        </p:txBody>
-      </p:sp>
-      <p:sp>
-        <p:nvSpPr>
-          <p:cNvPr id="3" name="Alcím 2"/>
+            <a:endParaRPr lang="en-US" dirty="0"/>
+          </a:p>
+        </p:txBody>
+      </p:sp>
+      <p:sp>
+        <p:nvSpPr>
+          <p:cNvPr id="3" name="Subtitle 2"/>
           <p:cNvSpPr>
             <a:spLocks noGrp="1"/>
           </p:cNvSpPr>
@@ -181,48 +184,100 @@
         </p:nvSpPr>
         <p:spPr>
           <a:xfrm>
-            <a:off x="1524000" y="3602038"/>
-            <a:ext cx="9144000" cy="1655762"/>
+            <a:off x="1370693" y="3598339"/>
+            <a:ext cx="9440034" cy="1049867"/>
           </a:xfrm>
         </p:spPr>
         <p:txBody>
-          <a:bodyPr/>
+          <a:bodyPr anchor="t"/>
           <a:lstStyle>
             <a:lvl1pPr marL="0" indent="0" algn="ctr">
               <a:buNone/>
-              <a:defRPr sz="2400"/>
+              <a:defRPr>
+                <a:solidFill>
+                  <a:schemeClr val="tx1"/>
+                </a:solidFill>
+              </a:defRPr>
             </a:lvl1pPr>
             <a:lvl2pPr marL="457200" indent="0" algn="ctr">
               <a:buNone/>
-              <a:defRPr sz="2000"/>
+              <a:defRPr>
+                <a:solidFill>
+                  <a:schemeClr val="tx1">
+                    <a:tint val="75000"/>
+                  </a:schemeClr>
+                </a:solidFill>
+              </a:defRPr>
             </a:lvl2pPr>
             <a:lvl3pPr marL="914400" indent="0" algn="ctr">
               <a:buNone/>
-              <a:defRPr sz="1800"/>
+              <a:defRPr>
+                <a:solidFill>
+                  <a:schemeClr val="tx1">
+                    <a:tint val="75000"/>
+                  </a:schemeClr>
+                </a:solidFill>
+              </a:defRPr>
             </a:lvl3pPr>
             <a:lvl4pPr marL="1371600" indent="0" algn="ctr">
               <a:buNone/>
-              <a:defRPr sz="1600"/>
+              <a:defRPr>
+                <a:solidFill>
+                  <a:schemeClr val="tx1">
+                    <a:tint val="75000"/>
+                  </a:schemeClr>
+                </a:solidFill>
+              </a:defRPr>
             </a:lvl4pPr>
             <a:lvl5pPr marL="1828800" indent="0" algn="ctr">
               <a:buNone/>
-              <a:defRPr sz="1600"/>
+              <a:defRPr>
+                <a:solidFill>
+                  <a:schemeClr val="tx1">
+                    <a:tint val="75000"/>
+                  </a:schemeClr>
+                </a:solidFill>
+              </a:defRPr>
             </a:lvl5pPr>
             <a:lvl6pPr marL="2286000" indent="0" algn="ctr">
               <a:buNone/>
-              <a:defRPr sz="1600"/>
+              <a:defRPr>
+                <a:solidFill>
+                  <a:schemeClr val="tx1">
+                    <a:tint val="75000"/>
+                  </a:schemeClr>
+                </a:solidFill>
+              </a:defRPr>
             </a:lvl6pPr>
             <a:lvl7pPr marL="2743200" indent="0" algn="ctr">
               <a:buNone/>
-              <a:defRPr sz="1600"/>
+              <a:defRPr>
+                <a:solidFill>
+                  <a:schemeClr val="tx1">
+                    <a:tint val="75000"/>
+                  </a:schemeClr>
+                </a:solidFill>
+              </a:defRPr>
             </a:lvl7pPr>
             <a:lvl8pPr marL="3200400" indent="0" algn="ctr">
               <a:buNone/>
-              <a:defRPr sz="1600"/>
+              <a:defRPr>
+                <a:solidFill>
+                  <a:schemeClr val="tx1">
+                    <a:tint val="75000"/>
+                  </a:schemeClr>
+                </a:solidFill>
+              </a:defRPr>
             </a:lvl8pPr>
             <a:lvl9pPr marL="3657600" indent="0" algn="ctr">
               <a:buNone/>
-              <a:defRPr sz="1600"/>
+              <a:defRPr>
+                <a:solidFill>
+                  <a:schemeClr val="tx1">
+                    <a:tint val="75000"/>
+                  </a:schemeClr>
+                </a:solidFill>
+              </a:defRPr>
             </a:lvl9pPr>
           </a:lstStyle>
           <a:p>
@@ -230,13 +285,13 @@
               <a:rPr lang="hu-HU" smtClean="0"/>
               <a:t>Kattintson ide az alcím mintájának szerkesztéséhez</a:t>
             </a:r>
-            <a:endParaRPr lang="hu-HU"/>
-          </a:p>
-        </p:txBody>
-      </p:sp>
-      <p:sp>
-        <p:nvSpPr>
-          <p:cNvPr id="4" name="Dátum helye 3"/>
+            <a:endParaRPr lang="en-US" dirty="0"/>
+          </a:p>
+        </p:txBody>
+      </p:sp>
+      <p:sp>
+        <p:nvSpPr>
+          <p:cNvPr id="4" name="Date Placeholder 3"/>
           <p:cNvSpPr>
             <a:spLocks noGrp="1"/>
           </p:cNvSpPr>
@@ -251,7 +306,7 @@
           <a:p>
             <a:fld id="{CE904122-5843-4DE5-B716-8C27E94EF1F8}" type="datetimeFigureOut">
               <a:rPr lang="hu-HU" smtClean="0"/>
-              <a:t>2022.09.13.</a:t>
+              <a:t>2022.09.15.</a:t>
             </a:fld>
             <a:endParaRPr lang="hu-HU"/>
           </a:p>
@@ -259,7 +314,7 @@
       </p:sp>
       <p:sp>
         <p:nvSpPr>
-          <p:cNvPr id="5" name="Élőláb helye 4"/>
+          <p:cNvPr id="5" name="Footer Placeholder 4"/>
           <p:cNvSpPr>
             <a:spLocks noGrp="1"/>
           </p:cNvSpPr>
@@ -278,7 +333,7 @@
       </p:sp>
       <p:sp>
         <p:nvSpPr>
-          <p:cNvPr id="6" name="Dia számának helye 5"/>
+          <p:cNvPr id="6" name="Slide Number Placeholder 5"/>
           <p:cNvSpPr>
             <a:spLocks noGrp="1"/>
           </p:cNvSpPr>
@@ -302,7 +357,7 @@
     </p:spTree>
     <p:extLst>
       <p:ext uri="{BB962C8B-B14F-4D97-AF65-F5344CB8AC3E}">
-        <p14:creationId xmlns:p14="http://schemas.microsoft.com/office/powerpoint/2010/main" val="2697601265"/>
+        <p14:creationId xmlns:p14="http://schemas.microsoft.com/office/powerpoint/2010/main" val="1161334054"/>
       </p:ext>
     </p:extLst>
   </p:cSld>
@@ -313,6 +368,2582 @@
 </file>
 
 <file path=ppt/slideLayouts/slideLayout10.xml><?xml version="1.0" encoding="utf-8"?>
+<p:sldLayout xmlns:a="http://schemas.openxmlformats.org/drawingml/2006/main" xmlns:r="http://schemas.openxmlformats.org/officeDocument/2006/relationships" xmlns:p="http://schemas.openxmlformats.org/presentationml/2006/main" preserve="1">
+  <p:cSld name="Panorámakép képaláírással">
+    <p:spTree>
+      <p:nvGrpSpPr>
+        <p:cNvPr id="1" name=""/>
+        <p:cNvGrpSpPr/>
+        <p:nvPr/>
+      </p:nvGrpSpPr>
+      <p:grpSpPr>
+        <a:xfrm>
+          <a:off x="0" y="0"/>
+          <a:ext cx="0" cy="0"/>
+          <a:chOff x="0" y="0"/>
+          <a:chExt cx="0" cy="0"/>
+        </a:xfrm>
+      </p:grpSpPr>
+      <p:pic>
+        <p:nvPicPr>
+          <p:cNvPr id="16" name="Picture 15" descr="Slate-V2-HD-panoPhotoInset.png"/>
+          <p:cNvPicPr>
+            <a:picLocks noChangeAspect="1"/>
+          </p:cNvPicPr>
+          <p:nvPr/>
+        </p:nvPicPr>
+        <p:blipFill>
+          <a:blip r:embed="rId2">
+            <a:extLst>
+              <a:ext uri="{28A0092B-C50C-407E-A947-70E740481C1C}">
+                <a14:useLocalDpi xmlns:a14="http://schemas.microsoft.com/office/drawing/2010/main" val="0"/>
+              </a:ext>
+            </a:extLst>
+          </a:blip>
+          <a:stretch>
+            <a:fillRect/>
+          </a:stretch>
+        </p:blipFill>
+        <p:spPr>
+          <a:xfrm>
+            <a:off x="1013883" y="547807"/>
+            <a:ext cx="10141799" cy="3816806"/>
+          </a:xfrm>
+          <a:prstGeom prst="rect">
+            <a:avLst/>
+          </a:prstGeom>
+        </p:spPr>
+      </p:pic>
+      <p:sp>
+        <p:nvSpPr>
+          <p:cNvPr id="2" name="Title 1"/>
+          <p:cNvSpPr>
+            <a:spLocks noGrp="1"/>
+          </p:cNvSpPr>
+          <p:nvPr>
+            <p:ph type="title"/>
+          </p:nvPr>
+        </p:nvSpPr>
+        <p:spPr>
+          <a:xfrm>
+            <a:off x="913806" y="4565255"/>
+            <a:ext cx="10355326" cy="543472"/>
+          </a:xfrm>
+        </p:spPr>
+        <p:txBody>
+          <a:bodyPr anchor="b">
+            <a:normAutofit/>
+          </a:bodyPr>
+          <a:lstStyle>
+            <a:lvl1pPr algn="ctr">
+              <a:defRPr sz="2800"/>
+            </a:lvl1pPr>
+          </a:lstStyle>
+          <a:p>
+            <a:r>
+              <a:rPr lang="hu-HU" smtClean="0"/>
+              <a:t>Mintacím szerkesztése</a:t>
+            </a:r>
+            <a:endParaRPr lang="en-US" dirty="0"/>
+          </a:p>
+        </p:txBody>
+      </p:sp>
+      <p:sp>
+        <p:nvSpPr>
+          <p:cNvPr id="3" name="Picture Placeholder 2"/>
+          <p:cNvSpPr>
+            <a:spLocks noGrp="1" noChangeAspect="1"/>
+          </p:cNvSpPr>
+          <p:nvPr>
+            <p:ph type="pic" idx="1"/>
+          </p:nvPr>
+        </p:nvSpPr>
+        <p:spPr>
+          <a:xfrm>
+            <a:off x="1169349" y="695009"/>
+            <a:ext cx="9845346" cy="3525671"/>
+          </a:xfrm>
+          <a:effectLst>
+            <a:outerShdw blurRad="38100" dist="25400" dir="4440000">
+              <a:srgbClr val="000000">
+                <a:alpha val="36000"/>
+              </a:srgbClr>
+            </a:outerShdw>
+          </a:effectLst>
+        </p:spPr>
+        <p:txBody>
+          <a:bodyPr anchor="t">
+            <a:normAutofit/>
+          </a:bodyPr>
+          <a:lstStyle>
+            <a:lvl1pPr marL="0" indent="0" algn="ctr">
+              <a:buNone/>
+              <a:defRPr sz="2000"/>
+            </a:lvl1pPr>
+            <a:lvl2pPr marL="457200" indent="0">
+              <a:buNone/>
+              <a:defRPr sz="2000"/>
+            </a:lvl2pPr>
+            <a:lvl3pPr marL="914400" indent="0">
+              <a:buNone/>
+              <a:defRPr sz="2000"/>
+            </a:lvl3pPr>
+            <a:lvl4pPr marL="1371600" indent="0">
+              <a:buNone/>
+              <a:defRPr sz="2000"/>
+            </a:lvl4pPr>
+            <a:lvl5pPr marL="1828800" indent="0">
+              <a:buNone/>
+              <a:defRPr sz="2000"/>
+            </a:lvl5pPr>
+            <a:lvl6pPr marL="2286000" indent="0">
+              <a:buNone/>
+              <a:defRPr sz="2000"/>
+            </a:lvl6pPr>
+            <a:lvl7pPr marL="2743200" indent="0">
+              <a:buNone/>
+              <a:defRPr sz="2000"/>
+            </a:lvl7pPr>
+            <a:lvl8pPr marL="3200400" indent="0">
+              <a:buNone/>
+              <a:defRPr sz="2000"/>
+            </a:lvl8pPr>
+            <a:lvl9pPr marL="3657600" indent="0">
+              <a:buNone/>
+              <a:defRPr sz="2000"/>
+            </a:lvl9pPr>
+          </a:lstStyle>
+          <a:p>
+            <a:r>
+              <a:rPr lang="hu-HU" smtClean="0"/>
+              <a:t>Kép beszúrásához kattintson az ikonra</a:t>
+            </a:r>
+            <a:endParaRPr lang="en-US" dirty="0"/>
+          </a:p>
+        </p:txBody>
+      </p:sp>
+      <p:sp>
+        <p:nvSpPr>
+          <p:cNvPr id="4" name="Text Placeholder 3"/>
+          <p:cNvSpPr>
+            <a:spLocks noGrp="1"/>
+          </p:cNvSpPr>
+          <p:nvPr>
+            <p:ph type="body" sz="half" idx="2"/>
+          </p:nvPr>
+        </p:nvSpPr>
+        <p:spPr>
+          <a:xfrm>
+            <a:off x="913795" y="5108728"/>
+            <a:ext cx="10353762" cy="682472"/>
+          </a:xfrm>
+        </p:spPr>
+        <p:txBody>
+          <a:bodyPr anchor="t"/>
+          <a:lstStyle>
+            <a:lvl1pPr marL="0" indent="0" algn="ctr">
+              <a:buNone/>
+              <a:defRPr sz="1600"/>
+            </a:lvl1pPr>
+            <a:lvl2pPr marL="457200" indent="0">
+              <a:buNone/>
+              <a:defRPr sz="1400"/>
+            </a:lvl2pPr>
+            <a:lvl3pPr marL="914400" indent="0">
+              <a:buNone/>
+              <a:defRPr sz="1200"/>
+            </a:lvl3pPr>
+            <a:lvl4pPr marL="1371600" indent="0">
+              <a:buNone/>
+              <a:defRPr sz="1000"/>
+            </a:lvl4pPr>
+            <a:lvl5pPr marL="1828800" indent="0">
+              <a:buNone/>
+              <a:defRPr sz="1000"/>
+            </a:lvl5pPr>
+            <a:lvl6pPr marL="2286000" indent="0">
+              <a:buNone/>
+              <a:defRPr sz="1000"/>
+            </a:lvl6pPr>
+            <a:lvl7pPr marL="2743200" indent="0">
+              <a:buNone/>
+              <a:defRPr sz="1000"/>
+            </a:lvl7pPr>
+            <a:lvl8pPr marL="3200400" indent="0">
+              <a:buNone/>
+              <a:defRPr sz="1000"/>
+            </a:lvl8pPr>
+            <a:lvl9pPr marL="3657600" indent="0">
+              <a:buNone/>
+              <a:defRPr sz="1000"/>
+            </a:lvl9pPr>
+          </a:lstStyle>
+          <a:p>
+            <a:pPr lvl="0"/>
+            <a:r>
+              <a:rPr lang="hu-HU" smtClean="0"/>
+              <a:t>Mintaszöveg szerkesztése</a:t>
+            </a:r>
+          </a:p>
+        </p:txBody>
+      </p:sp>
+      <p:sp>
+        <p:nvSpPr>
+          <p:cNvPr id="5" name="Date Placeholder 4"/>
+          <p:cNvSpPr>
+            <a:spLocks noGrp="1"/>
+          </p:cNvSpPr>
+          <p:nvPr>
+            <p:ph type="dt" sz="half" idx="10"/>
+          </p:nvPr>
+        </p:nvSpPr>
+        <p:spPr/>
+        <p:txBody>
+          <a:bodyPr/>
+          <a:lstStyle/>
+          <a:p>
+            <a:fld id="{CE904122-5843-4DE5-B716-8C27E94EF1F8}" type="datetimeFigureOut">
+              <a:rPr lang="hu-HU" smtClean="0"/>
+              <a:t>2022.09.15.</a:t>
+            </a:fld>
+            <a:endParaRPr lang="hu-HU"/>
+          </a:p>
+        </p:txBody>
+      </p:sp>
+      <p:sp>
+        <p:nvSpPr>
+          <p:cNvPr id="6" name="Footer Placeholder 5"/>
+          <p:cNvSpPr>
+            <a:spLocks noGrp="1"/>
+          </p:cNvSpPr>
+          <p:nvPr>
+            <p:ph type="ftr" sz="quarter" idx="11"/>
+          </p:nvPr>
+        </p:nvSpPr>
+        <p:spPr/>
+        <p:txBody>
+          <a:bodyPr/>
+          <a:lstStyle/>
+          <a:p>
+            <a:endParaRPr lang="hu-HU"/>
+          </a:p>
+        </p:txBody>
+      </p:sp>
+      <p:sp>
+        <p:nvSpPr>
+          <p:cNvPr id="7" name="Slide Number Placeholder 6"/>
+          <p:cNvSpPr>
+            <a:spLocks noGrp="1"/>
+          </p:cNvSpPr>
+          <p:nvPr>
+            <p:ph type="sldNum" sz="quarter" idx="12"/>
+          </p:nvPr>
+        </p:nvSpPr>
+        <p:spPr/>
+        <p:txBody>
+          <a:bodyPr/>
+          <a:lstStyle/>
+          <a:p>
+            <a:fld id="{053105E8-AF3F-4F6D-AE33-CE49DF6FD6C8}" type="slidenum">
+              <a:rPr lang="hu-HU" smtClean="0"/>
+              <a:t>‹#›</a:t>
+            </a:fld>
+            <a:endParaRPr lang="hu-HU"/>
+          </a:p>
+        </p:txBody>
+      </p:sp>
+    </p:spTree>
+    <p:extLst>
+      <p:ext uri="{BB962C8B-B14F-4D97-AF65-F5344CB8AC3E}">
+        <p14:creationId xmlns:p14="http://schemas.microsoft.com/office/powerpoint/2010/main" val="1175201926"/>
+      </p:ext>
+    </p:extLst>
+  </p:cSld>
+  <p:clrMapOvr>
+    <a:masterClrMapping/>
+  </p:clrMapOvr>
+</p:sldLayout>
+</file>
+
+<file path=ppt/slideLayouts/slideLayout11.xml><?xml version="1.0" encoding="utf-8"?>
+<p:sldLayout xmlns:a="http://schemas.openxmlformats.org/drawingml/2006/main" xmlns:r="http://schemas.openxmlformats.org/officeDocument/2006/relationships" xmlns:p="http://schemas.openxmlformats.org/presentationml/2006/main" preserve="1">
+  <p:cSld name="Cím és képaláírás">
+    <p:spTree>
+      <p:nvGrpSpPr>
+        <p:cNvPr id="1" name=""/>
+        <p:cNvGrpSpPr/>
+        <p:nvPr/>
+      </p:nvGrpSpPr>
+      <p:grpSpPr>
+        <a:xfrm>
+          <a:off x="0" y="0"/>
+          <a:ext cx="0" cy="0"/>
+          <a:chOff x="0" y="0"/>
+          <a:chExt cx="0" cy="0"/>
+        </a:xfrm>
+      </p:grpSpPr>
+      <p:sp>
+        <p:nvSpPr>
+          <p:cNvPr id="2" name="Title 1"/>
+          <p:cNvSpPr>
+            <a:spLocks noGrp="1"/>
+          </p:cNvSpPr>
+          <p:nvPr>
+            <p:ph type="title"/>
+          </p:nvPr>
+        </p:nvSpPr>
+        <p:spPr>
+          <a:xfrm>
+            <a:off x="913795" y="608437"/>
+            <a:ext cx="10353762" cy="3534344"/>
+          </a:xfrm>
+        </p:spPr>
+        <p:txBody>
+          <a:bodyPr anchor="ctr"/>
+          <a:lstStyle>
+            <a:lvl1pPr>
+              <a:defRPr sz="3200"/>
+            </a:lvl1pPr>
+          </a:lstStyle>
+          <a:p>
+            <a:r>
+              <a:rPr lang="hu-HU" smtClean="0"/>
+              <a:t>Mintacím szerkesztése</a:t>
+            </a:r>
+            <a:endParaRPr lang="en-US" dirty="0"/>
+          </a:p>
+        </p:txBody>
+      </p:sp>
+      <p:sp>
+        <p:nvSpPr>
+          <p:cNvPr id="4" name="Text Placeholder 3"/>
+          <p:cNvSpPr>
+            <a:spLocks noGrp="1"/>
+          </p:cNvSpPr>
+          <p:nvPr>
+            <p:ph type="body" sz="half" idx="2"/>
+          </p:nvPr>
+        </p:nvSpPr>
+        <p:spPr>
+          <a:xfrm>
+            <a:off x="913794" y="4295180"/>
+            <a:ext cx="10353763" cy="1501826"/>
+          </a:xfrm>
+        </p:spPr>
+        <p:txBody>
+          <a:bodyPr anchor="ctr"/>
+          <a:lstStyle>
+            <a:lvl1pPr marL="0" indent="0" algn="ctr">
+              <a:buNone/>
+              <a:defRPr sz="1600"/>
+            </a:lvl1pPr>
+            <a:lvl2pPr marL="457200" indent="0">
+              <a:buNone/>
+              <a:defRPr sz="1400"/>
+            </a:lvl2pPr>
+            <a:lvl3pPr marL="914400" indent="0">
+              <a:buNone/>
+              <a:defRPr sz="1200"/>
+            </a:lvl3pPr>
+            <a:lvl4pPr marL="1371600" indent="0">
+              <a:buNone/>
+              <a:defRPr sz="1000"/>
+            </a:lvl4pPr>
+            <a:lvl5pPr marL="1828800" indent="0">
+              <a:buNone/>
+              <a:defRPr sz="1000"/>
+            </a:lvl5pPr>
+            <a:lvl6pPr marL="2286000" indent="0">
+              <a:buNone/>
+              <a:defRPr sz="1000"/>
+            </a:lvl6pPr>
+            <a:lvl7pPr marL="2743200" indent="0">
+              <a:buNone/>
+              <a:defRPr sz="1000"/>
+            </a:lvl7pPr>
+            <a:lvl8pPr marL="3200400" indent="0">
+              <a:buNone/>
+              <a:defRPr sz="1000"/>
+            </a:lvl8pPr>
+            <a:lvl9pPr marL="3657600" indent="0">
+              <a:buNone/>
+              <a:defRPr sz="1000"/>
+            </a:lvl9pPr>
+          </a:lstStyle>
+          <a:p>
+            <a:pPr lvl="0"/>
+            <a:r>
+              <a:rPr lang="hu-HU" smtClean="0"/>
+              <a:t>Mintaszöveg szerkesztése</a:t>
+            </a:r>
+          </a:p>
+        </p:txBody>
+      </p:sp>
+      <p:sp>
+        <p:nvSpPr>
+          <p:cNvPr id="5" name="Date Placeholder 4"/>
+          <p:cNvSpPr>
+            <a:spLocks noGrp="1"/>
+          </p:cNvSpPr>
+          <p:nvPr>
+            <p:ph type="dt" sz="half" idx="10"/>
+          </p:nvPr>
+        </p:nvSpPr>
+        <p:spPr/>
+        <p:txBody>
+          <a:bodyPr/>
+          <a:lstStyle/>
+          <a:p>
+            <a:fld id="{CE904122-5843-4DE5-B716-8C27E94EF1F8}" type="datetimeFigureOut">
+              <a:rPr lang="hu-HU" smtClean="0"/>
+              <a:t>2022.09.15.</a:t>
+            </a:fld>
+            <a:endParaRPr lang="hu-HU"/>
+          </a:p>
+        </p:txBody>
+      </p:sp>
+      <p:sp>
+        <p:nvSpPr>
+          <p:cNvPr id="6" name="Footer Placeholder 5"/>
+          <p:cNvSpPr>
+            <a:spLocks noGrp="1"/>
+          </p:cNvSpPr>
+          <p:nvPr>
+            <p:ph type="ftr" sz="quarter" idx="11"/>
+          </p:nvPr>
+        </p:nvSpPr>
+        <p:spPr/>
+        <p:txBody>
+          <a:bodyPr/>
+          <a:lstStyle/>
+          <a:p>
+            <a:endParaRPr lang="hu-HU"/>
+          </a:p>
+        </p:txBody>
+      </p:sp>
+      <p:sp>
+        <p:nvSpPr>
+          <p:cNvPr id="7" name="Slide Number Placeholder 6"/>
+          <p:cNvSpPr>
+            <a:spLocks noGrp="1"/>
+          </p:cNvSpPr>
+          <p:nvPr>
+            <p:ph type="sldNum" sz="quarter" idx="12"/>
+          </p:nvPr>
+        </p:nvSpPr>
+        <p:spPr/>
+        <p:txBody>
+          <a:bodyPr/>
+          <a:lstStyle/>
+          <a:p>
+            <a:fld id="{053105E8-AF3F-4F6D-AE33-CE49DF6FD6C8}" type="slidenum">
+              <a:rPr lang="hu-HU" smtClean="0"/>
+              <a:t>‹#›</a:t>
+            </a:fld>
+            <a:endParaRPr lang="hu-HU"/>
+          </a:p>
+        </p:txBody>
+      </p:sp>
+    </p:spTree>
+    <p:extLst>
+      <p:ext uri="{BB962C8B-B14F-4D97-AF65-F5344CB8AC3E}">
+        <p14:creationId xmlns:p14="http://schemas.microsoft.com/office/powerpoint/2010/main" val="295815929"/>
+      </p:ext>
+    </p:extLst>
+  </p:cSld>
+  <p:clrMapOvr>
+    <a:masterClrMapping/>
+  </p:clrMapOvr>
+</p:sldLayout>
+</file>
+
+<file path=ppt/slideLayouts/slideLayout12.xml><?xml version="1.0" encoding="utf-8"?>
+<p:sldLayout xmlns:a="http://schemas.openxmlformats.org/drawingml/2006/main" xmlns:r="http://schemas.openxmlformats.org/officeDocument/2006/relationships" xmlns:p="http://schemas.openxmlformats.org/presentationml/2006/main" preserve="1">
+  <p:cSld name="Idézet képaláírással">
+    <p:spTree>
+      <p:nvGrpSpPr>
+        <p:cNvPr id="1" name=""/>
+        <p:cNvGrpSpPr/>
+        <p:nvPr/>
+      </p:nvGrpSpPr>
+      <p:grpSpPr>
+        <a:xfrm>
+          <a:off x="0" y="0"/>
+          <a:ext cx="0" cy="0"/>
+          <a:chOff x="0" y="0"/>
+          <a:chExt cx="0" cy="0"/>
+        </a:xfrm>
+      </p:grpSpPr>
+      <p:sp>
+        <p:nvSpPr>
+          <p:cNvPr id="2" name="Title 1"/>
+          <p:cNvSpPr>
+            <a:spLocks noGrp="1"/>
+          </p:cNvSpPr>
+          <p:nvPr>
+            <p:ph type="title"/>
+          </p:nvPr>
+        </p:nvSpPr>
+        <p:spPr>
+          <a:xfrm>
+            <a:off x="1446212" y="609600"/>
+            <a:ext cx="9302752" cy="2992904"/>
+          </a:xfrm>
+        </p:spPr>
+        <p:txBody>
+          <a:bodyPr anchor="ctr"/>
+          <a:lstStyle>
+            <a:lvl1pPr>
+              <a:defRPr sz="3200"/>
+            </a:lvl1pPr>
+          </a:lstStyle>
+          <a:p>
+            <a:r>
+              <a:rPr lang="hu-HU" smtClean="0"/>
+              <a:t>Mintacím szerkesztése</a:t>
+            </a:r>
+            <a:endParaRPr lang="en-US" dirty="0"/>
+          </a:p>
+        </p:txBody>
+      </p:sp>
+      <p:sp>
+        <p:nvSpPr>
+          <p:cNvPr id="12" name="Text Placeholder 3"/>
+          <p:cNvSpPr>
+            <a:spLocks noGrp="1"/>
+          </p:cNvSpPr>
+          <p:nvPr>
+            <p:ph type="body" sz="half" idx="13"/>
+          </p:nvPr>
+        </p:nvSpPr>
+        <p:spPr>
+          <a:xfrm>
+            <a:off x="1720644" y="3610032"/>
+            <a:ext cx="8752299" cy="532749"/>
+          </a:xfrm>
+        </p:spPr>
+        <p:txBody>
+          <a:bodyPr anchor="t">
+            <a:normAutofit/>
+          </a:bodyPr>
+          <a:lstStyle>
+            <a:lvl1pPr marL="0" indent="0" algn="r">
+              <a:buNone/>
+              <a:defRPr sz="1400"/>
+            </a:lvl1pPr>
+            <a:lvl2pPr marL="457200" indent="0">
+              <a:buNone/>
+              <a:defRPr sz="1400"/>
+            </a:lvl2pPr>
+            <a:lvl3pPr marL="914400" indent="0">
+              <a:buNone/>
+              <a:defRPr sz="1200"/>
+            </a:lvl3pPr>
+            <a:lvl4pPr marL="1371600" indent="0">
+              <a:buNone/>
+              <a:defRPr sz="1000"/>
+            </a:lvl4pPr>
+            <a:lvl5pPr marL="1828800" indent="0">
+              <a:buNone/>
+              <a:defRPr sz="1000"/>
+            </a:lvl5pPr>
+            <a:lvl6pPr marL="2286000" indent="0">
+              <a:buNone/>
+              <a:defRPr sz="1000"/>
+            </a:lvl6pPr>
+            <a:lvl7pPr marL="2743200" indent="0">
+              <a:buNone/>
+              <a:defRPr sz="1000"/>
+            </a:lvl7pPr>
+            <a:lvl8pPr marL="3200400" indent="0">
+              <a:buNone/>
+              <a:defRPr sz="1000"/>
+            </a:lvl8pPr>
+            <a:lvl9pPr marL="3657600" indent="0">
+              <a:buNone/>
+              <a:defRPr sz="1000"/>
+            </a:lvl9pPr>
+          </a:lstStyle>
+          <a:p>
+            <a:pPr lvl="0"/>
+            <a:r>
+              <a:rPr lang="hu-HU" smtClean="0"/>
+              <a:t>Mintaszöveg szerkesztése</a:t>
+            </a:r>
+          </a:p>
+        </p:txBody>
+      </p:sp>
+      <p:sp>
+        <p:nvSpPr>
+          <p:cNvPr id="4" name="Text Placeholder 3"/>
+          <p:cNvSpPr>
+            <a:spLocks noGrp="1"/>
+          </p:cNvSpPr>
+          <p:nvPr>
+            <p:ph type="body" sz="half" idx="2"/>
+          </p:nvPr>
+        </p:nvSpPr>
+        <p:spPr>
+          <a:xfrm>
+            <a:off x="913794" y="4304353"/>
+            <a:ext cx="10353763" cy="1489496"/>
+          </a:xfrm>
+        </p:spPr>
+        <p:txBody>
+          <a:bodyPr anchor="ctr">
+            <a:normAutofit/>
+          </a:bodyPr>
+          <a:lstStyle>
+            <a:lvl1pPr marL="0" indent="0" algn="ctr">
+              <a:buNone/>
+              <a:defRPr sz="1600"/>
+            </a:lvl1pPr>
+            <a:lvl2pPr marL="457200" indent="0">
+              <a:buNone/>
+              <a:defRPr sz="1400"/>
+            </a:lvl2pPr>
+            <a:lvl3pPr marL="914400" indent="0">
+              <a:buNone/>
+              <a:defRPr sz="1200"/>
+            </a:lvl3pPr>
+            <a:lvl4pPr marL="1371600" indent="0">
+              <a:buNone/>
+              <a:defRPr sz="1000"/>
+            </a:lvl4pPr>
+            <a:lvl5pPr marL="1828800" indent="0">
+              <a:buNone/>
+              <a:defRPr sz="1000"/>
+            </a:lvl5pPr>
+            <a:lvl6pPr marL="2286000" indent="0">
+              <a:buNone/>
+              <a:defRPr sz="1000"/>
+            </a:lvl6pPr>
+            <a:lvl7pPr marL="2743200" indent="0">
+              <a:buNone/>
+              <a:defRPr sz="1000"/>
+            </a:lvl7pPr>
+            <a:lvl8pPr marL="3200400" indent="0">
+              <a:buNone/>
+              <a:defRPr sz="1000"/>
+            </a:lvl8pPr>
+            <a:lvl9pPr marL="3657600" indent="0">
+              <a:buNone/>
+              <a:defRPr sz="1000"/>
+            </a:lvl9pPr>
+          </a:lstStyle>
+          <a:p>
+            <a:pPr lvl="0"/>
+            <a:r>
+              <a:rPr lang="hu-HU" smtClean="0"/>
+              <a:t>Mintaszöveg szerkesztése</a:t>
+            </a:r>
+          </a:p>
+        </p:txBody>
+      </p:sp>
+      <p:sp>
+        <p:nvSpPr>
+          <p:cNvPr id="5" name="Date Placeholder 4"/>
+          <p:cNvSpPr>
+            <a:spLocks noGrp="1"/>
+          </p:cNvSpPr>
+          <p:nvPr>
+            <p:ph type="dt" sz="half" idx="10"/>
+          </p:nvPr>
+        </p:nvSpPr>
+        <p:spPr/>
+        <p:txBody>
+          <a:bodyPr/>
+          <a:lstStyle/>
+          <a:p>
+            <a:fld id="{CE904122-5843-4DE5-B716-8C27E94EF1F8}" type="datetimeFigureOut">
+              <a:rPr lang="hu-HU" smtClean="0"/>
+              <a:t>2022.09.15.</a:t>
+            </a:fld>
+            <a:endParaRPr lang="hu-HU"/>
+          </a:p>
+        </p:txBody>
+      </p:sp>
+      <p:sp>
+        <p:nvSpPr>
+          <p:cNvPr id="6" name="Footer Placeholder 5"/>
+          <p:cNvSpPr>
+            <a:spLocks noGrp="1"/>
+          </p:cNvSpPr>
+          <p:nvPr>
+            <p:ph type="ftr" sz="quarter" idx="11"/>
+          </p:nvPr>
+        </p:nvSpPr>
+        <p:spPr/>
+        <p:txBody>
+          <a:bodyPr/>
+          <a:lstStyle/>
+          <a:p>
+            <a:endParaRPr lang="hu-HU"/>
+          </a:p>
+        </p:txBody>
+      </p:sp>
+      <p:sp>
+        <p:nvSpPr>
+          <p:cNvPr id="7" name="Slide Number Placeholder 6"/>
+          <p:cNvSpPr>
+            <a:spLocks noGrp="1"/>
+          </p:cNvSpPr>
+          <p:nvPr>
+            <p:ph type="sldNum" sz="quarter" idx="12"/>
+          </p:nvPr>
+        </p:nvSpPr>
+        <p:spPr/>
+        <p:txBody>
+          <a:bodyPr/>
+          <a:lstStyle/>
+          <a:p>
+            <a:fld id="{053105E8-AF3F-4F6D-AE33-CE49DF6FD6C8}" type="slidenum">
+              <a:rPr lang="hu-HU" smtClean="0"/>
+              <a:t>‹#›</a:t>
+            </a:fld>
+            <a:endParaRPr lang="hu-HU"/>
+          </a:p>
+        </p:txBody>
+      </p:sp>
+      <p:sp>
+        <p:nvSpPr>
+          <p:cNvPr id="11" name="TextBox 10"/>
+          <p:cNvSpPr txBox="1"/>
+          <p:nvPr/>
+        </p:nvSpPr>
+        <p:spPr>
+          <a:xfrm>
+            <a:off x="990600" y="884796"/>
+            <a:ext cx="609600" cy="584776"/>
+          </a:xfrm>
+          <a:prstGeom prst="rect">
+            <a:avLst/>
+          </a:prstGeom>
+        </p:spPr>
+        <p:txBody>
+          <a:bodyPr vert="horz" lIns="91440" tIns="45720" rIns="91440" bIns="45720" rtlCol="0" anchor="ctr">
+            <a:noAutofit/>
+          </a:bodyPr>
+          <a:lstStyle>
+            <a:lvl1pPr>
+              <a:spcBef>
+                <a:spcPct val="0"/>
+              </a:spcBef>
+              <a:buNone/>
+              <a:defRPr sz="3200" b="0" cap="all">
+                <a:ln w="3175" cmpd="sng">
+                  <a:noFill/>
+                </a:ln>
+                <a:effectLst>
+                  <a:glow rad="38100">
+                    <a:schemeClr val="bg1">
+                      <a:lumMod val="65000"/>
+                      <a:lumOff val="35000"/>
+                      <a:alpha val="40000"/>
+                    </a:schemeClr>
+                  </a:glow>
+                  <a:outerShdw blurRad="28575" dist="38100" dir="14040000" algn="tl" rotWithShape="0">
+                    <a:srgbClr val="000000">
+                      <a:alpha val="25000"/>
+                    </a:srgbClr>
+                  </a:outerShdw>
+                </a:effectLst>
+              </a:defRPr>
+            </a:lvl1pPr>
+            <a:lvl2pPr>
+              <a:defRPr>
+                <a:solidFill>
+                  <a:schemeClr val="tx2"/>
+                </a:solidFill>
+              </a:defRPr>
+            </a:lvl2pPr>
+            <a:lvl3pPr>
+              <a:defRPr>
+                <a:solidFill>
+                  <a:schemeClr val="tx2"/>
+                </a:solidFill>
+              </a:defRPr>
+            </a:lvl3pPr>
+            <a:lvl4pPr>
+              <a:defRPr>
+                <a:solidFill>
+                  <a:schemeClr val="tx2"/>
+                </a:solidFill>
+              </a:defRPr>
+            </a:lvl4pPr>
+            <a:lvl5pPr>
+              <a:defRPr>
+                <a:solidFill>
+                  <a:schemeClr val="tx2"/>
+                </a:solidFill>
+              </a:defRPr>
+            </a:lvl5pPr>
+            <a:lvl6pPr>
+              <a:defRPr>
+                <a:solidFill>
+                  <a:schemeClr val="tx2"/>
+                </a:solidFill>
+              </a:defRPr>
+            </a:lvl6pPr>
+            <a:lvl7pPr>
+              <a:defRPr>
+                <a:solidFill>
+                  <a:schemeClr val="tx2"/>
+                </a:solidFill>
+              </a:defRPr>
+            </a:lvl7pPr>
+            <a:lvl8pPr>
+              <a:defRPr>
+                <a:solidFill>
+                  <a:schemeClr val="tx2"/>
+                </a:solidFill>
+              </a:defRPr>
+            </a:lvl8pPr>
+            <a:lvl9pPr>
+              <a:defRPr>
+                <a:solidFill>
+                  <a:schemeClr val="tx2"/>
+                </a:solidFill>
+              </a:defRPr>
+            </a:lvl9pPr>
+          </a:lstStyle>
+          <a:p>
+            <a:pPr lvl="0"/>
+            <a:r>
+              <a:rPr lang="en-US" sz="8000" dirty="0">
+                <a:solidFill>
+                  <a:schemeClr val="tx1"/>
+                </a:solidFill>
+                <a:effectLst/>
+              </a:rPr>
+              <a:t>“</a:t>
+            </a:r>
+          </a:p>
+        </p:txBody>
+      </p:sp>
+      <p:sp>
+        <p:nvSpPr>
+          <p:cNvPr id="13" name="TextBox 12"/>
+          <p:cNvSpPr txBox="1"/>
+          <p:nvPr/>
+        </p:nvSpPr>
+        <p:spPr>
+          <a:xfrm>
+            <a:off x="10504716" y="2928258"/>
+            <a:ext cx="609600" cy="584776"/>
+          </a:xfrm>
+          <a:prstGeom prst="rect">
+            <a:avLst/>
+          </a:prstGeom>
+        </p:spPr>
+        <p:txBody>
+          <a:bodyPr vert="horz" lIns="91440" tIns="45720" rIns="91440" bIns="45720" rtlCol="0" anchor="ctr">
+            <a:noAutofit/>
+          </a:bodyPr>
+          <a:lstStyle>
+            <a:lvl1pPr>
+              <a:spcBef>
+                <a:spcPct val="0"/>
+              </a:spcBef>
+              <a:buNone/>
+              <a:defRPr sz="3200" b="0" cap="all">
+                <a:ln w="3175" cmpd="sng">
+                  <a:noFill/>
+                </a:ln>
+                <a:effectLst>
+                  <a:glow rad="38100">
+                    <a:schemeClr val="bg1">
+                      <a:lumMod val="65000"/>
+                      <a:lumOff val="35000"/>
+                      <a:alpha val="40000"/>
+                    </a:schemeClr>
+                  </a:glow>
+                  <a:outerShdw blurRad="28575" dist="38100" dir="14040000" algn="tl" rotWithShape="0">
+                    <a:srgbClr val="000000">
+                      <a:alpha val="25000"/>
+                    </a:srgbClr>
+                  </a:outerShdw>
+                </a:effectLst>
+              </a:defRPr>
+            </a:lvl1pPr>
+            <a:lvl2pPr>
+              <a:defRPr>
+                <a:solidFill>
+                  <a:schemeClr val="tx2"/>
+                </a:solidFill>
+              </a:defRPr>
+            </a:lvl2pPr>
+            <a:lvl3pPr>
+              <a:defRPr>
+                <a:solidFill>
+                  <a:schemeClr val="tx2"/>
+                </a:solidFill>
+              </a:defRPr>
+            </a:lvl3pPr>
+            <a:lvl4pPr>
+              <a:defRPr>
+                <a:solidFill>
+                  <a:schemeClr val="tx2"/>
+                </a:solidFill>
+              </a:defRPr>
+            </a:lvl4pPr>
+            <a:lvl5pPr>
+              <a:defRPr>
+                <a:solidFill>
+                  <a:schemeClr val="tx2"/>
+                </a:solidFill>
+              </a:defRPr>
+            </a:lvl5pPr>
+            <a:lvl6pPr>
+              <a:defRPr>
+                <a:solidFill>
+                  <a:schemeClr val="tx2"/>
+                </a:solidFill>
+              </a:defRPr>
+            </a:lvl6pPr>
+            <a:lvl7pPr>
+              <a:defRPr>
+                <a:solidFill>
+                  <a:schemeClr val="tx2"/>
+                </a:solidFill>
+              </a:defRPr>
+            </a:lvl7pPr>
+            <a:lvl8pPr>
+              <a:defRPr>
+                <a:solidFill>
+                  <a:schemeClr val="tx2"/>
+                </a:solidFill>
+              </a:defRPr>
+            </a:lvl8pPr>
+            <a:lvl9pPr>
+              <a:defRPr>
+                <a:solidFill>
+                  <a:schemeClr val="tx2"/>
+                </a:solidFill>
+              </a:defRPr>
+            </a:lvl9pPr>
+          </a:lstStyle>
+          <a:p>
+            <a:pPr lvl="0" algn="r"/>
+            <a:r>
+              <a:rPr lang="en-US" sz="8000" dirty="0">
+                <a:solidFill>
+                  <a:schemeClr val="tx1"/>
+                </a:solidFill>
+                <a:effectLst/>
+              </a:rPr>
+              <a:t>”</a:t>
+            </a:r>
+          </a:p>
+        </p:txBody>
+      </p:sp>
+    </p:spTree>
+    <p:extLst>
+      <p:ext uri="{BB962C8B-B14F-4D97-AF65-F5344CB8AC3E}">
+        <p14:creationId xmlns:p14="http://schemas.microsoft.com/office/powerpoint/2010/main" val="3929509777"/>
+      </p:ext>
+    </p:extLst>
+  </p:cSld>
+  <p:clrMapOvr>
+    <a:masterClrMapping/>
+  </p:clrMapOvr>
+</p:sldLayout>
+</file>
+
+<file path=ppt/slideLayouts/slideLayout13.xml><?xml version="1.0" encoding="utf-8"?>
+<p:sldLayout xmlns:a="http://schemas.openxmlformats.org/drawingml/2006/main" xmlns:r="http://schemas.openxmlformats.org/officeDocument/2006/relationships" xmlns:p="http://schemas.openxmlformats.org/presentationml/2006/main" preserve="1">
+  <p:cSld name="Névkártya">
+    <p:spTree>
+      <p:nvGrpSpPr>
+        <p:cNvPr id="1" name=""/>
+        <p:cNvGrpSpPr/>
+        <p:nvPr/>
+      </p:nvGrpSpPr>
+      <p:grpSpPr>
+        <a:xfrm>
+          <a:off x="0" y="0"/>
+          <a:ext cx="0" cy="0"/>
+          <a:chOff x="0" y="0"/>
+          <a:chExt cx="0" cy="0"/>
+        </a:xfrm>
+      </p:grpSpPr>
+      <p:sp>
+        <p:nvSpPr>
+          <p:cNvPr id="2" name="Title 1"/>
+          <p:cNvSpPr>
+            <a:spLocks noGrp="1"/>
+          </p:cNvSpPr>
+          <p:nvPr>
+            <p:ph type="title"/>
+          </p:nvPr>
+        </p:nvSpPr>
+        <p:spPr>
+          <a:xfrm>
+            <a:off x="913794" y="2126942"/>
+            <a:ext cx="10353763" cy="2511835"/>
+          </a:xfrm>
+        </p:spPr>
+        <p:txBody>
+          <a:bodyPr anchor="b"/>
+          <a:lstStyle>
+            <a:lvl1pPr>
+              <a:defRPr sz="3200"/>
+            </a:lvl1pPr>
+          </a:lstStyle>
+          <a:p>
+            <a:r>
+              <a:rPr lang="hu-HU" smtClean="0"/>
+              <a:t>Mintacím szerkesztése</a:t>
+            </a:r>
+            <a:endParaRPr lang="en-US" dirty="0"/>
+          </a:p>
+        </p:txBody>
+      </p:sp>
+      <p:sp>
+        <p:nvSpPr>
+          <p:cNvPr id="4" name="Text Placeholder 3"/>
+          <p:cNvSpPr>
+            <a:spLocks noGrp="1"/>
+          </p:cNvSpPr>
+          <p:nvPr>
+            <p:ph type="body" sz="half" idx="2"/>
+          </p:nvPr>
+        </p:nvSpPr>
+        <p:spPr>
+          <a:xfrm>
+            <a:off x="913784" y="4650556"/>
+            <a:ext cx="10352199" cy="1140644"/>
+          </a:xfrm>
+        </p:spPr>
+        <p:txBody>
+          <a:bodyPr anchor="t"/>
+          <a:lstStyle>
+            <a:lvl1pPr marL="0" indent="0" algn="ctr">
+              <a:buNone/>
+              <a:defRPr sz="1600"/>
+            </a:lvl1pPr>
+            <a:lvl2pPr marL="457200" indent="0">
+              <a:buNone/>
+              <a:defRPr sz="1400"/>
+            </a:lvl2pPr>
+            <a:lvl3pPr marL="914400" indent="0">
+              <a:buNone/>
+              <a:defRPr sz="1200"/>
+            </a:lvl3pPr>
+            <a:lvl4pPr marL="1371600" indent="0">
+              <a:buNone/>
+              <a:defRPr sz="1000"/>
+            </a:lvl4pPr>
+            <a:lvl5pPr marL="1828800" indent="0">
+              <a:buNone/>
+              <a:defRPr sz="1000"/>
+            </a:lvl5pPr>
+            <a:lvl6pPr marL="2286000" indent="0">
+              <a:buNone/>
+              <a:defRPr sz="1000"/>
+            </a:lvl6pPr>
+            <a:lvl7pPr marL="2743200" indent="0">
+              <a:buNone/>
+              <a:defRPr sz="1000"/>
+            </a:lvl7pPr>
+            <a:lvl8pPr marL="3200400" indent="0">
+              <a:buNone/>
+              <a:defRPr sz="1000"/>
+            </a:lvl8pPr>
+            <a:lvl9pPr marL="3657600" indent="0">
+              <a:buNone/>
+              <a:defRPr sz="1000"/>
+            </a:lvl9pPr>
+          </a:lstStyle>
+          <a:p>
+            <a:pPr lvl="0"/>
+            <a:r>
+              <a:rPr lang="hu-HU" smtClean="0"/>
+              <a:t>Mintaszöveg szerkesztése</a:t>
+            </a:r>
+          </a:p>
+        </p:txBody>
+      </p:sp>
+      <p:sp>
+        <p:nvSpPr>
+          <p:cNvPr id="5" name="Date Placeholder 4"/>
+          <p:cNvSpPr>
+            <a:spLocks noGrp="1"/>
+          </p:cNvSpPr>
+          <p:nvPr>
+            <p:ph type="dt" sz="half" idx="10"/>
+          </p:nvPr>
+        </p:nvSpPr>
+        <p:spPr/>
+        <p:txBody>
+          <a:bodyPr/>
+          <a:lstStyle/>
+          <a:p>
+            <a:fld id="{CE904122-5843-4DE5-B716-8C27E94EF1F8}" type="datetimeFigureOut">
+              <a:rPr lang="hu-HU" smtClean="0"/>
+              <a:t>2022.09.15.</a:t>
+            </a:fld>
+            <a:endParaRPr lang="hu-HU"/>
+          </a:p>
+        </p:txBody>
+      </p:sp>
+      <p:sp>
+        <p:nvSpPr>
+          <p:cNvPr id="6" name="Footer Placeholder 5"/>
+          <p:cNvSpPr>
+            <a:spLocks noGrp="1"/>
+          </p:cNvSpPr>
+          <p:nvPr>
+            <p:ph type="ftr" sz="quarter" idx="11"/>
+          </p:nvPr>
+        </p:nvSpPr>
+        <p:spPr/>
+        <p:txBody>
+          <a:bodyPr/>
+          <a:lstStyle/>
+          <a:p>
+            <a:endParaRPr lang="hu-HU"/>
+          </a:p>
+        </p:txBody>
+      </p:sp>
+      <p:sp>
+        <p:nvSpPr>
+          <p:cNvPr id="7" name="Slide Number Placeholder 6"/>
+          <p:cNvSpPr>
+            <a:spLocks noGrp="1"/>
+          </p:cNvSpPr>
+          <p:nvPr>
+            <p:ph type="sldNum" sz="quarter" idx="12"/>
+          </p:nvPr>
+        </p:nvSpPr>
+        <p:spPr/>
+        <p:txBody>
+          <a:bodyPr/>
+          <a:lstStyle/>
+          <a:p>
+            <a:fld id="{053105E8-AF3F-4F6D-AE33-CE49DF6FD6C8}" type="slidenum">
+              <a:rPr lang="hu-HU" smtClean="0"/>
+              <a:t>‹#›</a:t>
+            </a:fld>
+            <a:endParaRPr lang="hu-HU"/>
+          </a:p>
+        </p:txBody>
+      </p:sp>
+    </p:spTree>
+    <p:extLst>
+      <p:ext uri="{BB962C8B-B14F-4D97-AF65-F5344CB8AC3E}">
+        <p14:creationId xmlns:p14="http://schemas.microsoft.com/office/powerpoint/2010/main" val="2835665641"/>
+      </p:ext>
+    </p:extLst>
+  </p:cSld>
+  <p:clrMapOvr>
+    <a:masterClrMapping/>
+  </p:clrMapOvr>
+</p:sldLayout>
+</file>
+
+<file path=ppt/slideLayouts/slideLayout14.xml><?xml version="1.0" encoding="utf-8"?>
+<p:sldLayout xmlns:a="http://schemas.openxmlformats.org/drawingml/2006/main" xmlns:r="http://schemas.openxmlformats.org/officeDocument/2006/relationships" xmlns:p="http://schemas.openxmlformats.org/presentationml/2006/main" preserve="1">
+  <p:cSld name="3 hasáb">
+    <p:spTree>
+      <p:nvGrpSpPr>
+        <p:cNvPr id="1" name=""/>
+        <p:cNvGrpSpPr/>
+        <p:nvPr/>
+      </p:nvGrpSpPr>
+      <p:grpSpPr>
+        <a:xfrm>
+          <a:off x="0" y="0"/>
+          <a:ext cx="0" cy="0"/>
+          <a:chOff x="0" y="0"/>
+          <a:chExt cx="0" cy="0"/>
+        </a:xfrm>
+      </p:grpSpPr>
+      <p:sp>
+        <p:nvSpPr>
+          <p:cNvPr id="15" name="Title 1"/>
+          <p:cNvSpPr>
+            <a:spLocks noGrp="1"/>
+          </p:cNvSpPr>
+          <p:nvPr>
+            <p:ph type="title"/>
+          </p:nvPr>
+        </p:nvSpPr>
+        <p:spPr>
+          <a:xfrm>
+            <a:off x="913795" y="609600"/>
+            <a:ext cx="10353762" cy="970450"/>
+          </a:xfrm>
+        </p:spPr>
+        <p:txBody>
+          <a:bodyPr/>
+          <a:lstStyle/>
+          <a:p>
+            <a:r>
+              <a:rPr lang="hu-HU" smtClean="0"/>
+              <a:t>Mintacím szerkesztése</a:t>
+            </a:r>
+            <a:endParaRPr lang="en-US" dirty="0"/>
+          </a:p>
+        </p:txBody>
+      </p:sp>
+      <p:sp>
+        <p:nvSpPr>
+          <p:cNvPr id="7" name="Text Placeholder 2"/>
+          <p:cNvSpPr>
+            <a:spLocks noGrp="1"/>
+          </p:cNvSpPr>
+          <p:nvPr>
+            <p:ph type="body" idx="1"/>
+          </p:nvPr>
+        </p:nvSpPr>
+        <p:spPr>
+          <a:xfrm>
+            <a:off x="913795" y="1885950"/>
+            <a:ext cx="3300984" cy="576262"/>
+          </a:xfrm>
+        </p:spPr>
+        <p:txBody>
+          <a:bodyPr anchor="b">
+            <a:noAutofit/>
+          </a:bodyPr>
+          <a:lstStyle>
+            <a:lvl1pPr marL="0" indent="0" algn="ctr">
+              <a:buNone/>
+              <a:defRPr sz="2400" b="0">
+                <a:solidFill>
+                  <a:schemeClr val="tx1"/>
+                </a:solidFill>
+              </a:defRPr>
+            </a:lvl1pPr>
+            <a:lvl2pPr marL="457200" indent="0">
+              <a:buNone/>
+              <a:defRPr sz="2000" b="1"/>
+            </a:lvl2pPr>
+            <a:lvl3pPr marL="914400" indent="0">
+              <a:buNone/>
+              <a:defRPr sz="1800" b="1"/>
+            </a:lvl3pPr>
+            <a:lvl4pPr marL="1371600" indent="0">
+              <a:buNone/>
+              <a:defRPr sz="1600" b="1"/>
+            </a:lvl4pPr>
+            <a:lvl5pPr marL="1828800" indent="0">
+              <a:buNone/>
+              <a:defRPr sz="1600" b="1"/>
+            </a:lvl5pPr>
+            <a:lvl6pPr marL="2286000" indent="0">
+              <a:buNone/>
+              <a:defRPr sz="1600" b="1"/>
+            </a:lvl6pPr>
+            <a:lvl7pPr marL="2743200" indent="0">
+              <a:buNone/>
+              <a:defRPr sz="1600" b="1"/>
+            </a:lvl7pPr>
+            <a:lvl8pPr marL="3200400" indent="0">
+              <a:buNone/>
+              <a:defRPr sz="1600" b="1"/>
+            </a:lvl8pPr>
+            <a:lvl9pPr marL="3657600" indent="0">
+              <a:buNone/>
+              <a:defRPr sz="1600" b="1"/>
+            </a:lvl9pPr>
+          </a:lstStyle>
+          <a:p>
+            <a:pPr lvl="0"/>
+            <a:r>
+              <a:rPr lang="hu-HU" smtClean="0"/>
+              <a:t>Mintaszöveg szerkesztése</a:t>
+            </a:r>
+          </a:p>
+        </p:txBody>
+      </p:sp>
+      <p:sp>
+        <p:nvSpPr>
+          <p:cNvPr id="8" name="Text Placeholder 3"/>
+          <p:cNvSpPr>
+            <a:spLocks noGrp="1"/>
+          </p:cNvSpPr>
+          <p:nvPr>
+            <p:ph type="body" sz="half" idx="15"/>
+          </p:nvPr>
+        </p:nvSpPr>
+        <p:spPr>
+          <a:xfrm>
+            <a:off x="913795" y="2571750"/>
+            <a:ext cx="3300984" cy="3219450"/>
+          </a:xfrm>
+        </p:spPr>
+        <p:txBody>
+          <a:bodyPr anchor="t">
+            <a:normAutofit/>
+          </a:bodyPr>
+          <a:lstStyle>
+            <a:lvl1pPr marL="0" indent="0" algn="ctr">
+              <a:buNone/>
+              <a:defRPr sz="1400"/>
+            </a:lvl1pPr>
+            <a:lvl2pPr marL="457200" indent="0">
+              <a:buNone/>
+              <a:defRPr sz="1200"/>
+            </a:lvl2pPr>
+            <a:lvl3pPr marL="914400" indent="0">
+              <a:buNone/>
+              <a:defRPr sz="1000"/>
+            </a:lvl3pPr>
+            <a:lvl4pPr marL="1371600" indent="0">
+              <a:buNone/>
+              <a:defRPr sz="900"/>
+            </a:lvl4pPr>
+            <a:lvl5pPr marL="1828800" indent="0">
+              <a:buNone/>
+              <a:defRPr sz="900"/>
+            </a:lvl5pPr>
+            <a:lvl6pPr marL="2286000" indent="0">
+              <a:buNone/>
+              <a:defRPr sz="900"/>
+            </a:lvl6pPr>
+            <a:lvl7pPr marL="2743200" indent="0">
+              <a:buNone/>
+              <a:defRPr sz="900"/>
+            </a:lvl7pPr>
+            <a:lvl8pPr marL="3200400" indent="0">
+              <a:buNone/>
+              <a:defRPr sz="900"/>
+            </a:lvl8pPr>
+            <a:lvl9pPr marL="3657600" indent="0">
+              <a:buNone/>
+              <a:defRPr sz="900"/>
+            </a:lvl9pPr>
+          </a:lstStyle>
+          <a:p>
+            <a:pPr lvl="0"/>
+            <a:r>
+              <a:rPr lang="hu-HU" smtClean="0"/>
+              <a:t>Mintaszöveg szerkesztése</a:t>
+            </a:r>
+          </a:p>
+        </p:txBody>
+      </p:sp>
+      <p:sp>
+        <p:nvSpPr>
+          <p:cNvPr id="9" name="Text Placeholder 4"/>
+          <p:cNvSpPr>
+            <a:spLocks noGrp="1"/>
+          </p:cNvSpPr>
+          <p:nvPr>
+            <p:ph type="body" sz="quarter" idx="3"/>
+          </p:nvPr>
+        </p:nvSpPr>
+        <p:spPr>
+          <a:xfrm>
+            <a:off x="4446711" y="1885950"/>
+            <a:ext cx="3300984" cy="576262"/>
+          </a:xfrm>
+        </p:spPr>
+        <p:txBody>
+          <a:bodyPr anchor="b">
+            <a:noAutofit/>
+          </a:bodyPr>
+          <a:lstStyle>
+            <a:lvl1pPr marL="0" indent="0" algn="ctr">
+              <a:buNone/>
+              <a:defRPr sz="2400" b="0">
+                <a:solidFill>
+                  <a:schemeClr val="tx1"/>
+                </a:solidFill>
+              </a:defRPr>
+            </a:lvl1pPr>
+            <a:lvl2pPr marL="457200" indent="0">
+              <a:buNone/>
+              <a:defRPr sz="2000" b="1"/>
+            </a:lvl2pPr>
+            <a:lvl3pPr marL="914400" indent="0">
+              <a:buNone/>
+              <a:defRPr sz="1800" b="1"/>
+            </a:lvl3pPr>
+            <a:lvl4pPr marL="1371600" indent="0">
+              <a:buNone/>
+              <a:defRPr sz="1600" b="1"/>
+            </a:lvl4pPr>
+            <a:lvl5pPr marL="1828800" indent="0">
+              <a:buNone/>
+              <a:defRPr sz="1600" b="1"/>
+            </a:lvl5pPr>
+            <a:lvl6pPr marL="2286000" indent="0">
+              <a:buNone/>
+              <a:defRPr sz="1600" b="1"/>
+            </a:lvl6pPr>
+            <a:lvl7pPr marL="2743200" indent="0">
+              <a:buNone/>
+              <a:defRPr sz="1600" b="1"/>
+            </a:lvl7pPr>
+            <a:lvl8pPr marL="3200400" indent="0">
+              <a:buNone/>
+              <a:defRPr sz="1600" b="1"/>
+            </a:lvl8pPr>
+            <a:lvl9pPr marL="3657600" indent="0">
+              <a:buNone/>
+              <a:defRPr sz="1600" b="1"/>
+            </a:lvl9pPr>
+          </a:lstStyle>
+          <a:p>
+            <a:pPr lvl="0"/>
+            <a:r>
+              <a:rPr lang="hu-HU" smtClean="0"/>
+              <a:t>Mintaszöveg szerkesztése</a:t>
+            </a:r>
+          </a:p>
+        </p:txBody>
+      </p:sp>
+      <p:sp>
+        <p:nvSpPr>
+          <p:cNvPr id="10" name="Text Placeholder 3"/>
+          <p:cNvSpPr>
+            <a:spLocks noGrp="1"/>
+          </p:cNvSpPr>
+          <p:nvPr>
+            <p:ph type="body" sz="half" idx="16"/>
+          </p:nvPr>
+        </p:nvSpPr>
+        <p:spPr>
+          <a:xfrm>
+            <a:off x="4441435" y="2571750"/>
+            <a:ext cx="3300984" cy="3219450"/>
+          </a:xfrm>
+        </p:spPr>
+        <p:txBody>
+          <a:bodyPr anchor="t">
+            <a:normAutofit/>
+          </a:bodyPr>
+          <a:lstStyle>
+            <a:lvl1pPr marL="0" indent="0" algn="ctr">
+              <a:buNone/>
+              <a:defRPr sz="1400"/>
+            </a:lvl1pPr>
+            <a:lvl2pPr marL="457200" indent="0">
+              <a:buNone/>
+              <a:defRPr sz="1200"/>
+            </a:lvl2pPr>
+            <a:lvl3pPr marL="914400" indent="0">
+              <a:buNone/>
+              <a:defRPr sz="1000"/>
+            </a:lvl3pPr>
+            <a:lvl4pPr marL="1371600" indent="0">
+              <a:buNone/>
+              <a:defRPr sz="900"/>
+            </a:lvl4pPr>
+            <a:lvl5pPr marL="1828800" indent="0">
+              <a:buNone/>
+              <a:defRPr sz="900"/>
+            </a:lvl5pPr>
+            <a:lvl6pPr marL="2286000" indent="0">
+              <a:buNone/>
+              <a:defRPr sz="900"/>
+            </a:lvl6pPr>
+            <a:lvl7pPr marL="2743200" indent="0">
+              <a:buNone/>
+              <a:defRPr sz="900"/>
+            </a:lvl7pPr>
+            <a:lvl8pPr marL="3200400" indent="0">
+              <a:buNone/>
+              <a:defRPr sz="900"/>
+            </a:lvl8pPr>
+            <a:lvl9pPr marL="3657600" indent="0">
+              <a:buNone/>
+              <a:defRPr sz="900"/>
+            </a:lvl9pPr>
+          </a:lstStyle>
+          <a:p>
+            <a:pPr lvl="0"/>
+            <a:r>
+              <a:rPr lang="hu-HU" smtClean="0"/>
+              <a:t>Mintaszöveg szerkesztése</a:t>
+            </a:r>
+          </a:p>
+        </p:txBody>
+      </p:sp>
+      <p:sp>
+        <p:nvSpPr>
+          <p:cNvPr id="11" name="Text Placeholder 4"/>
+          <p:cNvSpPr>
+            <a:spLocks noGrp="1"/>
+          </p:cNvSpPr>
+          <p:nvPr>
+            <p:ph type="body" sz="quarter" idx="13"/>
+          </p:nvPr>
+        </p:nvSpPr>
+        <p:spPr>
+          <a:xfrm>
+            <a:off x="7966572" y="1885950"/>
+            <a:ext cx="3300984" cy="576262"/>
+          </a:xfrm>
+        </p:spPr>
+        <p:txBody>
+          <a:bodyPr anchor="b">
+            <a:noAutofit/>
+          </a:bodyPr>
+          <a:lstStyle>
+            <a:lvl1pPr marL="0" indent="0" algn="ctr">
+              <a:buNone/>
+              <a:defRPr sz="2400" b="0">
+                <a:solidFill>
+                  <a:schemeClr val="tx1"/>
+                </a:solidFill>
+              </a:defRPr>
+            </a:lvl1pPr>
+            <a:lvl2pPr marL="457200" indent="0">
+              <a:buNone/>
+              <a:defRPr sz="2000" b="1"/>
+            </a:lvl2pPr>
+            <a:lvl3pPr marL="914400" indent="0">
+              <a:buNone/>
+              <a:defRPr sz="1800" b="1"/>
+            </a:lvl3pPr>
+            <a:lvl4pPr marL="1371600" indent="0">
+              <a:buNone/>
+              <a:defRPr sz="1600" b="1"/>
+            </a:lvl4pPr>
+            <a:lvl5pPr marL="1828800" indent="0">
+              <a:buNone/>
+              <a:defRPr sz="1600" b="1"/>
+            </a:lvl5pPr>
+            <a:lvl6pPr marL="2286000" indent="0">
+              <a:buNone/>
+              <a:defRPr sz="1600" b="1"/>
+            </a:lvl6pPr>
+            <a:lvl7pPr marL="2743200" indent="0">
+              <a:buNone/>
+              <a:defRPr sz="1600" b="1"/>
+            </a:lvl7pPr>
+            <a:lvl8pPr marL="3200400" indent="0">
+              <a:buNone/>
+              <a:defRPr sz="1600" b="1"/>
+            </a:lvl8pPr>
+            <a:lvl9pPr marL="3657600" indent="0">
+              <a:buNone/>
+              <a:defRPr sz="1600" b="1"/>
+            </a:lvl9pPr>
+          </a:lstStyle>
+          <a:p>
+            <a:pPr lvl="0"/>
+            <a:r>
+              <a:rPr lang="hu-HU" smtClean="0"/>
+              <a:t>Mintaszöveg szerkesztése</a:t>
+            </a:r>
+          </a:p>
+        </p:txBody>
+      </p:sp>
+      <p:sp>
+        <p:nvSpPr>
+          <p:cNvPr id="12" name="Text Placeholder 3"/>
+          <p:cNvSpPr>
+            <a:spLocks noGrp="1"/>
+          </p:cNvSpPr>
+          <p:nvPr>
+            <p:ph type="body" sz="half" idx="17"/>
+          </p:nvPr>
+        </p:nvSpPr>
+        <p:spPr>
+          <a:xfrm>
+            <a:off x="7966572" y="2571750"/>
+            <a:ext cx="3300984" cy="3219450"/>
+          </a:xfrm>
+        </p:spPr>
+        <p:txBody>
+          <a:bodyPr anchor="t">
+            <a:normAutofit/>
+          </a:bodyPr>
+          <a:lstStyle>
+            <a:lvl1pPr marL="0" indent="0" algn="ctr">
+              <a:buNone/>
+              <a:defRPr sz="1400"/>
+            </a:lvl1pPr>
+            <a:lvl2pPr marL="457200" indent="0">
+              <a:buNone/>
+              <a:defRPr sz="1200"/>
+            </a:lvl2pPr>
+            <a:lvl3pPr marL="914400" indent="0">
+              <a:buNone/>
+              <a:defRPr sz="1000"/>
+            </a:lvl3pPr>
+            <a:lvl4pPr marL="1371600" indent="0">
+              <a:buNone/>
+              <a:defRPr sz="900"/>
+            </a:lvl4pPr>
+            <a:lvl5pPr marL="1828800" indent="0">
+              <a:buNone/>
+              <a:defRPr sz="900"/>
+            </a:lvl5pPr>
+            <a:lvl6pPr marL="2286000" indent="0">
+              <a:buNone/>
+              <a:defRPr sz="900"/>
+            </a:lvl6pPr>
+            <a:lvl7pPr marL="2743200" indent="0">
+              <a:buNone/>
+              <a:defRPr sz="900"/>
+            </a:lvl7pPr>
+            <a:lvl8pPr marL="3200400" indent="0">
+              <a:buNone/>
+              <a:defRPr sz="900"/>
+            </a:lvl8pPr>
+            <a:lvl9pPr marL="3657600" indent="0">
+              <a:buNone/>
+              <a:defRPr sz="900"/>
+            </a:lvl9pPr>
+          </a:lstStyle>
+          <a:p>
+            <a:pPr lvl="0"/>
+            <a:r>
+              <a:rPr lang="hu-HU" smtClean="0"/>
+              <a:t>Mintaszöveg szerkesztése</a:t>
+            </a:r>
+          </a:p>
+        </p:txBody>
+      </p:sp>
+      <p:sp>
+        <p:nvSpPr>
+          <p:cNvPr id="3" name="Date Placeholder 2"/>
+          <p:cNvSpPr>
+            <a:spLocks noGrp="1"/>
+          </p:cNvSpPr>
+          <p:nvPr>
+            <p:ph type="dt" sz="half" idx="10"/>
+          </p:nvPr>
+        </p:nvSpPr>
+        <p:spPr/>
+        <p:txBody>
+          <a:bodyPr/>
+          <a:lstStyle/>
+          <a:p>
+            <a:fld id="{CE904122-5843-4DE5-B716-8C27E94EF1F8}" type="datetimeFigureOut">
+              <a:rPr lang="hu-HU" smtClean="0"/>
+              <a:t>2022.09.15.</a:t>
+            </a:fld>
+            <a:endParaRPr lang="hu-HU"/>
+          </a:p>
+        </p:txBody>
+      </p:sp>
+      <p:sp>
+        <p:nvSpPr>
+          <p:cNvPr id="4" name="Footer Placeholder 3"/>
+          <p:cNvSpPr>
+            <a:spLocks noGrp="1"/>
+          </p:cNvSpPr>
+          <p:nvPr>
+            <p:ph type="ftr" sz="quarter" idx="11"/>
+          </p:nvPr>
+        </p:nvSpPr>
+        <p:spPr/>
+        <p:txBody>
+          <a:bodyPr/>
+          <a:lstStyle/>
+          <a:p>
+            <a:endParaRPr lang="hu-HU"/>
+          </a:p>
+        </p:txBody>
+      </p:sp>
+      <p:sp>
+        <p:nvSpPr>
+          <p:cNvPr id="5" name="Slide Number Placeholder 4"/>
+          <p:cNvSpPr>
+            <a:spLocks noGrp="1"/>
+          </p:cNvSpPr>
+          <p:nvPr>
+            <p:ph type="sldNum" sz="quarter" idx="12"/>
+          </p:nvPr>
+        </p:nvSpPr>
+        <p:spPr/>
+        <p:txBody>
+          <a:bodyPr/>
+          <a:lstStyle/>
+          <a:p>
+            <a:fld id="{053105E8-AF3F-4F6D-AE33-CE49DF6FD6C8}" type="slidenum">
+              <a:rPr lang="hu-HU" smtClean="0"/>
+              <a:t>‹#›</a:t>
+            </a:fld>
+            <a:endParaRPr lang="hu-HU"/>
+          </a:p>
+        </p:txBody>
+      </p:sp>
+    </p:spTree>
+    <p:extLst>
+      <p:ext uri="{BB962C8B-B14F-4D97-AF65-F5344CB8AC3E}">
+        <p14:creationId xmlns:p14="http://schemas.microsoft.com/office/powerpoint/2010/main" val="4143773107"/>
+      </p:ext>
+    </p:extLst>
+  </p:cSld>
+  <p:clrMapOvr>
+    <a:masterClrMapping/>
+  </p:clrMapOvr>
+</p:sldLayout>
+</file>
+
+<file path=ppt/slideLayouts/slideLayout15.xml><?xml version="1.0" encoding="utf-8"?>
+<p:sldLayout xmlns:a="http://schemas.openxmlformats.org/drawingml/2006/main" xmlns:r="http://schemas.openxmlformats.org/officeDocument/2006/relationships" xmlns:p="http://schemas.openxmlformats.org/presentationml/2006/main" preserve="1">
+  <p:cSld name="3 képhasáb">
+    <p:spTree>
+      <p:nvGrpSpPr>
+        <p:cNvPr id="1" name=""/>
+        <p:cNvGrpSpPr/>
+        <p:nvPr/>
+      </p:nvGrpSpPr>
+      <p:grpSpPr>
+        <a:xfrm>
+          <a:off x="0" y="0"/>
+          <a:ext cx="0" cy="0"/>
+          <a:chOff x="0" y="0"/>
+          <a:chExt cx="0" cy="0"/>
+        </a:xfrm>
+      </p:grpSpPr>
+      <p:pic>
+        <p:nvPicPr>
+          <p:cNvPr id="2" name="Picture 1" descr="Slate-V2-HD-3colPhotoInset.png"/>
+          <p:cNvPicPr>
+            <a:picLocks noChangeAspect="1"/>
+          </p:cNvPicPr>
+          <p:nvPr/>
+        </p:nvPicPr>
+        <p:blipFill>
+          <a:blip r:embed="rId2">
+            <a:extLst>
+              <a:ext uri="{28A0092B-C50C-407E-A947-70E740481C1C}">
+                <a14:useLocalDpi xmlns:a14="http://schemas.microsoft.com/office/drawing/2010/main" val="0"/>
+              </a:ext>
+            </a:extLst>
+          </a:blip>
+          <a:stretch>
+            <a:fillRect/>
+          </a:stretch>
+        </p:blipFill>
+        <p:spPr>
+          <a:xfrm>
+            <a:off x="897962" y="1818214"/>
+            <a:ext cx="3339972" cy="1847851"/>
+          </a:xfrm>
+          <a:prstGeom prst="rect">
+            <a:avLst/>
+          </a:prstGeom>
+        </p:spPr>
+      </p:pic>
+      <p:pic>
+        <p:nvPicPr>
+          <p:cNvPr id="36" name="Picture 35" descr="Slate-V2-HD-3colPhotoInset.png"/>
+          <p:cNvPicPr>
+            <a:picLocks noChangeAspect="1"/>
+          </p:cNvPicPr>
+          <p:nvPr/>
+        </p:nvPicPr>
+        <p:blipFill>
+          <a:blip r:embed="rId2">
+            <a:extLst>
+              <a:ext uri="{28A0092B-C50C-407E-A947-70E740481C1C}">
+                <a14:useLocalDpi xmlns:a14="http://schemas.microsoft.com/office/drawing/2010/main" val="0"/>
+              </a:ext>
+            </a:extLst>
+          </a:blip>
+          <a:stretch>
+            <a:fillRect/>
+          </a:stretch>
+        </p:blipFill>
+        <p:spPr>
+          <a:xfrm>
+            <a:off x="4403800" y="1818214"/>
+            <a:ext cx="3339972" cy="1847851"/>
+          </a:xfrm>
+          <a:prstGeom prst="rect">
+            <a:avLst/>
+          </a:prstGeom>
+        </p:spPr>
+      </p:pic>
+      <p:pic>
+        <p:nvPicPr>
+          <p:cNvPr id="37" name="Picture 36" descr="Slate-V2-HD-3colPhotoInset.png"/>
+          <p:cNvPicPr>
+            <a:picLocks noChangeAspect="1"/>
+          </p:cNvPicPr>
+          <p:nvPr/>
+        </p:nvPicPr>
+        <p:blipFill>
+          <a:blip r:embed="rId2">
+            <a:extLst>
+              <a:ext uri="{28A0092B-C50C-407E-A947-70E740481C1C}">
+                <a14:useLocalDpi xmlns:a14="http://schemas.microsoft.com/office/drawing/2010/main" val="0"/>
+              </a:ext>
+            </a:extLst>
+          </a:blip>
+          <a:stretch>
+            <a:fillRect/>
+          </a:stretch>
+        </p:blipFill>
+        <p:spPr>
+          <a:xfrm>
+            <a:off x="7936051" y="1818214"/>
+            <a:ext cx="3339972" cy="1847851"/>
+          </a:xfrm>
+          <a:prstGeom prst="rect">
+            <a:avLst/>
+          </a:prstGeom>
+        </p:spPr>
+      </p:pic>
+      <p:sp>
+        <p:nvSpPr>
+          <p:cNvPr id="30" name="Title 1"/>
+          <p:cNvSpPr>
+            <a:spLocks noGrp="1"/>
+          </p:cNvSpPr>
+          <p:nvPr>
+            <p:ph type="title"/>
+          </p:nvPr>
+        </p:nvSpPr>
+        <p:spPr>
+          <a:xfrm>
+            <a:off x="913794" y="609600"/>
+            <a:ext cx="10353763" cy="970450"/>
+          </a:xfrm>
+        </p:spPr>
+        <p:txBody>
+          <a:bodyPr/>
+          <a:lstStyle/>
+          <a:p>
+            <a:r>
+              <a:rPr lang="hu-HU" smtClean="0"/>
+              <a:t>Mintacím szerkesztése</a:t>
+            </a:r>
+            <a:endParaRPr lang="en-US" dirty="0"/>
+          </a:p>
+        </p:txBody>
+      </p:sp>
+      <p:sp>
+        <p:nvSpPr>
+          <p:cNvPr id="19" name="Text Placeholder 2"/>
+          <p:cNvSpPr>
+            <a:spLocks noGrp="1"/>
+          </p:cNvSpPr>
+          <p:nvPr>
+            <p:ph type="body" idx="1"/>
+          </p:nvPr>
+        </p:nvSpPr>
+        <p:spPr>
+          <a:xfrm>
+            <a:off x="913795" y="3904106"/>
+            <a:ext cx="3300984" cy="576262"/>
+          </a:xfrm>
+        </p:spPr>
+        <p:txBody>
+          <a:bodyPr anchor="b">
+            <a:noAutofit/>
+          </a:bodyPr>
+          <a:lstStyle>
+            <a:lvl1pPr marL="0" indent="0" algn="ctr">
+              <a:buNone/>
+              <a:defRPr sz="2000" b="0">
+                <a:solidFill>
+                  <a:schemeClr val="tx1"/>
+                </a:solidFill>
+              </a:defRPr>
+            </a:lvl1pPr>
+            <a:lvl2pPr marL="457200" indent="0">
+              <a:buNone/>
+              <a:defRPr sz="2000" b="1"/>
+            </a:lvl2pPr>
+            <a:lvl3pPr marL="914400" indent="0">
+              <a:buNone/>
+              <a:defRPr sz="1800" b="1"/>
+            </a:lvl3pPr>
+            <a:lvl4pPr marL="1371600" indent="0">
+              <a:buNone/>
+              <a:defRPr sz="1600" b="1"/>
+            </a:lvl4pPr>
+            <a:lvl5pPr marL="1828800" indent="0">
+              <a:buNone/>
+              <a:defRPr sz="1600" b="1"/>
+            </a:lvl5pPr>
+            <a:lvl6pPr marL="2286000" indent="0">
+              <a:buNone/>
+              <a:defRPr sz="1600" b="1"/>
+            </a:lvl6pPr>
+            <a:lvl7pPr marL="2743200" indent="0">
+              <a:buNone/>
+              <a:defRPr sz="1600" b="1"/>
+            </a:lvl7pPr>
+            <a:lvl8pPr marL="3200400" indent="0">
+              <a:buNone/>
+              <a:defRPr sz="1600" b="1"/>
+            </a:lvl8pPr>
+            <a:lvl9pPr marL="3657600" indent="0">
+              <a:buNone/>
+              <a:defRPr sz="1600" b="1"/>
+            </a:lvl9pPr>
+          </a:lstStyle>
+          <a:p>
+            <a:pPr lvl="0"/>
+            <a:r>
+              <a:rPr lang="hu-HU" smtClean="0"/>
+              <a:t>Mintaszöveg szerkesztése</a:t>
+            </a:r>
+          </a:p>
+        </p:txBody>
+      </p:sp>
+      <p:sp>
+        <p:nvSpPr>
+          <p:cNvPr id="20" name="Picture Placeholder 2"/>
+          <p:cNvSpPr>
+            <a:spLocks noGrp="1" noChangeAspect="1"/>
+          </p:cNvSpPr>
+          <p:nvPr>
+            <p:ph type="pic" idx="15"/>
+          </p:nvPr>
+        </p:nvSpPr>
+        <p:spPr>
+          <a:xfrm>
+            <a:off x="1018102" y="1938918"/>
+            <a:ext cx="3092368" cy="1602954"/>
+          </a:xfrm>
+          <a:prstGeom prst="roundRect">
+            <a:avLst>
+              <a:gd name="adj" fmla="val 1858"/>
+            </a:avLst>
+          </a:prstGeom>
+          <a:effectLst>
+            <a:outerShdw blurRad="38100" dist="25400" dir="4440000">
+              <a:srgbClr val="000000">
+                <a:alpha val="36000"/>
+              </a:srgbClr>
+            </a:outerShdw>
+          </a:effectLst>
+        </p:spPr>
+        <p:txBody>
+          <a:bodyPr anchor="t">
+            <a:normAutofit/>
+          </a:bodyPr>
+          <a:lstStyle>
+            <a:lvl1pPr marL="0" indent="0" algn="ctr">
+              <a:buNone/>
+              <a:defRPr sz="1600"/>
+            </a:lvl1pPr>
+            <a:lvl2pPr marL="457200" indent="0">
+              <a:buNone/>
+              <a:defRPr sz="1600"/>
+            </a:lvl2pPr>
+            <a:lvl3pPr marL="914400" indent="0">
+              <a:buNone/>
+              <a:defRPr sz="1600"/>
+            </a:lvl3pPr>
+            <a:lvl4pPr marL="1371600" indent="0">
+              <a:buNone/>
+              <a:defRPr sz="1600"/>
+            </a:lvl4pPr>
+            <a:lvl5pPr marL="1828800" indent="0">
+              <a:buNone/>
+              <a:defRPr sz="1600"/>
+            </a:lvl5pPr>
+            <a:lvl6pPr marL="2286000" indent="0">
+              <a:buNone/>
+              <a:defRPr sz="1600"/>
+            </a:lvl6pPr>
+            <a:lvl7pPr marL="2743200" indent="0">
+              <a:buNone/>
+              <a:defRPr sz="1600"/>
+            </a:lvl7pPr>
+            <a:lvl8pPr marL="3200400" indent="0">
+              <a:buNone/>
+              <a:defRPr sz="1600"/>
+            </a:lvl8pPr>
+            <a:lvl9pPr marL="3657600" indent="0">
+              <a:buNone/>
+              <a:defRPr sz="1600"/>
+            </a:lvl9pPr>
+          </a:lstStyle>
+          <a:p>
+            <a:r>
+              <a:rPr lang="hu-HU" smtClean="0"/>
+              <a:t>Kép beszúrásához kattintson az ikonra</a:t>
+            </a:r>
+            <a:endParaRPr lang="en-US" dirty="0"/>
+          </a:p>
+        </p:txBody>
+      </p:sp>
+      <p:sp>
+        <p:nvSpPr>
+          <p:cNvPr id="21" name="Text Placeholder 3"/>
+          <p:cNvSpPr>
+            <a:spLocks noGrp="1"/>
+          </p:cNvSpPr>
+          <p:nvPr>
+            <p:ph type="body" sz="half" idx="18"/>
+          </p:nvPr>
+        </p:nvSpPr>
+        <p:spPr>
+          <a:xfrm>
+            <a:off x="913795" y="4480368"/>
+            <a:ext cx="3300984" cy="1310833"/>
+          </a:xfrm>
+        </p:spPr>
+        <p:txBody>
+          <a:bodyPr anchor="t">
+            <a:normAutofit/>
+          </a:bodyPr>
+          <a:lstStyle>
+            <a:lvl1pPr marL="0" indent="0" algn="ctr">
+              <a:buNone/>
+              <a:defRPr sz="1400"/>
+            </a:lvl1pPr>
+            <a:lvl2pPr marL="457200" indent="0">
+              <a:buNone/>
+              <a:defRPr sz="1200"/>
+            </a:lvl2pPr>
+            <a:lvl3pPr marL="914400" indent="0">
+              <a:buNone/>
+              <a:defRPr sz="1000"/>
+            </a:lvl3pPr>
+            <a:lvl4pPr marL="1371600" indent="0">
+              <a:buNone/>
+              <a:defRPr sz="900"/>
+            </a:lvl4pPr>
+            <a:lvl5pPr marL="1828800" indent="0">
+              <a:buNone/>
+              <a:defRPr sz="900"/>
+            </a:lvl5pPr>
+            <a:lvl6pPr marL="2286000" indent="0">
+              <a:buNone/>
+              <a:defRPr sz="900"/>
+            </a:lvl6pPr>
+            <a:lvl7pPr marL="2743200" indent="0">
+              <a:buNone/>
+              <a:defRPr sz="900"/>
+            </a:lvl7pPr>
+            <a:lvl8pPr marL="3200400" indent="0">
+              <a:buNone/>
+              <a:defRPr sz="900"/>
+            </a:lvl8pPr>
+            <a:lvl9pPr marL="3657600" indent="0">
+              <a:buNone/>
+              <a:defRPr sz="900"/>
+            </a:lvl9pPr>
+          </a:lstStyle>
+          <a:p>
+            <a:pPr lvl="0"/>
+            <a:r>
+              <a:rPr lang="hu-HU" smtClean="0"/>
+              <a:t>Mintaszöveg szerkesztése</a:t>
+            </a:r>
+          </a:p>
+        </p:txBody>
+      </p:sp>
+      <p:sp>
+        <p:nvSpPr>
+          <p:cNvPr id="22" name="Text Placeholder 4"/>
+          <p:cNvSpPr>
+            <a:spLocks noGrp="1"/>
+          </p:cNvSpPr>
+          <p:nvPr>
+            <p:ph type="body" sz="quarter" idx="3"/>
+          </p:nvPr>
+        </p:nvSpPr>
+        <p:spPr>
+          <a:xfrm>
+            <a:off x="4442788" y="3904106"/>
+            <a:ext cx="3300984" cy="576262"/>
+          </a:xfrm>
+        </p:spPr>
+        <p:txBody>
+          <a:bodyPr anchor="b">
+            <a:noAutofit/>
+          </a:bodyPr>
+          <a:lstStyle>
+            <a:lvl1pPr marL="0" indent="0" algn="ctr">
+              <a:buNone/>
+              <a:defRPr sz="2000" b="0">
+                <a:solidFill>
+                  <a:schemeClr val="tx1"/>
+                </a:solidFill>
+              </a:defRPr>
+            </a:lvl1pPr>
+            <a:lvl2pPr marL="457200" indent="0">
+              <a:buNone/>
+              <a:defRPr sz="2000" b="1"/>
+            </a:lvl2pPr>
+            <a:lvl3pPr marL="914400" indent="0">
+              <a:buNone/>
+              <a:defRPr sz="1800" b="1"/>
+            </a:lvl3pPr>
+            <a:lvl4pPr marL="1371600" indent="0">
+              <a:buNone/>
+              <a:defRPr sz="1600" b="1"/>
+            </a:lvl4pPr>
+            <a:lvl5pPr marL="1828800" indent="0">
+              <a:buNone/>
+              <a:defRPr sz="1600" b="1"/>
+            </a:lvl5pPr>
+            <a:lvl6pPr marL="2286000" indent="0">
+              <a:buNone/>
+              <a:defRPr sz="1600" b="1"/>
+            </a:lvl6pPr>
+            <a:lvl7pPr marL="2743200" indent="0">
+              <a:buNone/>
+              <a:defRPr sz="1600" b="1"/>
+            </a:lvl7pPr>
+            <a:lvl8pPr marL="3200400" indent="0">
+              <a:buNone/>
+              <a:defRPr sz="1600" b="1"/>
+            </a:lvl8pPr>
+            <a:lvl9pPr marL="3657600" indent="0">
+              <a:buNone/>
+              <a:defRPr sz="1600" b="1"/>
+            </a:lvl9pPr>
+          </a:lstStyle>
+          <a:p>
+            <a:pPr lvl="0"/>
+            <a:r>
+              <a:rPr lang="hu-HU" smtClean="0"/>
+              <a:t>Mintaszöveg szerkesztése</a:t>
+            </a:r>
+          </a:p>
+        </p:txBody>
+      </p:sp>
+      <p:sp>
+        <p:nvSpPr>
+          <p:cNvPr id="23" name="Picture Placeholder 2"/>
+          <p:cNvSpPr>
+            <a:spLocks noGrp="1" noChangeAspect="1"/>
+          </p:cNvSpPr>
+          <p:nvPr>
+            <p:ph type="pic" idx="21"/>
+          </p:nvPr>
+        </p:nvSpPr>
+        <p:spPr>
+          <a:xfrm>
+            <a:off x="4545743" y="1939094"/>
+            <a:ext cx="3092368" cy="1608164"/>
+          </a:xfrm>
+          <a:prstGeom prst="roundRect">
+            <a:avLst>
+              <a:gd name="adj" fmla="val 1858"/>
+            </a:avLst>
+          </a:prstGeom>
+          <a:effectLst>
+            <a:outerShdw blurRad="38100" dist="25400" dir="4440000">
+              <a:srgbClr val="000000">
+                <a:alpha val="36000"/>
+              </a:srgbClr>
+            </a:outerShdw>
+          </a:effectLst>
+        </p:spPr>
+        <p:txBody>
+          <a:bodyPr anchor="t">
+            <a:normAutofit/>
+          </a:bodyPr>
+          <a:lstStyle>
+            <a:lvl1pPr marL="0" indent="0" algn="ctr">
+              <a:buNone/>
+              <a:defRPr sz="1600"/>
+            </a:lvl1pPr>
+            <a:lvl2pPr marL="457200" indent="0">
+              <a:buNone/>
+              <a:defRPr sz="1600"/>
+            </a:lvl2pPr>
+            <a:lvl3pPr marL="914400" indent="0">
+              <a:buNone/>
+              <a:defRPr sz="1600"/>
+            </a:lvl3pPr>
+            <a:lvl4pPr marL="1371600" indent="0">
+              <a:buNone/>
+              <a:defRPr sz="1600"/>
+            </a:lvl4pPr>
+            <a:lvl5pPr marL="1828800" indent="0">
+              <a:buNone/>
+              <a:defRPr sz="1600"/>
+            </a:lvl5pPr>
+            <a:lvl6pPr marL="2286000" indent="0">
+              <a:buNone/>
+              <a:defRPr sz="1600"/>
+            </a:lvl6pPr>
+            <a:lvl7pPr marL="2743200" indent="0">
+              <a:buNone/>
+              <a:defRPr sz="1600"/>
+            </a:lvl7pPr>
+            <a:lvl8pPr marL="3200400" indent="0">
+              <a:buNone/>
+              <a:defRPr sz="1600"/>
+            </a:lvl8pPr>
+            <a:lvl9pPr marL="3657600" indent="0">
+              <a:buNone/>
+              <a:defRPr sz="1600"/>
+            </a:lvl9pPr>
+          </a:lstStyle>
+          <a:p>
+            <a:r>
+              <a:rPr lang="hu-HU" smtClean="0"/>
+              <a:t>Kép beszúrásához kattintson az ikonra</a:t>
+            </a:r>
+            <a:endParaRPr lang="en-US" dirty="0"/>
+          </a:p>
+        </p:txBody>
+      </p:sp>
+      <p:sp>
+        <p:nvSpPr>
+          <p:cNvPr id="24" name="Text Placeholder 3"/>
+          <p:cNvSpPr>
+            <a:spLocks noGrp="1"/>
+          </p:cNvSpPr>
+          <p:nvPr>
+            <p:ph type="body" sz="half" idx="19"/>
+          </p:nvPr>
+        </p:nvSpPr>
+        <p:spPr>
+          <a:xfrm>
+            <a:off x="4441435" y="4480367"/>
+            <a:ext cx="3300984" cy="1310833"/>
+          </a:xfrm>
+        </p:spPr>
+        <p:txBody>
+          <a:bodyPr anchor="t">
+            <a:normAutofit/>
+          </a:bodyPr>
+          <a:lstStyle>
+            <a:lvl1pPr marL="0" indent="0" algn="ctr">
+              <a:buNone/>
+              <a:defRPr sz="1400"/>
+            </a:lvl1pPr>
+            <a:lvl2pPr marL="457200" indent="0">
+              <a:buNone/>
+              <a:defRPr sz="1200"/>
+            </a:lvl2pPr>
+            <a:lvl3pPr marL="914400" indent="0">
+              <a:buNone/>
+              <a:defRPr sz="1000"/>
+            </a:lvl3pPr>
+            <a:lvl4pPr marL="1371600" indent="0">
+              <a:buNone/>
+              <a:defRPr sz="900"/>
+            </a:lvl4pPr>
+            <a:lvl5pPr marL="1828800" indent="0">
+              <a:buNone/>
+              <a:defRPr sz="900"/>
+            </a:lvl5pPr>
+            <a:lvl6pPr marL="2286000" indent="0">
+              <a:buNone/>
+              <a:defRPr sz="900"/>
+            </a:lvl6pPr>
+            <a:lvl7pPr marL="2743200" indent="0">
+              <a:buNone/>
+              <a:defRPr sz="900"/>
+            </a:lvl7pPr>
+            <a:lvl8pPr marL="3200400" indent="0">
+              <a:buNone/>
+              <a:defRPr sz="900"/>
+            </a:lvl8pPr>
+            <a:lvl9pPr marL="3657600" indent="0">
+              <a:buNone/>
+              <a:defRPr sz="900"/>
+            </a:lvl9pPr>
+          </a:lstStyle>
+          <a:p>
+            <a:pPr lvl="0"/>
+            <a:r>
+              <a:rPr lang="hu-HU" smtClean="0"/>
+              <a:t>Mintaszöveg szerkesztése</a:t>
+            </a:r>
+          </a:p>
+        </p:txBody>
+      </p:sp>
+      <p:sp>
+        <p:nvSpPr>
+          <p:cNvPr id="25" name="Text Placeholder 4"/>
+          <p:cNvSpPr>
+            <a:spLocks noGrp="1"/>
+          </p:cNvSpPr>
+          <p:nvPr>
+            <p:ph type="body" sz="quarter" idx="13"/>
+          </p:nvPr>
+        </p:nvSpPr>
+        <p:spPr>
+          <a:xfrm>
+            <a:off x="7966697" y="3904106"/>
+            <a:ext cx="3300984" cy="576262"/>
+          </a:xfrm>
+        </p:spPr>
+        <p:txBody>
+          <a:bodyPr anchor="b">
+            <a:noAutofit/>
+          </a:bodyPr>
+          <a:lstStyle>
+            <a:lvl1pPr marL="0" indent="0" algn="ctr">
+              <a:buNone/>
+              <a:defRPr sz="2000" b="0">
+                <a:solidFill>
+                  <a:schemeClr val="tx1"/>
+                </a:solidFill>
+              </a:defRPr>
+            </a:lvl1pPr>
+            <a:lvl2pPr marL="457200" indent="0">
+              <a:buNone/>
+              <a:defRPr sz="2000" b="1"/>
+            </a:lvl2pPr>
+            <a:lvl3pPr marL="914400" indent="0">
+              <a:buNone/>
+              <a:defRPr sz="1800" b="1"/>
+            </a:lvl3pPr>
+            <a:lvl4pPr marL="1371600" indent="0">
+              <a:buNone/>
+              <a:defRPr sz="1600" b="1"/>
+            </a:lvl4pPr>
+            <a:lvl5pPr marL="1828800" indent="0">
+              <a:buNone/>
+              <a:defRPr sz="1600" b="1"/>
+            </a:lvl5pPr>
+            <a:lvl6pPr marL="2286000" indent="0">
+              <a:buNone/>
+              <a:defRPr sz="1600" b="1"/>
+            </a:lvl6pPr>
+            <a:lvl7pPr marL="2743200" indent="0">
+              <a:buNone/>
+              <a:defRPr sz="1600" b="1"/>
+            </a:lvl7pPr>
+            <a:lvl8pPr marL="3200400" indent="0">
+              <a:buNone/>
+              <a:defRPr sz="1600" b="1"/>
+            </a:lvl8pPr>
+            <a:lvl9pPr marL="3657600" indent="0">
+              <a:buNone/>
+              <a:defRPr sz="1600" b="1"/>
+            </a:lvl9pPr>
+          </a:lstStyle>
+          <a:p>
+            <a:pPr lvl="0"/>
+            <a:r>
+              <a:rPr lang="hu-HU" smtClean="0"/>
+              <a:t>Mintaszöveg szerkesztése</a:t>
+            </a:r>
+          </a:p>
+        </p:txBody>
+      </p:sp>
+      <p:sp>
+        <p:nvSpPr>
+          <p:cNvPr id="26" name="Picture Placeholder 2"/>
+          <p:cNvSpPr>
+            <a:spLocks noGrp="1" noChangeAspect="1"/>
+          </p:cNvSpPr>
+          <p:nvPr>
+            <p:ph type="pic" idx="22"/>
+          </p:nvPr>
+        </p:nvSpPr>
+        <p:spPr>
+          <a:xfrm>
+            <a:off x="8075698" y="1934432"/>
+            <a:ext cx="3092368" cy="1607294"/>
+          </a:xfrm>
+          <a:prstGeom prst="roundRect">
+            <a:avLst>
+              <a:gd name="adj" fmla="val 1858"/>
+            </a:avLst>
+          </a:prstGeom>
+          <a:effectLst>
+            <a:outerShdw blurRad="38100" dist="25400" dir="4440000">
+              <a:srgbClr val="000000">
+                <a:alpha val="36000"/>
+              </a:srgbClr>
+            </a:outerShdw>
+          </a:effectLst>
+        </p:spPr>
+        <p:txBody>
+          <a:bodyPr anchor="t">
+            <a:normAutofit/>
+          </a:bodyPr>
+          <a:lstStyle>
+            <a:lvl1pPr marL="0" indent="0" algn="ctr">
+              <a:buNone/>
+              <a:defRPr sz="1600"/>
+            </a:lvl1pPr>
+            <a:lvl2pPr marL="457200" indent="0">
+              <a:buNone/>
+              <a:defRPr sz="1600"/>
+            </a:lvl2pPr>
+            <a:lvl3pPr marL="914400" indent="0">
+              <a:buNone/>
+              <a:defRPr sz="1600"/>
+            </a:lvl3pPr>
+            <a:lvl4pPr marL="1371600" indent="0">
+              <a:buNone/>
+              <a:defRPr sz="1600"/>
+            </a:lvl4pPr>
+            <a:lvl5pPr marL="1828800" indent="0">
+              <a:buNone/>
+              <a:defRPr sz="1600"/>
+            </a:lvl5pPr>
+            <a:lvl6pPr marL="2286000" indent="0">
+              <a:buNone/>
+              <a:defRPr sz="1600"/>
+            </a:lvl6pPr>
+            <a:lvl7pPr marL="2743200" indent="0">
+              <a:buNone/>
+              <a:defRPr sz="1600"/>
+            </a:lvl7pPr>
+            <a:lvl8pPr marL="3200400" indent="0">
+              <a:buNone/>
+              <a:defRPr sz="1600"/>
+            </a:lvl8pPr>
+            <a:lvl9pPr marL="3657600" indent="0">
+              <a:buNone/>
+              <a:defRPr sz="1600"/>
+            </a:lvl9pPr>
+          </a:lstStyle>
+          <a:p>
+            <a:r>
+              <a:rPr lang="hu-HU" smtClean="0"/>
+              <a:t>Kép beszúrásához kattintson az ikonra</a:t>
+            </a:r>
+            <a:endParaRPr lang="en-US" dirty="0"/>
+          </a:p>
+        </p:txBody>
+      </p:sp>
+      <p:sp>
+        <p:nvSpPr>
+          <p:cNvPr id="27" name="Text Placeholder 3"/>
+          <p:cNvSpPr>
+            <a:spLocks noGrp="1"/>
+          </p:cNvSpPr>
+          <p:nvPr>
+            <p:ph type="body" sz="half" idx="20"/>
+          </p:nvPr>
+        </p:nvSpPr>
+        <p:spPr>
+          <a:xfrm>
+            <a:off x="7966572" y="4480365"/>
+            <a:ext cx="3300984" cy="1310835"/>
+          </a:xfrm>
+        </p:spPr>
+        <p:txBody>
+          <a:bodyPr anchor="t">
+            <a:normAutofit/>
+          </a:bodyPr>
+          <a:lstStyle>
+            <a:lvl1pPr marL="0" indent="0" algn="ctr">
+              <a:buNone/>
+              <a:defRPr sz="1400"/>
+            </a:lvl1pPr>
+            <a:lvl2pPr marL="457200" indent="0">
+              <a:buNone/>
+              <a:defRPr sz="1200"/>
+            </a:lvl2pPr>
+            <a:lvl3pPr marL="914400" indent="0">
+              <a:buNone/>
+              <a:defRPr sz="1000"/>
+            </a:lvl3pPr>
+            <a:lvl4pPr marL="1371600" indent="0">
+              <a:buNone/>
+              <a:defRPr sz="900"/>
+            </a:lvl4pPr>
+            <a:lvl5pPr marL="1828800" indent="0">
+              <a:buNone/>
+              <a:defRPr sz="900"/>
+            </a:lvl5pPr>
+            <a:lvl6pPr marL="2286000" indent="0">
+              <a:buNone/>
+              <a:defRPr sz="900"/>
+            </a:lvl6pPr>
+            <a:lvl7pPr marL="2743200" indent="0">
+              <a:buNone/>
+              <a:defRPr sz="900"/>
+            </a:lvl7pPr>
+            <a:lvl8pPr marL="3200400" indent="0">
+              <a:buNone/>
+              <a:defRPr sz="900"/>
+            </a:lvl8pPr>
+            <a:lvl9pPr marL="3657600" indent="0">
+              <a:buNone/>
+              <a:defRPr sz="900"/>
+            </a:lvl9pPr>
+          </a:lstStyle>
+          <a:p>
+            <a:pPr lvl="0"/>
+            <a:r>
+              <a:rPr lang="hu-HU" smtClean="0"/>
+              <a:t>Mintaszöveg szerkesztése</a:t>
+            </a:r>
+          </a:p>
+        </p:txBody>
+      </p:sp>
+      <p:sp>
+        <p:nvSpPr>
+          <p:cNvPr id="3" name="Date Placeholder 2"/>
+          <p:cNvSpPr>
+            <a:spLocks noGrp="1"/>
+          </p:cNvSpPr>
+          <p:nvPr>
+            <p:ph type="dt" sz="half" idx="10"/>
+          </p:nvPr>
+        </p:nvSpPr>
+        <p:spPr/>
+        <p:txBody>
+          <a:bodyPr/>
+          <a:lstStyle/>
+          <a:p>
+            <a:fld id="{CE904122-5843-4DE5-B716-8C27E94EF1F8}" type="datetimeFigureOut">
+              <a:rPr lang="hu-HU" smtClean="0"/>
+              <a:t>2022.09.15.</a:t>
+            </a:fld>
+            <a:endParaRPr lang="hu-HU"/>
+          </a:p>
+        </p:txBody>
+      </p:sp>
+      <p:sp>
+        <p:nvSpPr>
+          <p:cNvPr id="4" name="Footer Placeholder 3"/>
+          <p:cNvSpPr>
+            <a:spLocks noGrp="1"/>
+          </p:cNvSpPr>
+          <p:nvPr>
+            <p:ph type="ftr" sz="quarter" idx="11"/>
+          </p:nvPr>
+        </p:nvSpPr>
+        <p:spPr/>
+        <p:txBody>
+          <a:bodyPr/>
+          <a:lstStyle/>
+          <a:p>
+            <a:endParaRPr lang="hu-HU"/>
+          </a:p>
+        </p:txBody>
+      </p:sp>
+      <p:sp>
+        <p:nvSpPr>
+          <p:cNvPr id="5" name="Slide Number Placeholder 4"/>
+          <p:cNvSpPr>
+            <a:spLocks noGrp="1"/>
+          </p:cNvSpPr>
+          <p:nvPr>
+            <p:ph type="sldNum" sz="quarter" idx="12"/>
+          </p:nvPr>
+        </p:nvSpPr>
+        <p:spPr/>
+        <p:txBody>
+          <a:bodyPr/>
+          <a:lstStyle/>
+          <a:p>
+            <a:fld id="{053105E8-AF3F-4F6D-AE33-CE49DF6FD6C8}" type="slidenum">
+              <a:rPr lang="hu-HU" smtClean="0"/>
+              <a:t>‹#›</a:t>
+            </a:fld>
+            <a:endParaRPr lang="hu-HU"/>
+          </a:p>
+        </p:txBody>
+      </p:sp>
+    </p:spTree>
+    <p:extLst>
+      <p:ext uri="{BB962C8B-B14F-4D97-AF65-F5344CB8AC3E}">
+        <p14:creationId xmlns:p14="http://schemas.microsoft.com/office/powerpoint/2010/main" val="1950942779"/>
+      </p:ext>
+    </p:extLst>
+  </p:cSld>
+  <p:clrMapOvr>
+    <a:masterClrMapping/>
+  </p:clrMapOvr>
+</p:sldLayout>
+</file>
+
+<file path=ppt/slideLayouts/slideLayout16.xml><?xml version="1.0" encoding="utf-8"?>
 <p:sldLayout xmlns:a="http://schemas.openxmlformats.org/drawingml/2006/main" xmlns:r="http://schemas.openxmlformats.org/officeDocument/2006/relationships" xmlns:p="http://schemas.openxmlformats.org/presentationml/2006/main" type="vertTx" preserve="1">
   <p:cSld name="Cím és függőleges szöveg">
     <p:spTree>
@@ -331,7 +2962,7 @@
       </p:grpSpPr>
       <p:sp>
         <p:nvSpPr>
-          <p:cNvPr id="2" name="Cím 1"/>
+          <p:cNvPr id="2" name="Title 1"/>
           <p:cNvSpPr>
             <a:spLocks noGrp="1"/>
           </p:cNvSpPr>
@@ -348,13 +2979,13 @@
               <a:rPr lang="hu-HU" smtClean="0"/>
               <a:t>Mintacím szerkesztése</a:t>
             </a:r>
-            <a:endParaRPr lang="hu-HU"/>
-          </a:p>
-        </p:txBody>
-      </p:sp>
-      <p:sp>
-        <p:nvSpPr>
-          <p:cNvPr id="3" name="Függőleges szöveg helye 2"/>
+            <a:endParaRPr lang="en-US" dirty="0"/>
+          </a:p>
+        </p:txBody>
+      </p:sp>
+      <p:sp>
+        <p:nvSpPr>
+          <p:cNvPr id="3" name="Vertical Text Placeholder 2"/>
           <p:cNvSpPr>
             <a:spLocks noGrp="1"/>
           </p:cNvSpPr>
@@ -364,7 +2995,7 @@
         </p:nvSpPr>
         <p:spPr/>
         <p:txBody>
-          <a:bodyPr vert="eaVert"/>
+          <a:bodyPr vert="eaVert" anchor="t"/>
           <a:lstStyle/>
           <a:p>
             <a:pPr lvl="0"/>
@@ -400,13 +3031,13 @@
               <a:rPr lang="hu-HU" smtClean="0"/>
               <a:t>Ötödik szint</a:t>
             </a:r>
-            <a:endParaRPr lang="hu-HU"/>
-          </a:p>
-        </p:txBody>
-      </p:sp>
-      <p:sp>
-        <p:nvSpPr>
-          <p:cNvPr id="4" name="Dátum helye 3"/>
+            <a:endParaRPr lang="en-US" dirty="0"/>
+          </a:p>
+        </p:txBody>
+      </p:sp>
+      <p:sp>
+        <p:nvSpPr>
+          <p:cNvPr id="4" name="Date Placeholder 3"/>
           <p:cNvSpPr>
             <a:spLocks noGrp="1"/>
           </p:cNvSpPr>
@@ -421,7 +3052,7 @@
           <a:p>
             <a:fld id="{CE904122-5843-4DE5-B716-8C27E94EF1F8}" type="datetimeFigureOut">
               <a:rPr lang="hu-HU" smtClean="0"/>
-              <a:t>2022.09.13.</a:t>
+              <a:t>2022.09.15.</a:t>
             </a:fld>
             <a:endParaRPr lang="hu-HU"/>
           </a:p>
@@ -429,7 +3060,7 @@
       </p:sp>
       <p:sp>
         <p:nvSpPr>
-          <p:cNvPr id="5" name="Élőláb helye 4"/>
+          <p:cNvPr id="5" name="Footer Placeholder 4"/>
           <p:cNvSpPr>
             <a:spLocks noGrp="1"/>
           </p:cNvSpPr>
@@ -448,7 +3079,7 @@
       </p:sp>
       <p:sp>
         <p:nvSpPr>
-          <p:cNvPr id="6" name="Dia számának helye 5"/>
+          <p:cNvPr id="6" name="Slide Number Placeholder 5"/>
           <p:cNvSpPr>
             <a:spLocks noGrp="1"/>
           </p:cNvSpPr>
@@ -472,7 +3103,7 @@
     </p:spTree>
     <p:extLst>
       <p:ext uri="{BB962C8B-B14F-4D97-AF65-F5344CB8AC3E}">
-        <p14:creationId xmlns:p14="http://schemas.microsoft.com/office/powerpoint/2010/main" val="4266621612"/>
+        <p14:creationId xmlns:p14="http://schemas.microsoft.com/office/powerpoint/2010/main" val="3346916206"/>
       </p:ext>
     </p:extLst>
   </p:cSld>
@@ -482,7 +3113,7 @@
 </p:sldLayout>
 </file>
 
-<file path=ppt/slideLayouts/slideLayout11.xml><?xml version="1.0" encoding="utf-8"?>
+<file path=ppt/slideLayouts/slideLayout17.xml><?xml version="1.0" encoding="utf-8"?>
 <p:sldLayout xmlns:a="http://schemas.openxmlformats.org/drawingml/2006/main" xmlns:r="http://schemas.openxmlformats.org/officeDocument/2006/relationships" xmlns:p="http://schemas.openxmlformats.org/presentationml/2006/main" type="vertTitleAndTx" preserve="1">
   <p:cSld name="Függőleges cím és szöveg">
     <p:spTree>
@@ -501,7 +3132,7 @@
       </p:grpSpPr>
       <p:sp>
         <p:nvSpPr>
-          <p:cNvPr id="2" name="Függőleges cím 1"/>
+          <p:cNvPr id="2" name="Vertical Title 1"/>
           <p:cNvSpPr>
             <a:spLocks noGrp="1"/>
           </p:cNvSpPr>
@@ -511,25 +3142,29 @@
         </p:nvSpPr>
         <p:spPr>
           <a:xfrm>
-            <a:off x="8724900" y="365125"/>
-            <a:ext cx="2628900" cy="5811838"/>
+            <a:off x="8983068" y="609599"/>
+            <a:ext cx="2284487" cy="5181601"/>
           </a:xfrm>
         </p:spPr>
         <p:txBody>
           <a:bodyPr vert="eaVert"/>
-          <a:lstStyle/>
+          <a:lstStyle>
+            <a:lvl1pPr algn="l">
+              <a:defRPr/>
+            </a:lvl1pPr>
+          </a:lstStyle>
           <a:p>
             <a:r>
               <a:rPr lang="hu-HU" smtClean="0"/>
               <a:t>Mintacím szerkesztése</a:t>
             </a:r>
-            <a:endParaRPr lang="hu-HU"/>
-          </a:p>
-        </p:txBody>
-      </p:sp>
-      <p:sp>
-        <p:nvSpPr>
-          <p:cNvPr id="3" name="Függőleges szöveg helye 2"/>
+            <a:endParaRPr lang="en-US" dirty="0"/>
+          </a:p>
+        </p:txBody>
+      </p:sp>
+      <p:sp>
+        <p:nvSpPr>
+          <p:cNvPr id="3" name="Vertical Text Placeholder 2"/>
           <p:cNvSpPr>
             <a:spLocks noGrp="1"/>
           </p:cNvSpPr>
@@ -539,12 +3174,12 @@
         </p:nvSpPr>
         <p:spPr>
           <a:xfrm>
-            <a:off x="838200" y="365125"/>
-            <a:ext cx="7734300" cy="5811838"/>
+            <a:off x="913796" y="609599"/>
+            <a:ext cx="7916872" cy="5181601"/>
           </a:xfrm>
         </p:spPr>
         <p:txBody>
-          <a:bodyPr vert="eaVert"/>
+          <a:bodyPr vert="eaVert" anchor="t"/>
           <a:lstStyle/>
           <a:p>
             <a:pPr lvl="0"/>
@@ -580,13 +3215,13 @@
               <a:rPr lang="hu-HU" smtClean="0"/>
               <a:t>Ötödik szint</a:t>
             </a:r>
-            <a:endParaRPr lang="hu-HU"/>
-          </a:p>
-        </p:txBody>
-      </p:sp>
-      <p:sp>
-        <p:nvSpPr>
-          <p:cNvPr id="4" name="Dátum helye 3"/>
+            <a:endParaRPr lang="en-US" dirty="0"/>
+          </a:p>
+        </p:txBody>
+      </p:sp>
+      <p:sp>
+        <p:nvSpPr>
+          <p:cNvPr id="4" name="Date Placeholder 3"/>
           <p:cNvSpPr>
             <a:spLocks noGrp="1"/>
           </p:cNvSpPr>
@@ -601,7 +3236,7 @@
           <a:p>
             <a:fld id="{CE904122-5843-4DE5-B716-8C27E94EF1F8}" type="datetimeFigureOut">
               <a:rPr lang="hu-HU" smtClean="0"/>
-              <a:t>2022.09.13.</a:t>
+              <a:t>2022.09.15.</a:t>
             </a:fld>
             <a:endParaRPr lang="hu-HU"/>
           </a:p>
@@ -609,7 +3244,7 @@
       </p:sp>
       <p:sp>
         <p:nvSpPr>
-          <p:cNvPr id="5" name="Élőláb helye 4"/>
+          <p:cNvPr id="5" name="Footer Placeholder 4"/>
           <p:cNvSpPr>
             <a:spLocks noGrp="1"/>
           </p:cNvSpPr>
@@ -628,7 +3263,7 @@
       </p:sp>
       <p:sp>
         <p:nvSpPr>
-          <p:cNvPr id="6" name="Dia számának helye 5"/>
+          <p:cNvPr id="6" name="Slide Number Placeholder 5"/>
           <p:cNvSpPr>
             <a:spLocks noGrp="1"/>
           </p:cNvSpPr>
@@ -652,7 +3287,7 @@
     </p:spTree>
     <p:extLst>
       <p:ext uri="{BB962C8B-B14F-4D97-AF65-F5344CB8AC3E}">
-        <p14:creationId xmlns:p14="http://schemas.microsoft.com/office/powerpoint/2010/main" val="3828718099"/>
+        <p14:creationId xmlns:p14="http://schemas.microsoft.com/office/powerpoint/2010/main" val="2635052481"/>
       </p:ext>
     </p:extLst>
   </p:cSld>
@@ -681,7 +3316,7 @@
       </p:grpSpPr>
       <p:sp>
         <p:nvSpPr>
-          <p:cNvPr id="2" name="Cím 1"/>
+          <p:cNvPr id="2" name="Title 1"/>
           <p:cNvSpPr>
             <a:spLocks noGrp="1"/>
           </p:cNvSpPr>
@@ -698,13 +3333,13 @@
               <a:rPr lang="hu-HU" smtClean="0"/>
               <a:t>Mintacím szerkesztése</a:t>
             </a:r>
-            <a:endParaRPr lang="hu-HU"/>
-          </a:p>
-        </p:txBody>
-      </p:sp>
-      <p:sp>
-        <p:nvSpPr>
-          <p:cNvPr id="3" name="Tartalom helye 2"/>
+            <a:endParaRPr lang="en-US" dirty="0"/>
+          </a:p>
+        </p:txBody>
+      </p:sp>
+      <p:sp>
+        <p:nvSpPr>
+          <p:cNvPr id="3" name="Content Placeholder 2"/>
           <p:cNvSpPr>
             <a:spLocks noGrp="1"/>
           </p:cNvSpPr>
@@ -750,13 +3385,13 @@
               <a:rPr lang="hu-HU" smtClean="0"/>
               <a:t>Ötödik szint</a:t>
             </a:r>
-            <a:endParaRPr lang="hu-HU"/>
-          </a:p>
-        </p:txBody>
-      </p:sp>
-      <p:sp>
-        <p:nvSpPr>
-          <p:cNvPr id="4" name="Dátum helye 3"/>
+            <a:endParaRPr lang="en-US" dirty="0"/>
+          </a:p>
+        </p:txBody>
+      </p:sp>
+      <p:sp>
+        <p:nvSpPr>
+          <p:cNvPr id="4" name="Date Placeholder 3"/>
           <p:cNvSpPr>
             <a:spLocks noGrp="1"/>
           </p:cNvSpPr>
@@ -771,7 +3406,7 @@
           <a:p>
             <a:fld id="{CE904122-5843-4DE5-B716-8C27E94EF1F8}" type="datetimeFigureOut">
               <a:rPr lang="hu-HU" smtClean="0"/>
-              <a:t>2022.09.13.</a:t>
+              <a:t>2022.09.15.</a:t>
             </a:fld>
             <a:endParaRPr lang="hu-HU"/>
           </a:p>
@@ -779,7 +3414,7 @@
       </p:sp>
       <p:sp>
         <p:nvSpPr>
-          <p:cNvPr id="5" name="Élőláb helye 4"/>
+          <p:cNvPr id="5" name="Footer Placeholder 4"/>
           <p:cNvSpPr>
             <a:spLocks noGrp="1"/>
           </p:cNvSpPr>
@@ -798,7 +3433,7 @@
       </p:sp>
       <p:sp>
         <p:nvSpPr>
-          <p:cNvPr id="6" name="Dia számának helye 5"/>
+          <p:cNvPr id="6" name="Slide Number Placeholder 5"/>
           <p:cNvSpPr>
             <a:spLocks noGrp="1"/>
           </p:cNvSpPr>
@@ -822,7 +3457,7 @@
     </p:spTree>
     <p:extLst>
       <p:ext uri="{BB962C8B-B14F-4D97-AF65-F5344CB8AC3E}">
-        <p14:creationId xmlns:p14="http://schemas.microsoft.com/office/powerpoint/2010/main" val="1242839615"/>
+        <p14:creationId xmlns:p14="http://schemas.microsoft.com/office/powerpoint/2010/main" val="1042415205"/>
       </p:ext>
     </p:extLst>
   </p:cSld>
@@ -851,7 +3486,7 @@
       </p:grpSpPr>
       <p:sp>
         <p:nvSpPr>
-          <p:cNvPr id="2" name="Cím 1"/>
+          <p:cNvPr id="2" name="Title 1"/>
           <p:cNvSpPr>
             <a:spLocks noGrp="1"/>
           </p:cNvSpPr>
@@ -861,15 +3496,15 @@
         </p:nvSpPr>
         <p:spPr>
           <a:xfrm>
-            <a:off x="831850" y="1709738"/>
-            <a:ext cx="10515600" cy="2852737"/>
+            <a:off x="1295401" y="1761067"/>
+            <a:ext cx="9590550" cy="1828813"/>
           </a:xfrm>
         </p:spPr>
         <p:txBody>
           <a:bodyPr anchor="b"/>
           <a:lstStyle>
-            <a:lvl1pPr>
-              <a:defRPr sz="6000"/>
+            <a:lvl1pPr algn="ctr">
+              <a:defRPr sz="4000" b="0" cap="none"/>
             </a:lvl1pPr>
           </a:lstStyle>
           <a:p>
@@ -877,13 +3512,13 @@
               <a:rPr lang="hu-HU" smtClean="0"/>
               <a:t>Mintacím szerkesztése</a:t>
             </a:r>
-            <a:endParaRPr lang="hu-HU"/>
-          </a:p>
-        </p:txBody>
-      </p:sp>
-      <p:sp>
-        <p:nvSpPr>
-          <p:cNvPr id="3" name="Szöveg helye 2"/>
+            <a:endParaRPr lang="en-US" dirty="0"/>
+          </a:p>
+        </p:txBody>
+      </p:sp>
+      <p:sp>
+        <p:nvSpPr>
+          <p:cNvPr id="3" name="Text Placeholder 2"/>
           <p:cNvSpPr>
             <a:spLocks noGrp="1"/>
           </p:cNvSpPr>
@@ -893,26 +3528,24 @@
         </p:nvSpPr>
         <p:spPr>
           <a:xfrm>
-            <a:off x="831850" y="4589463"/>
-            <a:ext cx="10515600" cy="1500187"/>
+            <a:off x="1295401" y="3589879"/>
+            <a:ext cx="9590550" cy="1507054"/>
           </a:xfrm>
         </p:spPr>
         <p:txBody>
-          <a:bodyPr/>
+          <a:bodyPr anchor="t"/>
           <a:lstStyle>
-            <a:lvl1pPr marL="0" indent="0">
-              <a:buNone/>
-              <a:defRPr sz="2400">
+            <a:lvl1pPr marL="0" indent="0" algn="ctr">
+              <a:buNone/>
+              <a:defRPr sz="2000">
                 <a:solidFill>
-                  <a:schemeClr val="tx1">
-                    <a:tint val="75000"/>
-                  </a:schemeClr>
+                  <a:schemeClr val="tx1"/>
                 </a:solidFill>
               </a:defRPr>
             </a:lvl1pPr>
             <a:lvl2pPr marL="457200" indent="0">
               <a:buNone/>
-              <a:defRPr sz="2000">
+              <a:defRPr sz="1800">
                 <a:solidFill>
                   <a:schemeClr val="tx1">
                     <a:tint val="75000"/>
@@ -922,7 +3555,7 @@
             </a:lvl2pPr>
             <a:lvl3pPr marL="914400" indent="0">
               <a:buNone/>
-              <a:defRPr sz="1800">
+              <a:defRPr sz="1600">
                 <a:solidFill>
                   <a:schemeClr val="tx1">
                     <a:tint val="75000"/>
@@ -932,7 +3565,7 @@
             </a:lvl3pPr>
             <a:lvl4pPr marL="1371600" indent="0">
               <a:buNone/>
-              <a:defRPr sz="1600">
+              <a:defRPr sz="1400">
                 <a:solidFill>
                   <a:schemeClr val="tx1">
                     <a:tint val="75000"/>
@@ -942,7 +3575,7 @@
             </a:lvl4pPr>
             <a:lvl5pPr marL="1828800" indent="0">
               <a:buNone/>
-              <a:defRPr sz="1600">
+              <a:defRPr sz="1400">
                 <a:solidFill>
                   <a:schemeClr val="tx1">
                     <a:tint val="75000"/>
@@ -952,7 +3585,7 @@
             </a:lvl5pPr>
             <a:lvl6pPr marL="2286000" indent="0">
               <a:buNone/>
-              <a:defRPr sz="1600">
+              <a:defRPr sz="1400">
                 <a:solidFill>
                   <a:schemeClr val="tx1">
                     <a:tint val="75000"/>
@@ -962,7 +3595,7 @@
             </a:lvl6pPr>
             <a:lvl7pPr marL="2743200" indent="0">
               <a:buNone/>
-              <a:defRPr sz="1600">
+              <a:defRPr sz="1400">
                 <a:solidFill>
                   <a:schemeClr val="tx1">
                     <a:tint val="75000"/>
@@ -972,7 +3605,7 @@
             </a:lvl7pPr>
             <a:lvl8pPr marL="3200400" indent="0">
               <a:buNone/>
-              <a:defRPr sz="1600">
+              <a:defRPr sz="1400">
                 <a:solidFill>
                   <a:schemeClr val="tx1">
                     <a:tint val="75000"/>
@@ -982,7 +3615,7 @@
             </a:lvl8pPr>
             <a:lvl9pPr marL="3657600" indent="0">
               <a:buNone/>
-              <a:defRPr sz="1600">
+              <a:defRPr sz="1400">
                 <a:solidFill>
                   <a:schemeClr val="tx1">
                     <a:tint val="75000"/>
@@ -1002,7 +3635,7 @@
       </p:sp>
       <p:sp>
         <p:nvSpPr>
-          <p:cNvPr id="4" name="Dátum helye 3"/>
+          <p:cNvPr id="4" name="Date Placeholder 3"/>
           <p:cNvSpPr>
             <a:spLocks noGrp="1"/>
           </p:cNvSpPr>
@@ -1017,7 +3650,7 @@
           <a:p>
             <a:fld id="{CE904122-5843-4DE5-B716-8C27E94EF1F8}" type="datetimeFigureOut">
               <a:rPr lang="hu-HU" smtClean="0"/>
-              <a:t>2022.09.13.</a:t>
+              <a:t>2022.09.15.</a:t>
             </a:fld>
             <a:endParaRPr lang="hu-HU"/>
           </a:p>
@@ -1025,7 +3658,7 @@
       </p:sp>
       <p:sp>
         <p:nvSpPr>
-          <p:cNvPr id="5" name="Élőláb helye 4"/>
+          <p:cNvPr id="5" name="Footer Placeholder 4"/>
           <p:cNvSpPr>
             <a:spLocks noGrp="1"/>
           </p:cNvSpPr>
@@ -1044,7 +3677,7 @@
       </p:sp>
       <p:sp>
         <p:nvSpPr>
-          <p:cNvPr id="6" name="Dia számának helye 5"/>
+          <p:cNvPr id="6" name="Slide Number Placeholder 5"/>
           <p:cNvSpPr>
             <a:spLocks noGrp="1"/>
           </p:cNvSpPr>
@@ -1068,7 +3701,7 @@
     </p:spTree>
     <p:extLst>
       <p:ext uri="{BB962C8B-B14F-4D97-AF65-F5344CB8AC3E}">
-        <p14:creationId xmlns:p14="http://schemas.microsoft.com/office/powerpoint/2010/main" val="2993094855"/>
+        <p14:creationId xmlns:p14="http://schemas.microsoft.com/office/powerpoint/2010/main" val="194310623"/>
       </p:ext>
     </p:extLst>
   </p:cSld>
@@ -1097,7 +3730,7 @@
       </p:grpSpPr>
       <p:sp>
         <p:nvSpPr>
-          <p:cNvPr id="2" name="Cím 1"/>
+          <p:cNvPr id="2" name="Title 1"/>
           <p:cNvSpPr>
             <a:spLocks noGrp="1"/>
           </p:cNvSpPr>
@@ -1114,13 +3747,13 @@
               <a:rPr lang="hu-HU" smtClean="0"/>
               <a:t>Mintacím szerkesztése</a:t>
             </a:r>
-            <a:endParaRPr lang="hu-HU"/>
-          </a:p>
-        </p:txBody>
-      </p:sp>
-      <p:sp>
-        <p:nvSpPr>
-          <p:cNvPr id="3" name="Tartalom helye 2"/>
+            <a:endParaRPr lang="en-US" dirty="0"/>
+          </a:p>
+        </p:txBody>
+      </p:sp>
+      <p:sp>
+        <p:nvSpPr>
+          <p:cNvPr id="3" name="Content Placeholder 2"/>
           <p:cNvSpPr>
             <a:spLocks noGrp="1"/>
           </p:cNvSpPr>
@@ -1130,12 +3763,14 @@
         </p:nvSpPr>
         <p:spPr>
           <a:xfrm>
-            <a:off x="838200" y="1825625"/>
-            <a:ext cx="5181600" cy="4351338"/>
+            <a:off x="913795" y="1732449"/>
+            <a:ext cx="5060497" cy="4058750"/>
           </a:xfrm>
         </p:spPr>
         <p:txBody>
-          <a:bodyPr/>
+          <a:bodyPr anchor="t">
+            <a:normAutofit/>
+          </a:bodyPr>
           <a:lstStyle/>
           <a:p>
             <a:pPr lvl="0"/>
@@ -1171,13 +3806,13 @@
               <a:rPr lang="hu-HU" smtClean="0"/>
               <a:t>Ötödik szint</a:t>
             </a:r>
-            <a:endParaRPr lang="hu-HU"/>
-          </a:p>
-        </p:txBody>
-      </p:sp>
-      <p:sp>
-        <p:nvSpPr>
-          <p:cNvPr id="4" name="Tartalom helye 3"/>
+            <a:endParaRPr lang="en-US" dirty="0"/>
+          </a:p>
+        </p:txBody>
+      </p:sp>
+      <p:sp>
+        <p:nvSpPr>
+          <p:cNvPr id="4" name="Content Placeholder 3"/>
           <p:cNvSpPr>
             <a:spLocks noGrp="1"/>
           </p:cNvSpPr>
@@ -1187,12 +3822,14 @@
         </p:nvSpPr>
         <p:spPr>
           <a:xfrm>
-            <a:off x="6172200" y="1825625"/>
-            <a:ext cx="5181600" cy="4351338"/>
+            <a:off x="6202892" y="1732449"/>
+            <a:ext cx="5064665" cy="4058751"/>
           </a:xfrm>
         </p:spPr>
         <p:txBody>
-          <a:bodyPr/>
+          <a:bodyPr anchor="t">
+            <a:normAutofit/>
+          </a:bodyPr>
           <a:lstStyle/>
           <a:p>
             <a:pPr lvl="0"/>
@@ -1228,13 +3865,13 @@
               <a:rPr lang="hu-HU" smtClean="0"/>
               <a:t>Ötödik szint</a:t>
             </a:r>
-            <a:endParaRPr lang="hu-HU"/>
-          </a:p>
-        </p:txBody>
-      </p:sp>
-      <p:sp>
-        <p:nvSpPr>
-          <p:cNvPr id="5" name="Dátum helye 4"/>
+            <a:endParaRPr lang="en-US" dirty="0"/>
+          </a:p>
+        </p:txBody>
+      </p:sp>
+      <p:sp>
+        <p:nvSpPr>
+          <p:cNvPr id="5" name="Date Placeholder 4"/>
           <p:cNvSpPr>
             <a:spLocks noGrp="1"/>
           </p:cNvSpPr>
@@ -1249,7 +3886,7 @@
           <a:p>
             <a:fld id="{CE904122-5843-4DE5-B716-8C27E94EF1F8}" type="datetimeFigureOut">
               <a:rPr lang="hu-HU" smtClean="0"/>
-              <a:t>2022.09.13.</a:t>
+              <a:t>2022.09.15.</a:t>
             </a:fld>
             <a:endParaRPr lang="hu-HU"/>
           </a:p>
@@ -1257,7 +3894,7 @@
       </p:sp>
       <p:sp>
         <p:nvSpPr>
-          <p:cNvPr id="6" name="Élőláb helye 5"/>
+          <p:cNvPr id="6" name="Footer Placeholder 5"/>
           <p:cNvSpPr>
             <a:spLocks noGrp="1"/>
           </p:cNvSpPr>
@@ -1276,7 +3913,7 @@
       </p:sp>
       <p:sp>
         <p:nvSpPr>
-          <p:cNvPr id="7" name="Dia számának helye 6"/>
+          <p:cNvPr id="7" name="Slide Number Placeholder 6"/>
           <p:cNvSpPr>
             <a:spLocks noGrp="1"/>
           </p:cNvSpPr>
@@ -1300,7 +3937,7 @@
     </p:spTree>
     <p:extLst>
       <p:ext uri="{BB962C8B-B14F-4D97-AF65-F5344CB8AC3E}">
-        <p14:creationId xmlns:p14="http://schemas.microsoft.com/office/powerpoint/2010/main" val="4157667280"/>
+        <p14:creationId xmlns:p14="http://schemas.microsoft.com/office/powerpoint/2010/main" val="1082351593"/>
       </p:ext>
     </p:extLst>
   </p:cSld>
@@ -1327,56 +3964,117 @@
           <a:chExt cx="0" cy="0"/>
         </a:xfrm>
       </p:grpSpPr>
-      <p:sp>
-        <p:nvSpPr>
-          <p:cNvPr id="2" name="Cím 1"/>
-          <p:cNvSpPr>
-            <a:spLocks noGrp="1"/>
-          </p:cNvSpPr>
-          <p:nvPr>
-            <p:ph type="title"/>
-          </p:nvPr>
-        </p:nvSpPr>
+      <p:pic>
+        <p:nvPicPr>
+          <p:cNvPr id="20" name="Picture 19" descr="Slate-V2-HD-compPhotoInset.png"/>
+          <p:cNvPicPr>
+            <a:picLocks noChangeAspect="1"/>
+          </p:cNvPicPr>
+          <p:nvPr/>
+        </p:nvPicPr>
+        <p:blipFill>
+          <a:blip r:embed="rId2">
+            <a:extLst>
+              <a:ext uri="{28A0092B-C50C-407E-A947-70E740481C1C}">
+                <a14:useLocalDpi xmlns:a14="http://schemas.microsoft.com/office/drawing/2010/main" val="0"/>
+              </a:ext>
+            </a:extLst>
+          </a:blip>
+          <a:stretch>
+            <a:fillRect/>
+          </a:stretch>
+        </p:blipFill>
         <p:spPr>
           <a:xfrm>
-            <a:off x="839788" y="365125"/>
-            <a:ext cx="10515600" cy="1325563"/>
+            <a:off x="913795" y="1734506"/>
+            <a:ext cx="5089072" cy="4148769"/>
+          </a:xfrm>
+          <a:prstGeom prst="rect">
+            <a:avLst/>
+          </a:prstGeom>
+        </p:spPr>
+      </p:pic>
+      <p:pic>
+        <p:nvPicPr>
+          <p:cNvPr id="21" name="Picture 20" descr="Slate-V2-HD-compPhotoInset.png"/>
+          <p:cNvPicPr>
+            <a:picLocks noChangeAspect="1"/>
+          </p:cNvPicPr>
+          <p:nvPr/>
+        </p:nvPicPr>
+        <p:blipFill>
+          <a:blip r:embed="rId2">
+            <a:extLst>
+              <a:ext uri="{28A0092B-C50C-407E-A947-70E740481C1C}">
+                <a14:useLocalDpi xmlns:a14="http://schemas.microsoft.com/office/drawing/2010/main" val="0"/>
+              </a:ext>
+            </a:extLst>
+          </a:blip>
+          <a:stretch>
+            <a:fillRect/>
+          </a:stretch>
+        </p:blipFill>
+        <p:spPr>
+          <a:xfrm>
+            <a:off x="6178485" y="1734506"/>
+            <a:ext cx="5089072" cy="4148769"/>
+          </a:xfrm>
+          <a:prstGeom prst="rect">
+            <a:avLst/>
+          </a:prstGeom>
+        </p:spPr>
+      </p:pic>
+      <p:sp>
+        <p:nvSpPr>
+          <p:cNvPr id="2" name="Title 1"/>
+          <p:cNvSpPr>
+            <a:spLocks noGrp="1"/>
+          </p:cNvSpPr>
+          <p:nvPr>
+            <p:ph type="title"/>
+          </p:nvPr>
+        </p:nvSpPr>
+        <p:spPr/>
+        <p:txBody>
+          <a:bodyPr/>
+          <a:lstStyle>
+            <a:lvl1pPr>
+              <a:defRPr/>
+            </a:lvl1pPr>
+          </a:lstStyle>
+          <a:p>
+            <a:r>
+              <a:rPr lang="hu-HU" smtClean="0"/>
+              <a:t>Mintacím szerkesztése</a:t>
+            </a:r>
+            <a:endParaRPr lang="en-US" dirty="0"/>
+          </a:p>
+        </p:txBody>
+      </p:sp>
+      <p:sp>
+        <p:nvSpPr>
+          <p:cNvPr id="3" name="Text Placeholder 2"/>
+          <p:cNvSpPr>
+            <a:spLocks noGrp="1"/>
+          </p:cNvSpPr>
+          <p:nvPr>
+            <p:ph type="body" idx="1"/>
+          </p:nvPr>
+        </p:nvSpPr>
+        <p:spPr>
+          <a:xfrm>
+            <a:off x="1005872" y="1835254"/>
+            <a:ext cx="4876344" cy="544884"/>
           </a:xfrm>
         </p:spPr>
         <p:txBody>
-          <a:bodyPr/>
-          <a:lstStyle/>
-          <a:p>
-            <a:r>
-              <a:rPr lang="hu-HU" smtClean="0"/>
-              <a:t>Mintacím szerkesztése</a:t>
-            </a:r>
-            <a:endParaRPr lang="hu-HU"/>
-          </a:p>
-        </p:txBody>
-      </p:sp>
-      <p:sp>
-        <p:nvSpPr>
-          <p:cNvPr id="3" name="Szöveg helye 2"/>
-          <p:cNvSpPr>
-            <a:spLocks noGrp="1"/>
-          </p:cNvSpPr>
-          <p:nvPr>
-            <p:ph type="body" idx="1"/>
-          </p:nvPr>
-        </p:nvSpPr>
-        <p:spPr>
-          <a:xfrm>
-            <a:off x="839788" y="1681163"/>
-            <a:ext cx="5157787" cy="823912"/>
-          </a:xfrm>
-        </p:spPr>
-        <p:txBody>
-          <a:bodyPr anchor="b"/>
+          <a:bodyPr anchor="b">
+            <a:noAutofit/>
+          </a:bodyPr>
           <a:lstStyle>
-            <a:lvl1pPr marL="0" indent="0">
-              <a:buNone/>
-              <a:defRPr sz="2400" b="1"/>
+            <a:lvl1pPr marL="0" indent="0" algn="ctr">
+              <a:buNone/>
+              <a:defRPr sz="2400" b="0"/>
             </a:lvl1pPr>
             <a:lvl2pPr marL="457200" indent="0">
               <a:buNone/>
@@ -1422,7 +4120,7 @@
       </p:sp>
       <p:sp>
         <p:nvSpPr>
-          <p:cNvPr id="4" name="Tartalom helye 3"/>
+          <p:cNvPr id="4" name="Content Placeholder 3"/>
           <p:cNvSpPr>
             <a:spLocks noGrp="1"/>
           </p:cNvSpPr>
@@ -1432,13 +4130,31 @@
         </p:nvSpPr>
         <p:spPr>
           <a:xfrm>
-            <a:off x="839788" y="2505075"/>
-            <a:ext cx="5157787" cy="3684588"/>
+            <a:off x="1005872" y="2380137"/>
+            <a:ext cx="4876344" cy="3411063"/>
           </a:xfrm>
         </p:spPr>
         <p:txBody>
-          <a:bodyPr/>
-          <a:lstStyle/>
+          <a:bodyPr anchor="t">
+            <a:normAutofit/>
+          </a:bodyPr>
+          <a:lstStyle>
+            <a:lvl1pPr>
+              <a:defRPr sz="1800"/>
+            </a:lvl1pPr>
+            <a:lvl2pPr>
+              <a:defRPr sz="1600"/>
+            </a:lvl2pPr>
+            <a:lvl3pPr>
+              <a:defRPr sz="1400"/>
+            </a:lvl3pPr>
+            <a:lvl4pPr>
+              <a:defRPr sz="1200"/>
+            </a:lvl4pPr>
+            <a:lvl5pPr>
+              <a:defRPr sz="1200"/>
+            </a:lvl5pPr>
+          </a:lstStyle>
           <a:p>
             <a:pPr lvl="0"/>
             <a:r>
@@ -1473,13 +4189,13 @@
               <a:rPr lang="hu-HU" smtClean="0"/>
               <a:t>Ötödik szint</a:t>
             </a:r>
-            <a:endParaRPr lang="hu-HU"/>
-          </a:p>
-        </p:txBody>
-      </p:sp>
-      <p:sp>
-        <p:nvSpPr>
-          <p:cNvPr id="5" name="Szöveg helye 4"/>
+            <a:endParaRPr lang="en-US" dirty="0"/>
+          </a:p>
+        </p:txBody>
+      </p:sp>
+      <p:sp>
+        <p:nvSpPr>
+          <p:cNvPr id="5" name="Text Placeholder 4"/>
           <p:cNvSpPr>
             <a:spLocks noGrp="1"/>
           </p:cNvSpPr>
@@ -1489,16 +4205,18 @@
         </p:nvSpPr>
         <p:spPr>
           <a:xfrm>
-            <a:off x="6172200" y="1681163"/>
-            <a:ext cx="5183188" cy="823912"/>
+            <a:off x="6294967" y="1835254"/>
+            <a:ext cx="4895330" cy="544883"/>
           </a:xfrm>
         </p:spPr>
         <p:txBody>
-          <a:bodyPr anchor="b"/>
+          <a:bodyPr anchor="b">
+            <a:noAutofit/>
+          </a:bodyPr>
           <a:lstStyle>
-            <a:lvl1pPr marL="0" indent="0">
-              <a:buNone/>
-              <a:defRPr sz="2400" b="1"/>
+            <a:lvl1pPr marL="0" indent="0" algn="ctr">
+              <a:buNone/>
+              <a:defRPr sz="2400" b="0"/>
             </a:lvl1pPr>
             <a:lvl2pPr marL="457200" indent="0">
               <a:buNone/>
@@ -1544,7 +4262,7 @@
       </p:sp>
       <p:sp>
         <p:nvSpPr>
-          <p:cNvPr id="6" name="Tartalom helye 5"/>
+          <p:cNvPr id="6" name="Content Placeholder 5"/>
           <p:cNvSpPr>
             <a:spLocks noGrp="1"/>
           </p:cNvSpPr>
@@ -1554,13 +4272,31 @@
         </p:nvSpPr>
         <p:spPr>
           <a:xfrm>
-            <a:off x="6172200" y="2505075"/>
-            <a:ext cx="5183188" cy="3684588"/>
+            <a:off x="6294967" y="2380137"/>
+            <a:ext cx="4895330" cy="3411063"/>
           </a:xfrm>
         </p:spPr>
         <p:txBody>
-          <a:bodyPr/>
-          <a:lstStyle/>
+          <a:bodyPr anchor="t">
+            <a:normAutofit/>
+          </a:bodyPr>
+          <a:lstStyle>
+            <a:lvl1pPr>
+              <a:defRPr sz="1800"/>
+            </a:lvl1pPr>
+            <a:lvl2pPr>
+              <a:defRPr sz="1600"/>
+            </a:lvl2pPr>
+            <a:lvl3pPr>
+              <a:defRPr sz="1400"/>
+            </a:lvl3pPr>
+            <a:lvl4pPr>
+              <a:defRPr sz="1200"/>
+            </a:lvl4pPr>
+            <a:lvl5pPr>
+              <a:defRPr sz="1200"/>
+            </a:lvl5pPr>
+          </a:lstStyle>
           <a:p>
             <a:pPr lvl="0"/>
             <a:r>
@@ -1595,13 +4331,13 @@
               <a:rPr lang="hu-HU" smtClean="0"/>
               <a:t>Ötödik szint</a:t>
             </a:r>
-            <a:endParaRPr lang="hu-HU"/>
-          </a:p>
-        </p:txBody>
-      </p:sp>
-      <p:sp>
-        <p:nvSpPr>
-          <p:cNvPr id="7" name="Dátum helye 6"/>
+            <a:endParaRPr lang="en-US" dirty="0"/>
+          </a:p>
+        </p:txBody>
+      </p:sp>
+      <p:sp>
+        <p:nvSpPr>
+          <p:cNvPr id="7" name="Date Placeholder 6"/>
           <p:cNvSpPr>
             <a:spLocks noGrp="1"/>
           </p:cNvSpPr>
@@ -1616,7 +4352,7 @@
           <a:p>
             <a:fld id="{CE904122-5843-4DE5-B716-8C27E94EF1F8}" type="datetimeFigureOut">
               <a:rPr lang="hu-HU" smtClean="0"/>
-              <a:t>2022.09.13.</a:t>
+              <a:t>2022.09.15.</a:t>
             </a:fld>
             <a:endParaRPr lang="hu-HU"/>
           </a:p>
@@ -1624,7 +4360,7 @@
       </p:sp>
       <p:sp>
         <p:nvSpPr>
-          <p:cNvPr id="8" name="Élőláb helye 7"/>
+          <p:cNvPr id="8" name="Footer Placeholder 7"/>
           <p:cNvSpPr>
             <a:spLocks noGrp="1"/>
           </p:cNvSpPr>
@@ -1643,7 +4379,7 @@
       </p:sp>
       <p:sp>
         <p:nvSpPr>
-          <p:cNvPr id="9" name="Dia számának helye 8"/>
+          <p:cNvPr id="9" name="Slide Number Placeholder 8"/>
           <p:cNvSpPr>
             <a:spLocks noGrp="1"/>
           </p:cNvSpPr>
@@ -1667,7 +4403,7 @@
     </p:spTree>
     <p:extLst>
       <p:ext uri="{BB962C8B-B14F-4D97-AF65-F5344CB8AC3E}">
-        <p14:creationId xmlns:p14="http://schemas.microsoft.com/office/powerpoint/2010/main" val="2773118528"/>
+        <p14:creationId xmlns:p14="http://schemas.microsoft.com/office/powerpoint/2010/main" val="2992845719"/>
       </p:ext>
     </p:extLst>
   </p:cSld>
@@ -1696,7 +4432,7 @@
       </p:grpSpPr>
       <p:sp>
         <p:nvSpPr>
-          <p:cNvPr id="2" name="Cím 1"/>
+          <p:cNvPr id="2" name="Title 1"/>
           <p:cNvSpPr>
             <a:spLocks noGrp="1"/>
           </p:cNvSpPr>
@@ -1713,13 +4449,13 @@
               <a:rPr lang="hu-HU" smtClean="0"/>
               <a:t>Mintacím szerkesztése</a:t>
             </a:r>
-            <a:endParaRPr lang="hu-HU"/>
-          </a:p>
-        </p:txBody>
-      </p:sp>
-      <p:sp>
-        <p:nvSpPr>
-          <p:cNvPr id="3" name="Dátum helye 2"/>
+            <a:endParaRPr lang="en-US" dirty="0"/>
+          </a:p>
+        </p:txBody>
+      </p:sp>
+      <p:sp>
+        <p:nvSpPr>
+          <p:cNvPr id="3" name="Date Placeholder 2"/>
           <p:cNvSpPr>
             <a:spLocks noGrp="1"/>
           </p:cNvSpPr>
@@ -1734,7 +4470,7 @@
           <a:p>
             <a:fld id="{CE904122-5843-4DE5-B716-8C27E94EF1F8}" type="datetimeFigureOut">
               <a:rPr lang="hu-HU" smtClean="0"/>
-              <a:t>2022.09.13.</a:t>
+              <a:t>2022.09.15.</a:t>
             </a:fld>
             <a:endParaRPr lang="hu-HU"/>
           </a:p>
@@ -1742,7 +4478,7 @@
       </p:sp>
       <p:sp>
         <p:nvSpPr>
-          <p:cNvPr id="4" name="Élőláb helye 3"/>
+          <p:cNvPr id="4" name="Footer Placeholder 3"/>
           <p:cNvSpPr>
             <a:spLocks noGrp="1"/>
           </p:cNvSpPr>
@@ -1761,7 +4497,7 @@
       </p:sp>
       <p:sp>
         <p:nvSpPr>
-          <p:cNvPr id="5" name="Dia számának helye 4"/>
+          <p:cNvPr id="5" name="Slide Number Placeholder 4"/>
           <p:cNvSpPr>
             <a:spLocks noGrp="1"/>
           </p:cNvSpPr>
@@ -1785,7 +4521,7 @@
     </p:spTree>
     <p:extLst>
       <p:ext uri="{BB962C8B-B14F-4D97-AF65-F5344CB8AC3E}">
-        <p14:creationId xmlns:p14="http://schemas.microsoft.com/office/powerpoint/2010/main" val="1106296225"/>
+        <p14:creationId xmlns:p14="http://schemas.microsoft.com/office/powerpoint/2010/main" val="895015733"/>
       </p:ext>
     </p:extLst>
   </p:cSld>
@@ -1814,7 +4550,7 @@
       </p:grpSpPr>
       <p:sp>
         <p:nvSpPr>
-          <p:cNvPr id="2" name="Dátum helye 1"/>
+          <p:cNvPr id="2" name="Date Placeholder 1"/>
           <p:cNvSpPr>
             <a:spLocks noGrp="1"/>
           </p:cNvSpPr>
@@ -1829,7 +4565,7 @@
           <a:p>
             <a:fld id="{CE904122-5843-4DE5-B716-8C27E94EF1F8}" type="datetimeFigureOut">
               <a:rPr lang="hu-HU" smtClean="0"/>
-              <a:t>2022.09.13.</a:t>
+              <a:t>2022.09.15.</a:t>
             </a:fld>
             <a:endParaRPr lang="hu-HU"/>
           </a:p>
@@ -1837,7 +4573,7 @@
       </p:sp>
       <p:sp>
         <p:nvSpPr>
-          <p:cNvPr id="3" name="Élőláb helye 2"/>
+          <p:cNvPr id="3" name="Footer Placeholder 2"/>
           <p:cNvSpPr>
             <a:spLocks noGrp="1"/>
           </p:cNvSpPr>
@@ -1856,7 +4592,7 @@
       </p:sp>
       <p:sp>
         <p:nvSpPr>
-          <p:cNvPr id="4" name="Dia számának helye 3"/>
+          <p:cNvPr id="4" name="Slide Number Placeholder 3"/>
           <p:cNvSpPr>
             <a:spLocks noGrp="1"/>
           </p:cNvSpPr>
@@ -1880,7 +4616,7 @@
     </p:spTree>
     <p:extLst>
       <p:ext uri="{BB962C8B-B14F-4D97-AF65-F5344CB8AC3E}">
-        <p14:creationId xmlns:p14="http://schemas.microsoft.com/office/powerpoint/2010/main" val="3216454761"/>
+        <p14:creationId xmlns:p14="http://schemas.microsoft.com/office/powerpoint/2010/main" val="4157798634"/>
       </p:ext>
     </p:extLst>
   </p:cSld>
@@ -1909,7 +4645,7 @@
       </p:grpSpPr>
       <p:sp>
         <p:nvSpPr>
-          <p:cNvPr id="2" name="Cím 1"/>
+          <p:cNvPr id="2" name="Title 1"/>
           <p:cNvSpPr>
             <a:spLocks noGrp="1"/>
           </p:cNvSpPr>
@@ -1919,15 +4655,17 @@
         </p:nvSpPr>
         <p:spPr>
           <a:xfrm>
-            <a:off x="839788" y="457200"/>
-            <a:ext cx="3932237" cy="1600200"/>
+            <a:off x="913795" y="609600"/>
+            <a:ext cx="3706889" cy="1821918"/>
           </a:xfrm>
         </p:spPr>
         <p:txBody>
-          <a:bodyPr anchor="b"/>
+          <a:bodyPr anchor="b">
+            <a:normAutofit/>
+          </a:bodyPr>
           <a:lstStyle>
-            <a:lvl1pPr>
-              <a:defRPr sz="3200"/>
+            <a:lvl1pPr algn="ctr">
+              <a:defRPr sz="2400" b="0"/>
             </a:lvl1pPr>
           </a:lstStyle>
           <a:p>
@@ -1935,13 +4673,13 @@
               <a:rPr lang="hu-HU" smtClean="0"/>
               <a:t>Mintacím szerkesztése</a:t>
             </a:r>
-            <a:endParaRPr lang="hu-HU"/>
-          </a:p>
-        </p:txBody>
-      </p:sp>
-      <p:sp>
-        <p:nvSpPr>
-          <p:cNvPr id="3" name="Tartalom helye 2"/>
+            <a:endParaRPr lang="en-US" dirty="0"/>
+          </a:p>
+        </p:txBody>
+      </p:sp>
+      <p:sp>
+        <p:nvSpPr>
+          <p:cNvPr id="3" name="Content Placeholder 2"/>
           <p:cNvSpPr>
             <a:spLocks noGrp="1"/>
           </p:cNvSpPr>
@@ -1951,41 +4689,15 @@
         </p:nvSpPr>
         <p:spPr>
           <a:xfrm>
-            <a:off x="5183188" y="987425"/>
-            <a:ext cx="6172200" cy="4873625"/>
+            <a:off x="4855633" y="609600"/>
+            <a:ext cx="6411924" cy="5181600"/>
           </a:xfrm>
         </p:spPr>
         <p:txBody>
-          <a:bodyPr/>
-          <a:lstStyle>
-            <a:lvl1pPr>
-              <a:defRPr sz="3200"/>
-            </a:lvl1pPr>
-            <a:lvl2pPr>
-              <a:defRPr sz="2800"/>
-            </a:lvl2pPr>
-            <a:lvl3pPr>
-              <a:defRPr sz="2400"/>
-            </a:lvl3pPr>
-            <a:lvl4pPr>
-              <a:defRPr sz="2000"/>
-            </a:lvl4pPr>
-            <a:lvl5pPr>
-              <a:defRPr sz="2000"/>
-            </a:lvl5pPr>
-            <a:lvl6pPr>
-              <a:defRPr sz="2000"/>
-            </a:lvl6pPr>
-            <a:lvl7pPr>
-              <a:defRPr sz="2000"/>
-            </a:lvl7pPr>
-            <a:lvl8pPr>
-              <a:defRPr sz="2000"/>
-            </a:lvl8pPr>
-            <a:lvl9pPr>
-              <a:defRPr sz="2000"/>
-            </a:lvl9pPr>
-          </a:lstStyle>
+          <a:bodyPr>
+            <a:normAutofit/>
+          </a:bodyPr>
+          <a:lstStyle/>
           <a:p>
             <a:pPr lvl="0"/>
             <a:r>
@@ -2020,13 +4732,13 @@
               <a:rPr lang="hu-HU" smtClean="0"/>
               <a:t>Ötödik szint</a:t>
             </a:r>
-            <a:endParaRPr lang="hu-HU"/>
-          </a:p>
-        </p:txBody>
-      </p:sp>
-      <p:sp>
-        <p:nvSpPr>
-          <p:cNvPr id="4" name="Szöveg helye 3"/>
+            <a:endParaRPr lang="en-US" dirty="0"/>
+          </a:p>
+        </p:txBody>
+      </p:sp>
+      <p:sp>
+        <p:nvSpPr>
+          <p:cNvPr id="4" name="Text Placeholder 3"/>
           <p:cNvSpPr>
             <a:spLocks noGrp="1"/>
           </p:cNvSpPr>
@@ -2036,48 +4748,50 @@
         </p:nvSpPr>
         <p:spPr>
           <a:xfrm>
-            <a:off x="839788" y="2057400"/>
-            <a:ext cx="3932237" cy="3811588"/>
+            <a:off x="913795" y="2431518"/>
+            <a:ext cx="3706889" cy="3359681"/>
           </a:xfrm>
         </p:spPr>
         <p:txBody>
-          <a:bodyPr/>
+          <a:bodyPr anchor="t">
+            <a:normAutofit/>
+          </a:bodyPr>
           <a:lstStyle>
-            <a:lvl1pPr marL="0" indent="0">
+            <a:lvl1pPr marL="0" indent="0" algn="ctr">
               <a:buNone/>
               <a:defRPr sz="1600"/>
             </a:lvl1pPr>
             <a:lvl2pPr marL="457200" indent="0">
               <a:buNone/>
-              <a:defRPr sz="1400"/>
+              <a:defRPr sz="1200"/>
             </a:lvl2pPr>
             <a:lvl3pPr marL="914400" indent="0">
               <a:buNone/>
-              <a:defRPr sz="1200"/>
+              <a:defRPr sz="1000"/>
             </a:lvl3pPr>
             <a:lvl4pPr marL="1371600" indent="0">
               <a:buNone/>
-              <a:defRPr sz="1000"/>
+              <a:defRPr sz="900"/>
             </a:lvl4pPr>
             <a:lvl5pPr marL="1828800" indent="0">
               <a:buNone/>
-              <a:defRPr sz="1000"/>
+              <a:defRPr sz="900"/>
             </a:lvl5pPr>
             <a:lvl6pPr marL="2286000" indent="0">
               <a:buNone/>
-              <a:defRPr sz="1000"/>
+              <a:defRPr sz="900"/>
             </a:lvl6pPr>
             <a:lvl7pPr marL="2743200" indent="0">
               <a:buNone/>
-              <a:defRPr sz="1000"/>
+              <a:defRPr sz="900"/>
             </a:lvl7pPr>
             <a:lvl8pPr marL="3200400" indent="0">
               <a:buNone/>
-              <a:defRPr sz="1000"/>
+              <a:defRPr sz="900"/>
             </a:lvl8pPr>
             <a:lvl9pPr marL="3657600" indent="0">
               <a:buNone/>
-              <a:defRPr sz="1000"/>
+              <a:defRPr sz="900"/>
             </a:lvl9pPr>
           </a:lstStyle>
           <a:p>
@@ -2091,7 +4805,7 @@
       </p:sp>
       <p:sp>
         <p:nvSpPr>
-          <p:cNvPr id="5" name="Dátum helye 4"/>
+          <p:cNvPr id="5" name="Date Placeholder 4"/>
           <p:cNvSpPr>
             <a:spLocks noGrp="1"/>
           </p:cNvSpPr>
@@ -2106,7 +4820,7 @@
           <a:p>
             <a:fld id="{CE904122-5843-4DE5-B716-8C27E94EF1F8}" type="datetimeFigureOut">
               <a:rPr lang="hu-HU" smtClean="0"/>
-              <a:t>2022.09.13.</a:t>
+              <a:t>2022.09.15.</a:t>
             </a:fld>
             <a:endParaRPr lang="hu-HU"/>
           </a:p>
@@ -2114,7 +4828,7 @@
       </p:sp>
       <p:sp>
         <p:nvSpPr>
-          <p:cNvPr id="6" name="Élőláb helye 5"/>
+          <p:cNvPr id="6" name="Footer Placeholder 5"/>
           <p:cNvSpPr>
             <a:spLocks noGrp="1"/>
           </p:cNvSpPr>
@@ -2133,7 +4847,7 @@
       </p:sp>
       <p:sp>
         <p:nvSpPr>
-          <p:cNvPr id="7" name="Dia számának helye 6"/>
+          <p:cNvPr id="7" name="Slide Number Placeholder 6"/>
           <p:cNvSpPr>
             <a:spLocks noGrp="1"/>
           </p:cNvSpPr>
@@ -2157,7 +4871,7 @@
     </p:spTree>
     <p:extLst>
       <p:ext uri="{BB962C8B-B14F-4D97-AF65-F5344CB8AC3E}">
-        <p14:creationId xmlns:p14="http://schemas.microsoft.com/office/powerpoint/2010/main" val="2793177877"/>
+        <p14:creationId xmlns:p14="http://schemas.microsoft.com/office/powerpoint/2010/main" val="3821897923"/>
       </p:ext>
     </p:extLst>
   </p:cSld>
@@ -2184,27 +4898,59 @@
           <a:chExt cx="0" cy="0"/>
         </a:xfrm>
       </p:grpSpPr>
-      <p:sp>
-        <p:nvSpPr>
-          <p:cNvPr id="2" name="Cím 1"/>
-          <p:cNvSpPr>
-            <a:spLocks noGrp="1"/>
-          </p:cNvSpPr>
-          <p:nvPr>
-            <p:ph type="title"/>
-          </p:nvPr>
-        </p:nvSpPr>
+      <p:pic>
+        <p:nvPicPr>
+          <p:cNvPr id="22" name="Picture 21" descr="Slate-V2-HD-vertPhotoInset.png"/>
+          <p:cNvPicPr>
+            <a:picLocks noChangeAspect="1"/>
+          </p:cNvPicPr>
+          <p:nvPr/>
+        </p:nvPicPr>
+        <p:blipFill>
+          <a:blip r:embed="rId2">
+            <a:extLst>
+              <a:ext uri="{28A0092B-C50C-407E-A947-70E740481C1C}">
+                <a14:useLocalDpi xmlns:a14="http://schemas.microsoft.com/office/drawing/2010/main" val="0"/>
+              </a:ext>
+            </a:extLst>
+          </a:blip>
+          <a:stretch>
+            <a:fillRect/>
+          </a:stretch>
+        </p:blipFill>
         <p:spPr>
           <a:xfrm>
-            <a:off x="839788" y="457200"/>
-            <a:ext cx="3932237" cy="1600200"/>
+            <a:off x="7293665" y="609600"/>
+            <a:ext cx="3584166" cy="5204832"/>
+          </a:xfrm>
+          <a:prstGeom prst="rect">
+            <a:avLst/>
+          </a:prstGeom>
+        </p:spPr>
+      </p:pic>
+      <p:sp>
+        <p:nvSpPr>
+          <p:cNvPr id="2" name="Title 1"/>
+          <p:cNvSpPr>
+            <a:spLocks noGrp="1"/>
+          </p:cNvSpPr>
+          <p:nvPr>
+            <p:ph type="title"/>
+          </p:nvPr>
+        </p:nvSpPr>
+        <p:spPr>
+          <a:xfrm>
+            <a:off x="913795" y="609923"/>
+            <a:ext cx="5934949" cy="1829338"/>
           </a:xfrm>
         </p:spPr>
         <p:txBody>
-          <a:bodyPr anchor="b"/>
+          <a:bodyPr anchor="b">
+            <a:noAutofit/>
+          </a:bodyPr>
           <a:lstStyle>
-            <a:lvl1pPr>
-              <a:defRPr sz="3200"/>
+            <a:lvl1pPr algn="ctr">
+              <a:defRPr sz="3200" b="0"/>
             </a:lvl1pPr>
           </a:lstStyle>
           <a:p>
@@ -2212,15 +4958,15 @@
               <a:rPr lang="hu-HU" smtClean="0"/>
               <a:t>Mintacím szerkesztése</a:t>
             </a:r>
-            <a:endParaRPr lang="hu-HU"/>
-          </a:p>
-        </p:txBody>
-      </p:sp>
-      <p:sp>
-        <p:nvSpPr>
-          <p:cNvPr id="3" name="Kép helye 2"/>
-          <p:cNvSpPr>
-            <a:spLocks noGrp="1"/>
+            <a:endParaRPr lang="en-US" dirty="0"/>
+          </a:p>
+        </p:txBody>
+      </p:sp>
+      <p:sp>
+        <p:nvSpPr>
+          <p:cNvPr id="3" name="Picture Placeholder 2"/>
+          <p:cNvSpPr>
+            <a:spLocks noGrp="1" noChangeAspect="1"/>
           </p:cNvSpPr>
           <p:nvPr>
             <p:ph type="pic" idx="1"/>
@@ -2228,112 +4974,127 @@
         </p:nvSpPr>
         <p:spPr>
           <a:xfrm>
-            <a:off x="5183188" y="987425"/>
-            <a:ext cx="6172200" cy="4873625"/>
+            <a:off x="7442551" y="763702"/>
+            <a:ext cx="3275751" cy="4912822"/>
           </a:xfrm>
+          <a:effectLst>
+            <a:outerShdw blurRad="38100" dist="25400" dir="4440000">
+              <a:srgbClr val="000000">
+                <a:alpha val="36000"/>
+              </a:srgbClr>
+            </a:outerShdw>
+          </a:effectLst>
         </p:spPr>
         <p:txBody>
-          <a:bodyPr/>
+          <a:bodyPr anchor="t">
+            <a:normAutofit/>
+          </a:bodyPr>
           <a:lstStyle>
-            <a:lvl1pPr marL="0" indent="0">
-              <a:buNone/>
-              <a:defRPr sz="3200"/>
-            </a:lvl1pPr>
-            <a:lvl2pPr marL="457200" indent="0">
-              <a:buNone/>
-              <a:defRPr sz="2800"/>
-            </a:lvl2pPr>
-            <a:lvl3pPr marL="914400" indent="0">
-              <a:buNone/>
-              <a:defRPr sz="2400"/>
-            </a:lvl3pPr>
-            <a:lvl4pPr marL="1371600" indent="0">
-              <a:buNone/>
-              <a:defRPr sz="2000"/>
-            </a:lvl4pPr>
-            <a:lvl5pPr marL="1828800" indent="0">
-              <a:buNone/>
-              <a:defRPr sz="2000"/>
-            </a:lvl5pPr>
-            <a:lvl6pPr marL="2286000" indent="0">
-              <a:buNone/>
-              <a:defRPr sz="2000"/>
-            </a:lvl6pPr>
-            <a:lvl7pPr marL="2743200" indent="0">
-              <a:buNone/>
-              <a:defRPr sz="2000"/>
-            </a:lvl7pPr>
-            <a:lvl8pPr marL="3200400" indent="0">
-              <a:buNone/>
-              <a:defRPr sz="2000"/>
-            </a:lvl8pPr>
-            <a:lvl9pPr marL="3657600" indent="0">
-              <a:buNone/>
-              <a:defRPr sz="2000"/>
-            </a:lvl9pPr>
-          </a:lstStyle>
-          <a:p>
-            <a:endParaRPr lang="hu-HU"/>
-          </a:p>
-        </p:txBody>
-      </p:sp>
-      <p:sp>
-        <p:nvSpPr>
-          <p:cNvPr id="4" name="Szöveg helye 3"/>
-          <p:cNvSpPr>
-            <a:spLocks noGrp="1"/>
-          </p:cNvSpPr>
-          <p:nvPr>
-            <p:ph type="body" sz="half" idx="2"/>
-          </p:nvPr>
-        </p:nvSpPr>
-        <p:spPr>
-          <a:xfrm>
-            <a:off x="839788" y="2057400"/>
-            <a:ext cx="3932237" cy="3811588"/>
-          </a:xfrm>
-        </p:spPr>
-        <p:txBody>
-          <a:bodyPr/>
-          <a:lstStyle>
-            <a:lvl1pPr marL="0" indent="0">
+            <a:lvl1pPr marL="0" indent="0" algn="ctr">
               <a:buNone/>
               <a:defRPr sz="1600"/>
             </a:lvl1pPr>
             <a:lvl2pPr marL="457200" indent="0">
               <a:buNone/>
-              <a:defRPr sz="1400"/>
+              <a:defRPr sz="1600"/>
             </a:lvl2pPr>
             <a:lvl3pPr marL="914400" indent="0">
               <a:buNone/>
-              <a:defRPr sz="1200"/>
+              <a:defRPr sz="1600"/>
             </a:lvl3pPr>
             <a:lvl4pPr marL="1371600" indent="0">
               <a:buNone/>
-              <a:defRPr sz="1000"/>
+              <a:defRPr sz="1600"/>
             </a:lvl4pPr>
             <a:lvl5pPr marL="1828800" indent="0">
               <a:buNone/>
-              <a:defRPr sz="1000"/>
+              <a:defRPr sz="1600"/>
             </a:lvl5pPr>
             <a:lvl6pPr marL="2286000" indent="0">
               <a:buNone/>
-              <a:defRPr sz="1000"/>
+              <a:defRPr sz="1600"/>
             </a:lvl6pPr>
             <a:lvl7pPr marL="2743200" indent="0">
               <a:buNone/>
-              <a:defRPr sz="1000"/>
+              <a:defRPr sz="1600"/>
             </a:lvl7pPr>
             <a:lvl8pPr marL="3200400" indent="0">
               <a:buNone/>
-              <a:defRPr sz="1000"/>
+              <a:defRPr sz="1600"/>
             </a:lvl8pPr>
             <a:lvl9pPr marL="3657600" indent="0">
               <a:buNone/>
-              <a:defRPr sz="1000"/>
+              <a:defRPr sz="1600"/>
             </a:lvl9pPr>
           </a:lstStyle>
           <a:p>
+            <a:r>
+              <a:rPr lang="hu-HU" smtClean="0"/>
+              <a:t>Kép beszúrásához kattintson az ikonra</a:t>
+            </a:r>
+            <a:endParaRPr lang="en-US" dirty="0"/>
+          </a:p>
+        </p:txBody>
+      </p:sp>
+      <p:sp>
+        <p:nvSpPr>
+          <p:cNvPr id="4" name="Text Placeholder 3"/>
+          <p:cNvSpPr>
+            <a:spLocks noGrp="1"/>
+          </p:cNvSpPr>
+          <p:nvPr>
+            <p:ph type="body" sz="half" idx="2"/>
+          </p:nvPr>
+        </p:nvSpPr>
+        <p:spPr>
+          <a:xfrm>
+            <a:off x="913795" y="2439261"/>
+            <a:ext cx="5934949" cy="3376134"/>
+          </a:xfrm>
+        </p:spPr>
+        <p:txBody>
+          <a:bodyPr anchor="t">
+            <a:normAutofit/>
+          </a:bodyPr>
+          <a:lstStyle>
+            <a:lvl1pPr marL="0" indent="0" algn="ctr">
+              <a:buNone/>
+              <a:defRPr sz="1600"/>
+            </a:lvl1pPr>
+            <a:lvl2pPr marL="457200" indent="0">
+              <a:buNone/>
+              <a:defRPr sz="1200"/>
+            </a:lvl2pPr>
+            <a:lvl3pPr marL="914400" indent="0">
+              <a:buNone/>
+              <a:defRPr sz="1000"/>
+            </a:lvl3pPr>
+            <a:lvl4pPr marL="1371600" indent="0">
+              <a:buNone/>
+              <a:defRPr sz="900"/>
+            </a:lvl4pPr>
+            <a:lvl5pPr marL="1828800" indent="0">
+              <a:buNone/>
+              <a:defRPr sz="900"/>
+            </a:lvl5pPr>
+            <a:lvl6pPr marL="2286000" indent="0">
+              <a:buNone/>
+              <a:defRPr sz="900"/>
+            </a:lvl6pPr>
+            <a:lvl7pPr marL="2743200" indent="0">
+              <a:buNone/>
+              <a:defRPr sz="900"/>
+            </a:lvl7pPr>
+            <a:lvl8pPr marL="3200400" indent="0">
+              <a:buNone/>
+              <a:defRPr sz="900"/>
+            </a:lvl8pPr>
+            <a:lvl9pPr marL="3657600" indent="0">
+              <a:buNone/>
+              <a:defRPr sz="900"/>
+            </a:lvl9pPr>
+          </a:lstStyle>
+          <a:p>
             <a:pPr lvl="0"/>
             <a:r>
               <a:rPr lang="hu-HU" smtClean="0"/>
@@ -2344,7 +5105,7 @@
       </p:sp>
       <p:sp>
         <p:nvSpPr>
-          <p:cNvPr id="5" name="Dátum helye 4"/>
+          <p:cNvPr id="5" name="Date Placeholder 4"/>
           <p:cNvSpPr>
             <a:spLocks noGrp="1"/>
           </p:cNvSpPr>
@@ -2359,7 +5120,7 @@
           <a:p>
             <a:fld id="{CE904122-5843-4DE5-B716-8C27E94EF1F8}" type="datetimeFigureOut">
               <a:rPr lang="hu-HU" smtClean="0"/>
-              <a:t>2022.09.13.</a:t>
+              <a:t>2022.09.15.</a:t>
             </a:fld>
             <a:endParaRPr lang="hu-HU"/>
           </a:p>
@@ -2367,7 +5128,7 @@
       </p:sp>
       <p:sp>
         <p:nvSpPr>
-          <p:cNvPr id="6" name="Élőláb helye 5"/>
+          <p:cNvPr id="6" name="Footer Placeholder 5"/>
           <p:cNvSpPr>
             <a:spLocks noGrp="1"/>
           </p:cNvSpPr>
@@ -2386,7 +5147,7 @@
       </p:sp>
       <p:sp>
         <p:nvSpPr>
-          <p:cNvPr id="7" name="Dia számának helye 6"/>
+          <p:cNvPr id="7" name="Slide Number Placeholder 6"/>
           <p:cNvSpPr>
             <a:spLocks noGrp="1"/>
           </p:cNvSpPr>
@@ -2410,7 +5171,7 @@
     </p:spTree>
     <p:extLst>
       <p:ext uri="{BB962C8B-B14F-4D97-AF65-F5344CB8AC3E}">
-        <p14:creationId xmlns:p14="http://schemas.microsoft.com/office/powerpoint/2010/main" val="4037840931"/>
+        <p14:creationId xmlns:p14="http://schemas.microsoft.com/office/powerpoint/2010/main" val="2849391663"/>
       </p:ext>
     </p:extLst>
   </p:cSld>
@@ -2424,8 +5185,8 @@
 <p:sldMaster xmlns:a="http://schemas.openxmlformats.org/drawingml/2006/main" xmlns:r="http://schemas.openxmlformats.org/officeDocument/2006/relationships" xmlns:p="http://schemas.openxmlformats.org/presentationml/2006/main">
   <p:cSld>
     <p:bg>
-      <p:bgRef idx="1001">
-        <a:schemeClr val="bg1"/>
+      <p:bgRef idx="1003">
+        <a:schemeClr val="bg2"/>
       </p:bgRef>
     </p:bg>
     <p:spTree>
@@ -2444,7 +5205,7 @@
       </p:grpSpPr>
       <p:sp>
         <p:nvSpPr>
-          <p:cNvPr id="2" name="Cím helye 1"/>
+          <p:cNvPr id="2" name="Title Placeholder 1"/>
           <p:cNvSpPr>
             <a:spLocks noGrp="1"/>
           </p:cNvSpPr>
@@ -2454,12 +5215,19 @@
         </p:nvSpPr>
         <p:spPr>
           <a:xfrm>
-            <a:off x="838200" y="365125"/>
-            <a:ext cx="10515600" cy="1325563"/>
+            <a:off x="913795" y="609600"/>
+            <a:ext cx="10353762" cy="970450"/>
           </a:xfrm>
           <a:prstGeom prst="rect">
             <a:avLst/>
           </a:prstGeom>
+          <a:effectLst>
+            <a:outerShdw blurRad="25400" dir="17880000">
+              <a:srgbClr val="000000">
+                <a:alpha val="46000"/>
+              </a:srgbClr>
+            </a:outerShdw>
+          </a:effectLst>
         </p:spPr>
         <p:txBody>
           <a:bodyPr vert="horz" lIns="91440" tIns="45720" rIns="91440" bIns="45720" rtlCol="0" anchor="ctr">
@@ -2471,13 +5239,13 @@
               <a:rPr lang="hu-HU" smtClean="0"/>
               <a:t>Mintacím szerkesztése</a:t>
             </a:r>
-            <a:endParaRPr lang="hu-HU"/>
-          </a:p>
-        </p:txBody>
-      </p:sp>
-      <p:sp>
-        <p:nvSpPr>
-          <p:cNvPr id="3" name="Szöveg helye 2"/>
+            <a:endParaRPr lang="en-US" dirty="0"/>
+          </a:p>
+        </p:txBody>
+      </p:sp>
+      <p:sp>
+        <p:nvSpPr>
+          <p:cNvPr id="3" name="Text Placeholder 2"/>
           <p:cNvSpPr>
             <a:spLocks noGrp="1"/>
           </p:cNvSpPr>
@@ -2487,15 +5255,22 @@
         </p:nvSpPr>
         <p:spPr>
           <a:xfrm>
-            <a:off x="838200" y="1825625"/>
-            <a:ext cx="10515600" cy="4351338"/>
+            <a:off x="913795" y="1732449"/>
+            <a:ext cx="10353762" cy="4058751"/>
           </a:xfrm>
           <a:prstGeom prst="rect">
             <a:avLst/>
           </a:prstGeom>
+          <a:effectLst>
+            <a:outerShdw blurRad="25400" dir="17880000">
+              <a:srgbClr val="000000">
+                <a:alpha val="46000"/>
+              </a:srgbClr>
+            </a:outerShdw>
+          </a:effectLst>
         </p:spPr>
         <p:txBody>
-          <a:bodyPr vert="horz" lIns="91440" tIns="45720" rIns="91440" bIns="45720" rtlCol="0">
+          <a:bodyPr vert="horz" lIns="91440" tIns="45720" rIns="91440" bIns="45720" rtlCol="0" anchor="t">
             <a:normAutofit/>
           </a:bodyPr>
           <a:lstStyle/>
@@ -2533,13 +5308,13 @@
               <a:rPr lang="hu-HU" smtClean="0"/>
               <a:t>Ötödik szint</a:t>
             </a:r>
-            <a:endParaRPr lang="hu-HU"/>
-          </a:p>
-        </p:txBody>
-      </p:sp>
-      <p:sp>
-        <p:nvSpPr>
-          <p:cNvPr id="4" name="Dátum helye 3"/>
+            <a:endParaRPr lang="en-US" dirty="0"/>
+          </a:p>
+        </p:txBody>
+      </p:sp>
+      <p:sp>
+        <p:nvSpPr>
+          <p:cNvPr id="4" name="Date Placeholder 3"/>
           <p:cNvSpPr>
             <a:spLocks noGrp="1"/>
           </p:cNvSpPr>
@@ -2549,7 +5324,7 @@
         </p:nvSpPr>
         <p:spPr>
           <a:xfrm>
-            <a:off x="838200" y="6356350"/>
+            <a:off x="7678736" y="5883275"/>
             <a:ext cx="2743200" cy="365125"/>
           </a:xfrm>
           <a:prstGeom prst="rect">
@@ -2559,20 +5334,27 @@
         <p:txBody>
           <a:bodyPr vert="horz" lIns="91440" tIns="45720" rIns="91440" bIns="45720" rtlCol="0" anchor="ctr"/>
           <a:lstStyle>
-            <a:lvl1pPr algn="l">
-              <a:defRPr sz="1200">
+            <a:lvl1pPr algn="r">
+              <a:defRPr sz="1000">
                 <a:solidFill>
                   <a:schemeClr val="tx1">
-                    <a:tint val="75000"/>
+                    <a:lumMod val="95000"/>
                   </a:schemeClr>
                 </a:solidFill>
+                <a:effectLst>
+                  <a:outerShdw blurRad="50800" dist="38100" dir="2700000" algn="tl" rotWithShape="0">
+                    <a:schemeClr val="bg1">
+                      <a:alpha val="43000"/>
+                    </a:schemeClr>
+                  </a:outerShdw>
+                </a:effectLst>
               </a:defRPr>
             </a:lvl1pPr>
           </a:lstStyle>
           <a:p>
             <a:fld id="{CE904122-5843-4DE5-B716-8C27E94EF1F8}" type="datetimeFigureOut">
               <a:rPr lang="hu-HU" smtClean="0"/>
-              <a:t>2022.09.13.</a:t>
+              <a:t>2022.09.15.</a:t>
             </a:fld>
             <a:endParaRPr lang="hu-HU"/>
           </a:p>
@@ -2580,7 +5362,7 @@
       </p:sp>
       <p:sp>
         <p:nvSpPr>
-          <p:cNvPr id="5" name="Élőláb helye 4"/>
+          <p:cNvPr id="5" name="Footer Placeholder 4"/>
           <p:cNvSpPr>
             <a:spLocks noGrp="1"/>
           </p:cNvSpPr>
@@ -2590,8 +5372,8 @@
         </p:nvSpPr>
         <p:spPr>
           <a:xfrm>
-            <a:off x="4038600" y="6356350"/>
-            <a:ext cx="4114800" cy="365125"/>
+            <a:off x="913795" y="5883275"/>
+            <a:ext cx="6672865" cy="365125"/>
           </a:xfrm>
           <a:prstGeom prst="rect">
             <a:avLst/>
@@ -2600,13 +5382,20 @@
         <p:txBody>
           <a:bodyPr vert="horz" lIns="91440" tIns="45720" rIns="91440" bIns="45720" rtlCol="0" anchor="ctr"/>
           <a:lstStyle>
-            <a:lvl1pPr algn="ctr">
-              <a:defRPr sz="1200">
+            <a:lvl1pPr algn="l">
+              <a:defRPr sz="1000">
                 <a:solidFill>
                   <a:schemeClr val="tx1">
-                    <a:tint val="75000"/>
+                    <a:lumMod val="95000"/>
                   </a:schemeClr>
                 </a:solidFill>
+                <a:effectLst>
+                  <a:outerShdw blurRad="50800" dist="38100" dir="2700000" algn="tl" rotWithShape="0">
+                    <a:schemeClr val="bg1">
+                      <a:alpha val="43000"/>
+                    </a:schemeClr>
+                  </a:outerShdw>
+                </a:effectLst>
               </a:defRPr>
             </a:lvl1pPr>
           </a:lstStyle>
@@ -2617,7 +5406,7 @@
       </p:sp>
       <p:sp>
         <p:nvSpPr>
-          <p:cNvPr id="6" name="Dia számának helye 5"/>
+          <p:cNvPr id="6" name="Slide Number Placeholder 5"/>
           <p:cNvSpPr>
             <a:spLocks noGrp="1"/>
           </p:cNvSpPr>
@@ -2627,8 +5416,8 @@
         </p:nvSpPr>
         <p:spPr>
           <a:xfrm>
-            <a:off x="8610600" y="6356350"/>
-            <a:ext cx="2743200" cy="365125"/>
+            <a:off x="10514011" y="5883275"/>
+            <a:ext cx="753545" cy="365125"/>
           </a:xfrm>
           <a:prstGeom prst="rect">
             <a:avLst/>
@@ -2638,12 +5427,19 @@
           <a:bodyPr vert="horz" lIns="91440" tIns="45720" rIns="91440" bIns="45720" rtlCol="0" anchor="ctr"/>
           <a:lstStyle>
             <a:lvl1pPr algn="r">
-              <a:defRPr sz="1200">
+              <a:defRPr sz="1000">
                 <a:solidFill>
                   <a:schemeClr val="tx1">
-                    <a:tint val="75000"/>
+                    <a:lumMod val="95000"/>
                   </a:schemeClr>
                 </a:solidFill>
+                <a:effectLst>
+                  <a:outerShdw blurRad="50800" dist="38100" dir="2700000" algn="tl" rotWithShape="0">
+                    <a:schemeClr val="bg1">
+                      <a:alpha val="43000"/>
+                    </a:schemeClr>
+                  </a:outerShdw>
+                </a:effectLst>
               </a:defRPr>
             </a:lvl1pPr>
           </a:lstStyle>
@@ -2659,55 +5455,469 @@
     </p:spTree>
     <p:extLst>
       <p:ext uri="{BB962C8B-B14F-4D97-AF65-F5344CB8AC3E}">
-        <p14:creationId xmlns:p14="http://schemas.microsoft.com/office/powerpoint/2010/main" val="4192222018"/>
+        <p14:creationId xmlns:p14="http://schemas.microsoft.com/office/powerpoint/2010/main" val="1992555052"/>
       </p:ext>
     </p:extLst>
   </p:cSld>
-  <p:clrMap bg1="lt1" tx1="dk1" bg2="lt2" tx2="dk2" accent1="accent1" accent2="accent2" accent3="accent3" accent4="accent4" accent5="accent5" accent6="accent6" hlink="hlink" folHlink="folHlink"/>
+  <p:clrMap bg1="dk1" tx1="lt1" bg2="dk2" tx2="lt2" accent1="accent1" accent2="accent2" accent3="accent3" accent4="accent4" accent5="accent5" accent6="accent6" hlink="hlink" folHlink="folHlink"/>
   <p:sldLayoutIdLst>
-    <p:sldLayoutId id="2147483649" r:id="rId1"/>
-    <p:sldLayoutId id="2147483650" r:id="rId2"/>
-    <p:sldLayoutId id="2147483651" r:id="rId3"/>
-    <p:sldLayoutId id="2147483652" r:id="rId4"/>
-    <p:sldLayoutId id="2147483653" r:id="rId5"/>
-    <p:sldLayoutId id="2147483654" r:id="rId6"/>
-    <p:sldLayoutId id="2147483655" r:id="rId7"/>
-    <p:sldLayoutId id="2147483656" r:id="rId8"/>
-    <p:sldLayoutId id="2147483657" r:id="rId9"/>
-    <p:sldLayoutId id="2147483658" r:id="rId10"/>
-    <p:sldLayoutId id="2147483659" r:id="rId11"/>
+    <p:sldLayoutId id="2147483673" r:id="rId1"/>
+    <p:sldLayoutId id="2147483674" r:id="rId2"/>
+    <p:sldLayoutId id="2147483675" r:id="rId3"/>
+    <p:sldLayoutId id="2147483676" r:id="rId4"/>
+    <p:sldLayoutId id="2147483677" r:id="rId5"/>
+    <p:sldLayoutId id="2147483678" r:id="rId6"/>
+    <p:sldLayoutId id="2147483679" r:id="rId7"/>
+    <p:sldLayoutId id="2147483680" r:id="rId8"/>
+    <p:sldLayoutId id="2147483681" r:id="rId9"/>
+    <p:sldLayoutId id="2147483682" r:id="rId10"/>
+    <p:sldLayoutId id="2147483683" r:id="rId11"/>
+    <p:sldLayoutId id="2147483684" r:id="rId12"/>
+    <p:sldLayoutId id="2147483685" r:id="rId13"/>
+    <p:sldLayoutId id="2147483686" r:id="rId14"/>
+    <p:sldLayoutId id="2147483687" r:id="rId15"/>
+    <p:sldLayoutId id="2147483688" r:id="rId16"/>
+    <p:sldLayoutId id="2147483689" r:id="rId17"/>
   </p:sldLayoutIdLst>
   <p:txStyles>
     <p:titleStyle>
-      <a:lvl1pPr algn="l" defTabSz="914400" rtl="0" eaLnBrk="1" latinLnBrk="0" hangingPunct="1">
-        <a:lnSpc>
-          <a:spcPct val="90000"/>
-        </a:lnSpc>
+      <a:lvl1pPr algn="ctr" defTabSz="457200" rtl="0" eaLnBrk="1" latinLnBrk="0" hangingPunct="1">
         <a:spcBef>
           <a:spcPct val="0"/>
         </a:spcBef>
         <a:buNone/>
-        <a:defRPr sz="4400" kern="1200">
+        <a:defRPr sz="4000" kern="1200">
+          <a:ln>
+            <a:solidFill>
+              <a:schemeClr val="bg1">
+                <a:lumMod val="75000"/>
+                <a:lumOff val="25000"/>
+                <a:alpha val="10000"/>
+              </a:schemeClr>
+            </a:solidFill>
+          </a:ln>
           <a:solidFill>
-            <a:schemeClr val="tx1"/>
+            <a:schemeClr val="tx2"/>
           </a:solidFill>
+          <a:effectLst>
+            <a:outerShdw blurRad="9525" dist="25400" dir="14640000" algn="tl" rotWithShape="0">
+              <a:schemeClr val="bg1">
+                <a:alpha val="30000"/>
+              </a:schemeClr>
+            </a:outerShdw>
+          </a:effectLst>
           <a:latin typeface="+mj-lt"/>
           <a:ea typeface="+mj-ea"/>
-          <a:cs typeface="+mj-cs"/>
+          <a:cs typeface="Trebuchet MS"/>
         </a:defRPr>
       </a:lvl1pPr>
+      <a:lvl2pPr eaLnBrk="1" hangingPunct="1">
+        <a:defRPr>
+          <a:solidFill>
+            <a:schemeClr val="tx2"/>
+          </a:solidFill>
+        </a:defRPr>
+      </a:lvl2pPr>
+      <a:lvl3pPr eaLnBrk="1" hangingPunct="1">
+        <a:defRPr>
+          <a:solidFill>
+            <a:schemeClr val="tx2"/>
+          </a:solidFill>
+        </a:defRPr>
+      </a:lvl3pPr>
+      <a:lvl4pPr eaLnBrk="1" hangingPunct="1">
+        <a:defRPr>
+          <a:solidFill>
+            <a:schemeClr val="tx2"/>
+          </a:solidFill>
+        </a:defRPr>
+      </a:lvl4pPr>
+      <a:lvl5pPr eaLnBrk="1" hangingPunct="1">
+        <a:defRPr>
+          <a:solidFill>
+            <a:schemeClr val="tx2"/>
+          </a:solidFill>
+        </a:defRPr>
+      </a:lvl5pPr>
+      <a:lvl6pPr eaLnBrk="1" hangingPunct="1">
+        <a:defRPr>
+          <a:solidFill>
+            <a:schemeClr val="tx2"/>
+          </a:solidFill>
+        </a:defRPr>
+      </a:lvl6pPr>
+      <a:lvl7pPr eaLnBrk="1" hangingPunct="1">
+        <a:defRPr>
+          <a:solidFill>
+            <a:schemeClr val="tx2"/>
+          </a:solidFill>
+        </a:defRPr>
+      </a:lvl7pPr>
+      <a:lvl8pPr eaLnBrk="1" hangingPunct="1">
+        <a:defRPr>
+          <a:solidFill>
+            <a:schemeClr val="tx2"/>
+          </a:solidFill>
+        </a:defRPr>
+      </a:lvl8pPr>
+      <a:lvl9pPr eaLnBrk="1" hangingPunct="1">
+        <a:defRPr>
+          <a:solidFill>
+            <a:schemeClr val="tx2"/>
+          </a:solidFill>
+        </a:defRPr>
+      </a:lvl9pPr>
     </p:titleStyle>
     <p:bodyStyle>
-      <a:lvl1pPr marL="228600" indent="-228600" algn="l" defTabSz="914400" rtl="0" eaLnBrk="1" latinLnBrk="0" hangingPunct="1">
-        <a:lnSpc>
-          <a:spcPct val="90000"/>
-        </a:lnSpc>
+      <a:lvl1pPr marL="342900" indent="-306000" algn="l" defTabSz="457200" rtl="0" eaLnBrk="1" latinLnBrk="0" hangingPunct="1">
         <a:spcBef>
-          <a:spcPts val="1000"/>
+          <a:spcPct val="20000"/>
         </a:spcBef>
-        <a:buFont typeface="Arial" panose="020B0604020202020204" pitchFamily="34" charset="0"/>
-        <a:buChar char="•"/>
-        <a:defRPr sz="2800" kern="1200">
+        <a:spcAft>
+          <a:spcPts val="600"/>
+        </a:spcAft>
+        <a:buClr>
+          <a:schemeClr val="tx2"/>
+        </a:buClr>
+        <a:buSzPct val="70000"/>
+        <a:buFont typeface="Wingdings 2" charset="2"/>
+        <a:buChar char=""/>
+        <a:defRPr sz="2000" kern="1200">
+          <a:ln>
+            <a:solidFill>
+              <a:schemeClr val="bg1">
+                <a:lumMod val="75000"/>
+                <a:lumOff val="25000"/>
+                <a:alpha val="10000"/>
+              </a:schemeClr>
+            </a:solidFill>
+          </a:ln>
+          <a:solidFill>
+            <a:schemeClr val="tx2"/>
+          </a:solidFill>
+          <a:effectLst>
+            <a:outerShdw blurRad="9525" dist="25400" dir="14640000" algn="tl" rotWithShape="0">
+              <a:schemeClr val="bg1">
+                <a:alpha val="30000"/>
+              </a:schemeClr>
+            </a:outerShdw>
+          </a:effectLst>
+          <a:latin typeface="+mn-lt"/>
+          <a:ea typeface="+mn-ea"/>
+          <a:cs typeface="+mn-cs"/>
+        </a:defRPr>
+      </a:lvl1pPr>
+      <a:lvl2pPr marL="720000" indent="-270000" algn="l" defTabSz="457200" rtl="0" eaLnBrk="1" latinLnBrk="0" hangingPunct="1">
+        <a:spcBef>
+          <a:spcPct val="20000"/>
+        </a:spcBef>
+        <a:spcAft>
+          <a:spcPts val="600"/>
+        </a:spcAft>
+        <a:buClr>
+          <a:schemeClr val="tx2"/>
+        </a:buClr>
+        <a:buSzPct val="70000"/>
+        <a:buFont typeface="Wingdings 2" charset="2"/>
+        <a:buChar char=""/>
+        <a:defRPr sz="1800" kern="1200">
+          <a:ln>
+            <a:solidFill>
+              <a:schemeClr val="bg1">
+                <a:lumMod val="75000"/>
+                <a:lumOff val="25000"/>
+                <a:alpha val="10000"/>
+              </a:schemeClr>
+            </a:solidFill>
+          </a:ln>
+          <a:solidFill>
+            <a:schemeClr val="tx2"/>
+          </a:solidFill>
+          <a:effectLst>
+            <a:outerShdw blurRad="9525" dist="25400" dir="14640000" algn="tl" rotWithShape="0">
+              <a:schemeClr val="bg1">
+                <a:alpha val="30000"/>
+              </a:schemeClr>
+            </a:outerShdw>
+          </a:effectLst>
+          <a:latin typeface="+mn-lt"/>
+          <a:ea typeface="+mn-ea"/>
+          <a:cs typeface="+mn-cs"/>
+        </a:defRPr>
+      </a:lvl2pPr>
+      <a:lvl3pPr marL="1026000" indent="-216000" algn="l" defTabSz="457200" rtl="0" eaLnBrk="1" latinLnBrk="0" hangingPunct="1">
+        <a:spcBef>
+          <a:spcPct val="20000"/>
+        </a:spcBef>
+        <a:spcAft>
+          <a:spcPts val="600"/>
+        </a:spcAft>
+        <a:buClr>
+          <a:schemeClr val="tx2"/>
+        </a:buClr>
+        <a:buSzPct val="70000"/>
+        <a:buFont typeface="Wingdings 2" charset="2"/>
+        <a:buChar char=""/>
+        <a:defRPr sz="1600" kern="1200">
+          <a:ln>
+            <a:solidFill>
+              <a:schemeClr val="bg1">
+                <a:lumMod val="75000"/>
+                <a:lumOff val="25000"/>
+                <a:alpha val="10000"/>
+              </a:schemeClr>
+            </a:solidFill>
+          </a:ln>
+          <a:solidFill>
+            <a:schemeClr val="tx2"/>
+          </a:solidFill>
+          <a:effectLst>
+            <a:outerShdw blurRad="9525" dist="25400" dir="14640000" algn="tl" rotWithShape="0">
+              <a:schemeClr val="bg1">
+                <a:alpha val="30000"/>
+              </a:schemeClr>
+            </a:outerShdw>
+          </a:effectLst>
+          <a:latin typeface="+mn-lt"/>
+          <a:ea typeface="+mn-ea"/>
+          <a:cs typeface="+mn-cs"/>
+        </a:defRPr>
+      </a:lvl3pPr>
+      <a:lvl4pPr marL="1386000" indent="-216000" algn="l" defTabSz="457200" rtl="0" eaLnBrk="1" latinLnBrk="0" hangingPunct="1">
+        <a:spcBef>
+          <a:spcPct val="20000"/>
+        </a:spcBef>
+        <a:spcAft>
+          <a:spcPts val="600"/>
+        </a:spcAft>
+        <a:buClr>
+          <a:schemeClr val="tx2"/>
+        </a:buClr>
+        <a:buSzPct val="70000"/>
+        <a:buFont typeface="Wingdings 2" charset="2"/>
+        <a:buChar char=""/>
+        <a:defRPr sz="1400" kern="1200">
+          <a:ln>
+            <a:solidFill>
+              <a:schemeClr val="bg1">
+                <a:lumMod val="75000"/>
+                <a:lumOff val="25000"/>
+                <a:alpha val="10000"/>
+              </a:schemeClr>
+            </a:solidFill>
+          </a:ln>
+          <a:solidFill>
+            <a:schemeClr val="tx2"/>
+          </a:solidFill>
+          <a:effectLst>
+            <a:outerShdw blurRad="9525" dist="25400" dir="14640000" algn="tl" rotWithShape="0">
+              <a:schemeClr val="bg1">
+                <a:alpha val="30000"/>
+              </a:schemeClr>
+            </a:outerShdw>
+          </a:effectLst>
+          <a:latin typeface="+mn-lt"/>
+          <a:ea typeface="+mn-ea"/>
+          <a:cs typeface="+mn-cs"/>
+        </a:defRPr>
+      </a:lvl4pPr>
+      <a:lvl5pPr marL="1674000" indent="-216000" algn="l" defTabSz="457200" rtl="0" eaLnBrk="1" latinLnBrk="0" hangingPunct="1">
+        <a:spcBef>
+          <a:spcPct val="20000"/>
+        </a:spcBef>
+        <a:spcAft>
+          <a:spcPts val="600"/>
+        </a:spcAft>
+        <a:buClr>
+          <a:schemeClr val="tx2"/>
+        </a:buClr>
+        <a:buSzPct val="70000"/>
+        <a:buFont typeface="Wingdings 2" charset="2"/>
+        <a:buChar char=""/>
+        <a:defRPr sz="1400" kern="1200">
+          <a:ln>
+            <a:solidFill>
+              <a:schemeClr val="bg1">
+                <a:lumMod val="75000"/>
+                <a:lumOff val="25000"/>
+                <a:alpha val="10000"/>
+              </a:schemeClr>
+            </a:solidFill>
+          </a:ln>
+          <a:solidFill>
+            <a:schemeClr val="tx2"/>
+          </a:solidFill>
+          <a:effectLst>
+            <a:outerShdw blurRad="9525" dist="25400" dir="14640000" algn="tl" rotWithShape="0">
+              <a:schemeClr val="bg1">
+                <a:alpha val="30000"/>
+              </a:schemeClr>
+            </a:outerShdw>
+          </a:effectLst>
+          <a:latin typeface="+mn-lt"/>
+          <a:ea typeface="+mn-ea"/>
+          <a:cs typeface="+mn-cs"/>
+        </a:defRPr>
+      </a:lvl5pPr>
+      <a:lvl6pPr marL="2014600" indent="-228600" algn="l" defTabSz="457200" rtl="0" eaLnBrk="1" latinLnBrk="0" hangingPunct="1">
+        <a:spcBef>
+          <a:spcPct val="20000"/>
+        </a:spcBef>
+        <a:spcAft>
+          <a:spcPts val="600"/>
+        </a:spcAft>
+        <a:buClr>
+          <a:schemeClr val="tx2"/>
+        </a:buClr>
+        <a:buSzPct val="70000"/>
+        <a:buFont typeface="Wingdings 2" charset="2"/>
+        <a:buChar char=""/>
+        <a:defRPr sz="1400" kern="1200">
+          <a:ln>
+            <a:solidFill>
+              <a:schemeClr val="bg1">
+                <a:lumMod val="75000"/>
+                <a:lumOff val="25000"/>
+                <a:alpha val="10000"/>
+              </a:schemeClr>
+            </a:solidFill>
+          </a:ln>
+          <a:solidFill>
+            <a:schemeClr val="tx2"/>
+          </a:solidFill>
+          <a:effectLst>
+            <a:outerShdw blurRad="9525" dist="25400" dir="14640000" algn="tl" rotWithShape="0">
+              <a:schemeClr val="bg1">
+                <a:alpha val="30000"/>
+              </a:schemeClr>
+            </a:outerShdw>
+          </a:effectLst>
+          <a:latin typeface="+mn-lt"/>
+          <a:ea typeface="+mn-ea"/>
+          <a:cs typeface="+mn-cs"/>
+        </a:defRPr>
+      </a:lvl6pPr>
+      <a:lvl7pPr marL="2401800" indent="-228600" algn="l" defTabSz="457200" rtl="0" eaLnBrk="1" latinLnBrk="0" hangingPunct="1">
+        <a:spcBef>
+          <a:spcPct val="20000"/>
+        </a:spcBef>
+        <a:spcAft>
+          <a:spcPts val="600"/>
+        </a:spcAft>
+        <a:buClr>
+          <a:schemeClr val="tx2"/>
+        </a:buClr>
+        <a:buSzPct val="70000"/>
+        <a:buFont typeface="Wingdings 2" charset="2"/>
+        <a:buChar char=""/>
+        <a:defRPr sz="1400" kern="1200">
+          <a:ln>
+            <a:solidFill>
+              <a:schemeClr val="bg1">
+                <a:lumMod val="75000"/>
+                <a:lumOff val="25000"/>
+                <a:alpha val="10000"/>
+              </a:schemeClr>
+            </a:solidFill>
+          </a:ln>
+          <a:solidFill>
+            <a:schemeClr val="tx2"/>
+          </a:solidFill>
+          <a:effectLst>
+            <a:outerShdw blurRad="9525" dist="25400" dir="14640000" algn="tl" rotWithShape="0">
+              <a:schemeClr val="bg1">
+                <a:alpha val="30000"/>
+              </a:schemeClr>
+            </a:outerShdw>
+          </a:effectLst>
+          <a:latin typeface="+mn-lt"/>
+          <a:ea typeface="+mn-ea"/>
+          <a:cs typeface="+mn-cs"/>
+        </a:defRPr>
+      </a:lvl7pPr>
+      <a:lvl8pPr marL="2789000" indent="-228600" algn="l" defTabSz="457200" rtl="0" eaLnBrk="1" latinLnBrk="0" hangingPunct="1">
+        <a:spcBef>
+          <a:spcPct val="20000"/>
+        </a:spcBef>
+        <a:spcAft>
+          <a:spcPts val="600"/>
+        </a:spcAft>
+        <a:buClr>
+          <a:schemeClr val="tx2"/>
+        </a:buClr>
+        <a:buSzPct val="70000"/>
+        <a:buFont typeface="Wingdings 2" charset="2"/>
+        <a:buChar char=""/>
+        <a:defRPr sz="1400" kern="1200">
+          <a:ln>
+            <a:solidFill>
+              <a:schemeClr val="bg1">
+                <a:lumMod val="75000"/>
+                <a:lumOff val="25000"/>
+                <a:alpha val="10000"/>
+              </a:schemeClr>
+            </a:solidFill>
+          </a:ln>
+          <a:solidFill>
+            <a:schemeClr val="tx2"/>
+          </a:solidFill>
+          <a:effectLst>
+            <a:outerShdw blurRad="9525" dist="25400" dir="14640000" algn="tl" rotWithShape="0">
+              <a:schemeClr val="bg1">
+                <a:alpha val="30000"/>
+              </a:schemeClr>
+            </a:outerShdw>
+          </a:effectLst>
+          <a:latin typeface="+mn-lt"/>
+          <a:ea typeface="+mn-ea"/>
+          <a:cs typeface="+mn-cs"/>
+        </a:defRPr>
+      </a:lvl8pPr>
+      <a:lvl9pPr marL="3106200" indent="-228600" algn="l" defTabSz="457200" rtl="0" eaLnBrk="1" latinLnBrk="0" hangingPunct="1">
+        <a:spcBef>
+          <a:spcPct val="20000"/>
+        </a:spcBef>
+        <a:spcAft>
+          <a:spcPts val="600"/>
+        </a:spcAft>
+        <a:buClr>
+          <a:schemeClr val="tx2"/>
+        </a:buClr>
+        <a:buSzPct val="70000"/>
+        <a:buFont typeface="Wingdings 2" charset="2"/>
+        <a:buChar char=""/>
+        <a:defRPr sz="1400" kern="1200">
+          <a:ln>
+            <a:solidFill>
+              <a:schemeClr val="bg1">
+                <a:lumMod val="75000"/>
+                <a:lumOff val="25000"/>
+                <a:alpha val="10000"/>
+              </a:schemeClr>
+            </a:solidFill>
+          </a:ln>
+          <a:solidFill>
+            <a:schemeClr val="tx2"/>
+          </a:solidFill>
+          <a:effectLst>
+            <a:outerShdw blurRad="9525" dist="25400" dir="14640000" algn="tl" rotWithShape="0">
+              <a:schemeClr val="bg1">
+                <a:alpha val="30000"/>
+              </a:schemeClr>
+            </a:outerShdw>
+          </a:effectLst>
+          <a:latin typeface="+mn-lt"/>
+          <a:ea typeface="+mn-ea"/>
+          <a:cs typeface="+mn-cs"/>
+        </a:defRPr>
+      </a:lvl9pPr>
+    </p:bodyStyle>
+    <p:otherStyle>
+      <a:defPPr>
+        <a:defRPr lang="en-US"/>
+      </a:defPPr>
+      <a:lvl1pPr marL="0" algn="l" defTabSz="457200" rtl="0" eaLnBrk="1" latinLnBrk="0" hangingPunct="1">
+        <a:defRPr sz="1800" kern="1200">
           <a:solidFill>
             <a:schemeClr val="tx1"/>
           </a:solidFill>
@@ -2716,16 +5926,8 @@
           <a:cs typeface="+mn-cs"/>
         </a:defRPr>
       </a:lvl1pPr>
-      <a:lvl2pPr marL="685800" indent="-228600" algn="l" defTabSz="914400" rtl="0" eaLnBrk="1" latinLnBrk="0" hangingPunct="1">
-        <a:lnSpc>
-          <a:spcPct val="90000"/>
-        </a:lnSpc>
-        <a:spcBef>
-          <a:spcPts val="500"/>
-        </a:spcBef>
-        <a:buFont typeface="Arial" panose="020B0604020202020204" pitchFamily="34" charset="0"/>
-        <a:buChar char="•"/>
-        <a:defRPr sz="2400" kern="1200">
+      <a:lvl2pPr marL="457200" algn="l" defTabSz="457200" rtl="0" eaLnBrk="1" latinLnBrk="0" hangingPunct="1">
+        <a:defRPr sz="1800" kern="1200">
           <a:solidFill>
             <a:schemeClr val="tx1"/>
           </a:solidFill>
@@ -2734,16 +5936,8 @@
           <a:cs typeface="+mn-cs"/>
         </a:defRPr>
       </a:lvl2pPr>
-      <a:lvl3pPr marL="1143000" indent="-228600" algn="l" defTabSz="914400" rtl="0" eaLnBrk="1" latinLnBrk="0" hangingPunct="1">
-        <a:lnSpc>
-          <a:spcPct val="90000"/>
-        </a:lnSpc>
-        <a:spcBef>
-          <a:spcPts val="500"/>
-        </a:spcBef>
-        <a:buFont typeface="Arial" panose="020B0604020202020204" pitchFamily="34" charset="0"/>
-        <a:buChar char="•"/>
-        <a:defRPr sz="2000" kern="1200">
+      <a:lvl3pPr marL="914400" algn="l" defTabSz="457200" rtl="0" eaLnBrk="1" latinLnBrk="0" hangingPunct="1">
+        <a:defRPr sz="1800" kern="1200">
           <a:solidFill>
             <a:schemeClr val="tx1"/>
           </a:solidFill>
@@ -2752,15 +5946,7 @@
           <a:cs typeface="+mn-cs"/>
         </a:defRPr>
       </a:lvl3pPr>
-      <a:lvl4pPr marL="1600200" indent="-228600" algn="l" defTabSz="914400" rtl="0" eaLnBrk="1" latinLnBrk="0" hangingPunct="1">
-        <a:lnSpc>
-          <a:spcPct val="90000"/>
-        </a:lnSpc>
-        <a:spcBef>
-          <a:spcPts val="500"/>
-        </a:spcBef>
-        <a:buFont typeface="Arial" panose="020B0604020202020204" pitchFamily="34" charset="0"/>
-        <a:buChar char="•"/>
+      <a:lvl4pPr marL="1371600" algn="l" defTabSz="457200" rtl="0" eaLnBrk="1" latinLnBrk="0" hangingPunct="1">
         <a:defRPr sz="1800" kern="1200">
           <a:solidFill>
             <a:schemeClr val="tx1"/>
@@ -2770,15 +5956,7 @@
           <a:cs typeface="+mn-cs"/>
         </a:defRPr>
       </a:lvl4pPr>
-      <a:lvl5pPr marL="2057400" indent="-228600" algn="l" defTabSz="914400" rtl="0" eaLnBrk="1" latinLnBrk="0" hangingPunct="1">
-        <a:lnSpc>
-          <a:spcPct val="90000"/>
-        </a:lnSpc>
-        <a:spcBef>
-          <a:spcPts val="500"/>
-        </a:spcBef>
-        <a:buFont typeface="Arial" panose="020B0604020202020204" pitchFamily="34" charset="0"/>
-        <a:buChar char="•"/>
+      <a:lvl5pPr marL="1828800" algn="l" defTabSz="457200" rtl="0" eaLnBrk="1" latinLnBrk="0" hangingPunct="1">
         <a:defRPr sz="1800" kern="1200">
           <a:solidFill>
             <a:schemeClr val="tx1"/>
@@ -2788,15 +5966,7 @@
           <a:cs typeface="+mn-cs"/>
         </a:defRPr>
       </a:lvl5pPr>
-      <a:lvl6pPr marL="2514600" indent="-228600" algn="l" defTabSz="914400" rtl="0" eaLnBrk="1" latinLnBrk="0" hangingPunct="1">
-        <a:lnSpc>
-          <a:spcPct val="90000"/>
-        </a:lnSpc>
-        <a:spcBef>
-          <a:spcPts val="500"/>
-        </a:spcBef>
-        <a:buFont typeface="Arial" panose="020B0604020202020204" pitchFamily="34" charset="0"/>
-        <a:buChar char="•"/>
+      <a:lvl6pPr marL="2286000" algn="l" defTabSz="457200" rtl="0" eaLnBrk="1" latinLnBrk="0" hangingPunct="1">
         <a:defRPr sz="1800" kern="1200">
           <a:solidFill>
             <a:schemeClr val="tx1"/>
@@ -2806,15 +5976,7 @@
           <a:cs typeface="+mn-cs"/>
         </a:defRPr>
       </a:lvl6pPr>
-      <a:lvl7pPr marL="2971800" indent="-228600" algn="l" defTabSz="914400" rtl="0" eaLnBrk="1" latinLnBrk="0" hangingPunct="1">
-        <a:lnSpc>
-          <a:spcPct val="90000"/>
-        </a:lnSpc>
-        <a:spcBef>
-          <a:spcPts val="500"/>
-        </a:spcBef>
-        <a:buFont typeface="Arial" panose="020B0604020202020204" pitchFamily="34" charset="0"/>
-        <a:buChar char="•"/>
+      <a:lvl7pPr marL="2743200" algn="l" defTabSz="457200" rtl="0" eaLnBrk="1" latinLnBrk="0" hangingPunct="1">
         <a:defRPr sz="1800" kern="1200">
           <a:solidFill>
             <a:schemeClr val="tx1"/>
@@ -2824,15 +5986,7 @@
           <a:cs typeface="+mn-cs"/>
         </a:defRPr>
       </a:lvl7pPr>
-      <a:lvl8pPr marL="3429000" indent="-228600" algn="l" defTabSz="914400" rtl="0" eaLnBrk="1" latinLnBrk="0" hangingPunct="1">
-        <a:lnSpc>
-          <a:spcPct val="90000"/>
-        </a:lnSpc>
-        <a:spcBef>
-          <a:spcPts val="500"/>
-        </a:spcBef>
-        <a:buFont typeface="Arial" panose="020B0604020202020204" pitchFamily="34" charset="0"/>
-        <a:buChar char="•"/>
+      <a:lvl8pPr marL="3200400" algn="l" defTabSz="457200" rtl="0" eaLnBrk="1" latinLnBrk="0" hangingPunct="1">
         <a:defRPr sz="1800" kern="1200">
           <a:solidFill>
             <a:schemeClr val="tx1"/>
@@ -2842,110 +5996,7 @@
           <a:cs typeface="+mn-cs"/>
         </a:defRPr>
       </a:lvl8pPr>
-      <a:lvl9pPr marL="3886200" indent="-228600" algn="l" defTabSz="914400" rtl="0" eaLnBrk="1" latinLnBrk="0" hangingPunct="1">
-        <a:lnSpc>
-          <a:spcPct val="90000"/>
-        </a:lnSpc>
-        <a:spcBef>
-          <a:spcPts val="500"/>
-        </a:spcBef>
-        <a:buFont typeface="Arial" panose="020B0604020202020204" pitchFamily="34" charset="0"/>
-        <a:buChar char="•"/>
-        <a:defRPr sz="1800" kern="1200">
-          <a:solidFill>
-            <a:schemeClr val="tx1"/>
-          </a:solidFill>
-          <a:latin typeface="+mn-lt"/>
-          <a:ea typeface="+mn-ea"/>
-          <a:cs typeface="+mn-cs"/>
-        </a:defRPr>
-      </a:lvl9pPr>
-    </p:bodyStyle>
-    <p:otherStyle>
-      <a:defPPr>
-        <a:defRPr lang="hu-HU"/>
-      </a:defPPr>
-      <a:lvl1pPr marL="0" algn="l" defTabSz="914400" rtl="0" eaLnBrk="1" latinLnBrk="0" hangingPunct="1">
-        <a:defRPr sz="1800" kern="1200">
-          <a:solidFill>
-            <a:schemeClr val="tx1"/>
-          </a:solidFill>
-          <a:latin typeface="+mn-lt"/>
-          <a:ea typeface="+mn-ea"/>
-          <a:cs typeface="+mn-cs"/>
-        </a:defRPr>
-      </a:lvl1pPr>
-      <a:lvl2pPr marL="457200" algn="l" defTabSz="914400" rtl="0" eaLnBrk="1" latinLnBrk="0" hangingPunct="1">
-        <a:defRPr sz="1800" kern="1200">
-          <a:solidFill>
-            <a:schemeClr val="tx1"/>
-          </a:solidFill>
-          <a:latin typeface="+mn-lt"/>
-          <a:ea typeface="+mn-ea"/>
-          <a:cs typeface="+mn-cs"/>
-        </a:defRPr>
-      </a:lvl2pPr>
-      <a:lvl3pPr marL="914400" algn="l" defTabSz="914400" rtl="0" eaLnBrk="1" latinLnBrk="0" hangingPunct="1">
-        <a:defRPr sz="1800" kern="1200">
-          <a:solidFill>
-            <a:schemeClr val="tx1"/>
-          </a:solidFill>
-          <a:latin typeface="+mn-lt"/>
-          <a:ea typeface="+mn-ea"/>
-          <a:cs typeface="+mn-cs"/>
-        </a:defRPr>
-      </a:lvl3pPr>
-      <a:lvl4pPr marL="1371600" algn="l" defTabSz="914400" rtl="0" eaLnBrk="1" latinLnBrk="0" hangingPunct="1">
-        <a:defRPr sz="1800" kern="1200">
-          <a:solidFill>
-            <a:schemeClr val="tx1"/>
-          </a:solidFill>
-          <a:latin typeface="+mn-lt"/>
-          <a:ea typeface="+mn-ea"/>
-          <a:cs typeface="+mn-cs"/>
-        </a:defRPr>
-      </a:lvl4pPr>
-      <a:lvl5pPr marL="1828800" algn="l" defTabSz="914400" rtl="0" eaLnBrk="1" latinLnBrk="0" hangingPunct="1">
-        <a:defRPr sz="1800" kern="1200">
-          <a:solidFill>
-            <a:schemeClr val="tx1"/>
-          </a:solidFill>
-          <a:latin typeface="+mn-lt"/>
-          <a:ea typeface="+mn-ea"/>
-          <a:cs typeface="+mn-cs"/>
-        </a:defRPr>
-      </a:lvl5pPr>
-      <a:lvl6pPr marL="2286000" algn="l" defTabSz="914400" rtl="0" eaLnBrk="1" latinLnBrk="0" hangingPunct="1">
-        <a:defRPr sz="1800" kern="1200">
-          <a:solidFill>
-            <a:schemeClr val="tx1"/>
-          </a:solidFill>
-          <a:latin typeface="+mn-lt"/>
-          <a:ea typeface="+mn-ea"/>
-          <a:cs typeface="+mn-cs"/>
-        </a:defRPr>
-      </a:lvl6pPr>
-      <a:lvl7pPr marL="2743200" algn="l" defTabSz="914400" rtl="0" eaLnBrk="1" latinLnBrk="0" hangingPunct="1">
-        <a:defRPr sz="1800" kern="1200">
-          <a:solidFill>
-            <a:schemeClr val="tx1"/>
-          </a:solidFill>
-          <a:latin typeface="+mn-lt"/>
-          <a:ea typeface="+mn-ea"/>
-          <a:cs typeface="+mn-cs"/>
-        </a:defRPr>
-      </a:lvl7pPr>
-      <a:lvl8pPr marL="3200400" algn="l" defTabSz="914400" rtl="0" eaLnBrk="1" latinLnBrk="0" hangingPunct="1">
-        <a:defRPr sz="1800" kern="1200">
-          <a:solidFill>
-            <a:schemeClr val="tx1"/>
-          </a:solidFill>
-          <a:latin typeface="+mn-lt"/>
-          <a:ea typeface="+mn-ea"/>
-          <a:cs typeface="+mn-cs"/>
-        </a:defRPr>
-      </a:lvl8pPr>
-      <a:lvl9pPr marL="3657600" algn="l" defTabSz="914400" rtl="0" eaLnBrk="1" latinLnBrk="0" hangingPunct="1">
+      <a:lvl9pPr marL="3657600" algn="l" defTabSz="457200" rtl="0" eaLnBrk="1" latinLnBrk="0" hangingPunct="1">
         <a:defRPr sz="1800" kern="1200">
           <a:solidFill>
             <a:schemeClr val="tx1"/>
@@ -3044,6 +6095,168 @@
 </p:sld>
 </file>
 
+<file path=ppt/slides/slide10.xml><?xml version="1.0" encoding="utf-8"?>
+<p:sld xmlns:a="http://schemas.openxmlformats.org/drawingml/2006/main" xmlns:r="http://schemas.openxmlformats.org/officeDocument/2006/relationships" xmlns:p="http://schemas.openxmlformats.org/presentationml/2006/main">
+  <p:cSld>
+    <p:spTree>
+      <p:nvGrpSpPr>
+        <p:cNvPr id="1" name=""/>
+        <p:cNvGrpSpPr/>
+        <p:nvPr/>
+      </p:nvGrpSpPr>
+      <p:grpSpPr>
+        <a:xfrm>
+          <a:off x="0" y="0"/>
+          <a:ext cx="0" cy="0"/>
+          <a:chOff x="0" y="0"/>
+          <a:chExt cx="0" cy="0"/>
+        </a:xfrm>
+      </p:grpSpPr>
+      <p:sp>
+        <p:nvSpPr>
+          <p:cNvPr id="2" name="Cím 1"/>
+          <p:cNvSpPr>
+            <a:spLocks noGrp="1"/>
+          </p:cNvSpPr>
+          <p:nvPr>
+            <p:ph type="title"/>
+          </p:nvPr>
+        </p:nvSpPr>
+        <p:spPr/>
+        <p:txBody>
+          <a:bodyPr/>
+          <a:lstStyle/>
+          <a:p>
+            <a:r>
+              <a:rPr lang="hu-HU" dirty="0" smtClean="0"/>
+              <a:t>Források:</a:t>
+            </a:r>
+            <a:endParaRPr lang="hu-HU" dirty="0"/>
+          </a:p>
+        </p:txBody>
+      </p:sp>
+      <p:sp>
+        <p:nvSpPr>
+          <p:cNvPr id="3" name="Tartalom helye 2"/>
+          <p:cNvSpPr>
+            <a:spLocks noGrp="1"/>
+          </p:cNvSpPr>
+          <p:nvPr>
+            <p:ph sz="half" idx="1"/>
+          </p:nvPr>
+        </p:nvSpPr>
+        <p:spPr/>
+        <p:txBody>
+          <a:bodyPr/>
+          <a:lstStyle/>
+          <a:p>
+            <a:pPr marL="0" indent="0">
+              <a:buNone/>
+            </a:pPr>
+            <a:r>
+              <a:rPr lang="hu-HU" dirty="0" smtClean="0">
+                <a:hlinkClick r:id="rId2"/>
+              </a:rPr>
+              <a:t>https://tinyurl.com/yc3cchuv</a:t>
+            </a:r>
+          </a:p>
+          <a:p>
+            <a:pPr marL="0" indent="0">
+              <a:buNone/>
+            </a:pPr>
+            <a:r>
+              <a:rPr lang="hu-HU" dirty="0" smtClean="0">
+                <a:hlinkClick r:id="rId2"/>
+              </a:rPr>
+              <a:t>https://tinyurl.com/yc5rrhd3</a:t>
+            </a:r>
+          </a:p>
+          <a:p>
+            <a:pPr marL="0" indent="0">
+              <a:buNone/>
+            </a:pPr>
+            <a:r>
+              <a:rPr lang="hu-HU" dirty="0" smtClean="0">
+                <a:hlinkClick r:id="rId3"/>
+              </a:rPr>
+              <a:t>https://</a:t>
+            </a:r>
+            <a:r>
+              <a:rPr lang="hu-HU" dirty="0" smtClean="0">
+                <a:hlinkClick r:id="rId3"/>
+              </a:rPr>
+              <a:t>tinyurl.com/bdhz6x5h</a:t>
+            </a:r>
+            <a:endParaRPr lang="hu-HU" dirty="0" smtClean="0"/>
+          </a:p>
+          <a:p>
+            <a:pPr marL="0" indent="0">
+              <a:buNone/>
+            </a:pPr>
+            <a:r>
+              <a:rPr lang="hu-HU" dirty="0" smtClean="0">
+                <a:hlinkClick r:id="rId4"/>
+              </a:rPr>
+              <a:t>https</a:t>
+            </a:r>
+            <a:r>
+              <a:rPr lang="hu-HU" dirty="0">
+                <a:hlinkClick r:id="rId4"/>
+              </a:rPr>
+              <a:t>://</a:t>
+            </a:r>
+            <a:r>
+              <a:rPr lang="hu-HU" dirty="0" smtClean="0">
+                <a:hlinkClick r:id="rId4"/>
+              </a:rPr>
+              <a:t>tinyurl.com/3p6wpybx</a:t>
+            </a:r>
+            <a:r>
+              <a:rPr lang="hu-HU" dirty="0" smtClean="0"/>
+              <a:t>    </a:t>
+            </a:r>
+            <a:endParaRPr lang="hu-HU" dirty="0" smtClean="0"/>
+          </a:p>
+          <a:p>
+            <a:pPr marL="0" indent="0">
+              <a:buNone/>
+            </a:pPr>
+            <a:endParaRPr lang="hu-HU" dirty="0"/>
+          </a:p>
+        </p:txBody>
+      </p:sp>
+      <p:sp>
+        <p:nvSpPr>
+          <p:cNvPr id="4" name="Tartalom helye 3"/>
+          <p:cNvSpPr>
+            <a:spLocks noGrp="1"/>
+          </p:cNvSpPr>
+          <p:nvPr>
+            <p:ph sz="half" idx="2"/>
+          </p:nvPr>
+        </p:nvSpPr>
+        <p:spPr/>
+        <p:txBody>
+          <a:bodyPr/>
+          <a:lstStyle/>
+          <a:p>
+            <a:endParaRPr lang="hu-HU" dirty="0"/>
+          </a:p>
+        </p:txBody>
+      </p:sp>
+    </p:spTree>
+    <p:extLst>
+      <p:ext uri="{BB962C8B-B14F-4D97-AF65-F5344CB8AC3E}">
+        <p14:creationId xmlns:p14="http://schemas.microsoft.com/office/powerpoint/2010/main" val="1440788250"/>
+      </p:ext>
+    </p:extLst>
+  </p:cSld>
+  <p:clrMapOvr>
+    <a:masterClrMapping/>
+  </p:clrMapOvr>
+</p:sld>
+</file>
+
 <file path=ppt/slides/slide2.xml><?xml version="1.0" encoding="utf-8"?>
 <p:sld xmlns:a="http://schemas.openxmlformats.org/drawingml/2006/main" xmlns:r="http://schemas.openxmlformats.org/officeDocument/2006/relationships" xmlns:p="http://schemas.openxmlformats.org/presentationml/2006/main">
   <p:cSld>
@@ -3107,8 +6320,19 @@
           <a:p>
             <a:r>
               <a:rPr lang="hu-HU" dirty="0" smtClean="0"/>
-              <a:t>Kevesebb kommunikáció</a:t>
-            </a:r>
+              <a:t>Kevesebb </a:t>
+            </a:r>
+            <a:r>
+              <a:rPr lang="hu-HU" dirty="0" smtClean="0"/>
+              <a:t>kommunikáció</a:t>
+            </a:r>
+          </a:p>
+          <a:p>
+            <a:r>
+              <a:rPr lang="hu-HU" dirty="0" err="1" smtClean="0"/>
+              <a:t>Hálozatok</a:t>
+            </a:r>
+            <a:endParaRPr lang="hu-HU" dirty="0" smtClean="0"/>
           </a:p>
           <a:p>
             <a:endParaRPr lang="hu-HU" dirty="0"/>
@@ -3346,18 +6570,42 @@
             <p:ph sz="half" idx="1"/>
           </p:nvPr>
         </p:nvSpPr>
-        <p:spPr/>
-        <p:txBody>
-          <a:bodyPr/>
-          <a:lstStyle/>
-          <a:p>
+        <p:spPr>
+          <a:xfrm>
+            <a:off x="741750" y="1580050"/>
+            <a:ext cx="5060497" cy="4058750"/>
+          </a:xfrm>
+        </p:spPr>
+        <p:txBody>
+          <a:bodyPr/>
+          <a:lstStyle/>
+          <a:p>
+            <a:r>
+              <a:rPr lang="hu-HU" dirty="0"/>
+              <a:t>Tim </a:t>
+            </a:r>
             <a:r>
               <a:rPr lang="hu-HU" dirty="0" err="1" smtClean="0"/>
-              <a:t>Interaktívitás</a:t>
+              <a:t>O’Reilly</a:t>
             </a:r>
             <a:endParaRPr lang="hu-HU" dirty="0" smtClean="0"/>
           </a:p>
           <a:p>
+            <a:r>
+              <a:rPr lang="hu-HU" dirty="0" smtClean="0"/>
+              <a:t>Interaktivitás</a:t>
+            </a:r>
+          </a:p>
+          <a:p>
+            <a:r>
+              <a:rPr lang="hu-HU" dirty="0" smtClean="0"/>
+              <a:t>Emberek</a:t>
+            </a:r>
+          </a:p>
+          <a:p>
+            <a:pPr marL="36900" indent="0">
+              <a:buNone/>
+            </a:pPr>
             <a:endParaRPr lang="hu-HU" dirty="0"/>
           </a:p>
         </p:txBody>
@@ -3386,8 +6634,8 @@
         </p:blipFill>
         <p:spPr>
           <a:xfrm>
-            <a:off x="6528573" y="1656587"/>
-            <a:ext cx="4994818" cy="4520376"/>
+            <a:off x="5974292" y="1542192"/>
+            <a:ext cx="5121220" cy="4634771"/>
           </a:xfrm>
         </p:spPr>
       </p:pic>
@@ -3399,7 +6647,7 @@
         </p:nvSpPr>
         <p:spPr>
           <a:xfrm>
-            <a:off x="6528573" y="6176963"/>
+            <a:off x="5974292" y="6144519"/>
             <a:ext cx="4953000" cy="307777"/>
           </a:xfrm>
           <a:prstGeom prst="rect">
@@ -3471,99 +6719,34 @@
           <a:chExt cx="0" cy="0"/>
         </a:xfrm>
       </p:grpSpPr>
-      <p:sp>
-        <p:nvSpPr>
-          <p:cNvPr id="2" name="Cím 1"/>
-          <p:cNvSpPr>
-            <a:spLocks noGrp="1"/>
-          </p:cNvSpPr>
-          <p:nvPr>
-            <p:ph type="title"/>
-          </p:nvPr>
-        </p:nvSpPr>
-        <p:spPr/>
-        <p:txBody>
-          <a:bodyPr/>
-          <a:lstStyle/>
-          <a:p>
-            <a:r>
-              <a:rPr lang="hu-HU" dirty="0" smtClean="0"/>
-              <a:t>Web 2.0 jellemzői</a:t>
-            </a:r>
-            <a:endParaRPr lang="hu-HU" dirty="0"/>
-          </a:p>
-        </p:txBody>
-      </p:sp>
-      <p:sp>
-        <p:nvSpPr>
-          <p:cNvPr id="3" name="Tartalom helye 2"/>
-          <p:cNvSpPr>
-            <a:spLocks noGrp="1"/>
-          </p:cNvSpPr>
-          <p:nvPr>
-            <p:ph sz="half" idx="1"/>
-          </p:nvPr>
-        </p:nvSpPr>
-        <p:spPr/>
-        <p:txBody>
-          <a:bodyPr/>
-          <a:lstStyle/>
-          <a:p>
-            <a:r>
-              <a:rPr lang="hu-HU" dirty="0" smtClean="0"/>
-              <a:t>A web (platform)</a:t>
-            </a:r>
-          </a:p>
-          <a:p>
-            <a:r>
-              <a:rPr lang="hu-HU" dirty="0" smtClean="0"/>
-              <a:t>Az adat (hajtóerő)</a:t>
-            </a:r>
-          </a:p>
-          <a:p>
-            <a:r>
-              <a:rPr lang="hu-HU" dirty="0" smtClean="0"/>
-              <a:t>Résvételen alapuló</a:t>
-            </a:r>
-          </a:p>
-          <a:p>
-            <a:r>
-              <a:rPr lang="hu-HU" dirty="0" smtClean="0"/>
-              <a:t>Komponensalapú</a:t>
-            </a:r>
-          </a:p>
-          <a:p>
-            <a:r>
-              <a:rPr lang="hu-HU" dirty="0" smtClean="0"/>
-              <a:t>Laza struktúra</a:t>
-            </a:r>
-            <a:endParaRPr lang="hu-HU" dirty="0"/>
-          </a:p>
-        </p:txBody>
-      </p:sp>
-      <p:sp>
-        <p:nvSpPr>
-          <p:cNvPr id="4" name="Tartalom helye 3"/>
-          <p:cNvSpPr>
-            <a:spLocks noGrp="1"/>
-          </p:cNvSpPr>
-          <p:nvPr>
-            <p:ph sz="half" idx="2"/>
-          </p:nvPr>
-        </p:nvSpPr>
-        <p:spPr/>
-        <p:txBody>
-          <a:bodyPr/>
-          <a:lstStyle/>
-          <a:p>
-            <a:endParaRPr lang="hu-HU"/>
-          </a:p>
-        </p:txBody>
-      </p:sp>
+      <p:pic>
+        <p:nvPicPr>
+          <p:cNvPr id="4" name="Kép 3"/>
+          <p:cNvPicPr>
+            <a:picLocks noChangeAspect="1"/>
+          </p:cNvPicPr>
+          <p:nvPr/>
+        </p:nvPicPr>
+        <p:blipFill>
+          <a:blip r:embed="rId2"/>
+          <a:stretch>
+            <a:fillRect/>
+          </a:stretch>
+        </p:blipFill>
+        <p:spPr>
+          <a:xfrm>
+            <a:off x="1193800" y="188903"/>
+            <a:ext cx="9436100" cy="6669097"/>
+          </a:xfrm>
+          <a:prstGeom prst="rect">
+            <a:avLst/>
+          </a:prstGeom>
+        </p:spPr>
+      </p:pic>
     </p:spTree>
     <p:extLst>
       <p:ext uri="{BB962C8B-B14F-4D97-AF65-F5344CB8AC3E}">
-        <p14:creationId xmlns:p14="http://schemas.microsoft.com/office/powerpoint/2010/main" val="2776899474"/>
+        <p14:creationId xmlns:p14="http://schemas.microsoft.com/office/powerpoint/2010/main" val="4021924562"/>
       </p:ext>
     </p:extLst>
   </p:cSld>
@@ -3605,7 +6788,11 @@
           <a:bodyPr/>
           <a:lstStyle/>
           <a:p>
-            <a:endParaRPr lang="hu-HU"/>
+            <a:r>
+              <a:rPr lang="hu-HU" dirty="0" smtClean="0"/>
+              <a:t>Web 2.0 jellemzői</a:t>
+            </a:r>
+            <a:endParaRPr lang="hu-HU" dirty="0"/>
           </a:p>
         </p:txBody>
       </p:sp>
@@ -3624,7 +6811,35 @@
           <a:bodyPr/>
           <a:lstStyle/>
           <a:p>
-            <a:endParaRPr lang="hu-HU"/>
+            <a:r>
+              <a:rPr lang="hu-HU" dirty="0" smtClean="0"/>
+              <a:t>A web (platform)</a:t>
+            </a:r>
+          </a:p>
+          <a:p>
+            <a:r>
+              <a:rPr lang="hu-HU" dirty="0" smtClean="0"/>
+              <a:t>Az adat (hajtóerő)</a:t>
+            </a:r>
+          </a:p>
+          <a:p>
+            <a:r>
+              <a:rPr lang="hu-HU" dirty="0" smtClean="0"/>
+              <a:t>Résvételen alapuló</a:t>
+            </a:r>
+          </a:p>
+          <a:p>
+            <a:r>
+              <a:rPr lang="hu-HU" dirty="0" smtClean="0"/>
+              <a:t>Komponensalapú</a:t>
+            </a:r>
+          </a:p>
+          <a:p>
+            <a:r>
+              <a:rPr lang="hu-HU" dirty="0" smtClean="0"/>
+              <a:t>Laza struktúra</a:t>
+            </a:r>
+            <a:endParaRPr lang="hu-HU" dirty="0"/>
           </a:p>
         </p:txBody>
       </p:sp>
@@ -3650,7 +6865,7 @@
     </p:spTree>
     <p:extLst>
       <p:ext uri="{BB962C8B-B14F-4D97-AF65-F5344CB8AC3E}">
-        <p14:creationId xmlns:p14="http://schemas.microsoft.com/office/powerpoint/2010/main" val="3464165919"/>
+        <p14:creationId xmlns:p14="http://schemas.microsoft.com/office/powerpoint/2010/main" val="2776899474"/>
       </p:ext>
     </p:extLst>
   </p:cSld>
@@ -3692,7 +6907,11 @@
           <a:bodyPr/>
           <a:lstStyle/>
           <a:p>
-            <a:endParaRPr lang="hu-HU"/>
+            <a:r>
+              <a:rPr lang="hu-HU" dirty="0" smtClean="0"/>
+              <a:t>Hogyan működik</a:t>
+            </a:r>
+            <a:endParaRPr lang="hu-HU" dirty="0"/>
           </a:p>
         </p:txBody>
       </p:sp>
@@ -3711,7 +6930,29 @@
           <a:bodyPr/>
           <a:lstStyle/>
           <a:p>
-            <a:endParaRPr lang="hu-HU"/>
+            <a:r>
+              <a:rPr lang="hu-HU" dirty="0" smtClean="0"/>
+              <a:t>Böngészőn belül</a:t>
+            </a:r>
+          </a:p>
+          <a:p>
+            <a:r>
+              <a:rPr lang="hu-HU" dirty="0" err="1" smtClean="0"/>
+              <a:t>AJaX</a:t>
+            </a:r>
+            <a:r>
+              <a:rPr lang="hu-HU" dirty="0" smtClean="0"/>
+              <a:t>, Java</a:t>
+            </a:r>
+          </a:p>
+          <a:p>
+            <a:pPr marL="36900" indent="0">
+              <a:buNone/>
+            </a:pPr>
+            <a:endParaRPr lang="hu-HU" dirty="0" smtClean="0"/>
+          </a:p>
+          <a:p>
+            <a:endParaRPr lang="hu-HU" dirty="0"/>
           </a:p>
         </p:txBody>
       </p:sp>
@@ -3737,7 +6978,7 @@
     </p:spTree>
     <p:extLst>
       <p:ext uri="{BB962C8B-B14F-4D97-AF65-F5344CB8AC3E}">
-        <p14:creationId xmlns:p14="http://schemas.microsoft.com/office/powerpoint/2010/main" val="1944636713"/>
+        <p14:creationId xmlns:p14="http://schemas.microsoft.com/office/powerpoint/2010/main" val="3464165919"/>
       </p:ext>
     </p:extLst>
   </p:cSld>
@@ -3771,7 +7012,7 @@
             <a:spLocks noGrp="1"/>
           </p:cNvSpPr>
           <p:nvPr>
-            <p:ph type="ctrTitle"/>
+            <p:ph type="title"/>
           </p:nvPr>
         </p:nvSpPr>
         <p:spPr/>
@@ -3781,7 +7022,7 @@
           <a:p>
             <a:r>
               <a:rPr lang="hu-HU" dirty="0" smtClean="0"/>
-              <a:t>Köszönöm a figyelmet!</a:t>
+              <a:t>Web 3.0</a:t>
             </a:r>
             <a:endParaRPr lang="hu-HU" dirty="0"/>
           </a:p>
@@ -3789,27 +7030,46 @@
       </p:sp>
       <p:sp>
         <p:nvSpPr>
-          <p:cNvPr id="3" name="Alcím 2"/>
-          <p:cNvSpPr>
-            <a:spLocks noGrp="1"/>
-          </p:cNvSpPr>
-          <p:nvPr>
-            <p:ph type="subTitle" idx="1"/>
-          </p:nvPr>
-        </p:nvSpPr>
-        <p:spPr/>
-        <p:txBody>
-          <a:bodyPr/>
-          <a:lstStyle/>
-          <a:p>
-            <a:endParaRPr lang="hu-HU" dirty="0"/>
+          <p:cNvPr id="3" name="Tartalom helye 2"/>
+          <p:cNvSpPr>
+            <a:spLocks noGrp="1"/>
+          </p:cNvSpPr>
+          <p:nvPr>
+            <p:ph sz="half" idx="1"/>
+          </p:nvPr>
+        </p:nvSpPr>
+        <p:spPr/>
+        <p:txBody>
+          <a:bodyPr/>
+          <a:lstStyle/>
+          <a:p>
+            <a:endParaRPr lang="hu-HU"/>
+          </a:p>
+        </p:txBody>
+      </p:sp>
+      <p:sp>
+        <p:nvSpPr>
+          <p:cNvPr id="4" name="Tartalom helye 3"/>
+          <p:cNvSpPr>
+            <a:spLocks noGrp="1"/>
+          </p:cNvSpPr>
+          <p:nvPr>
+            <p:ph sz="half" idx="2"/>
+          </p:nvPr>
+        </p:nvSpPr>
+        <p:spPr/>
+        <p:txBody>
+          <a:bodyPr/>
+          <a:lstStyle/>
+          <a:p>
+            <a:endParaRPr lang="hu-HU"/>
           </a:p>
         </p:txBody>
       </p:sp>
     </p:spTree>
     <p:extLst>
       <p:ext uri="{BB962C8B-B14F-4D97-AF65-F5344CB8AC3E}">
-        <p14:creationId xmlns:p14="http://schemas.microsoft.com/office/powerpoint/2010/main" val="2780052122"/>
+        <p14:creationId xmlns:p14="http://schemas.microsoft.com/office/powerpoint/2010/main" val="1944636713"/>
       </p:ext>
     </p:extLst>
   </p:cSld>
@@ -3843,7 +7103,7 @@
             <a:spLocks noGrp="1"/>
           </p:cNvSpPr>
           <p:nvPr>
-            <p:ph type="title"/>
+            <p:ph type="ctrTitle"/>
           </p:nvPr>
         </p:nvSpPr>
         <p:spPr/>
@@ -3853,7 +7113,7 @@
           <a:p>
             <a:r>
               <a:rPr lang="hu-HU" dirty="0" smtClean="0"/>
-              <a:t>Források:</a:t>
+              <a:t>Köszönöm a figyelmet!</a:t>
             </a:r>
             <a:endParaRPr lang="hu-HU" dirty="0"/>
           </a:p>
@@ -3861,71 +7121,12 @@
       </p:sp>
       <p:sp>
         <p:nvSpPr>
-          <p:cNvPr id="3" name="Tartalom helye 2"/>
-          <p:cNvSpPr>
-            <a:spLocks noGrp="1"/>
-          </p:cNvSpPr>
-          <p:nvPr>
-            <p:ph sz="half" idx="1"/>
-          </p:nvPr>
-        </p:nvSpPr>
-        <p:spPr/>
-        <p:txBody>
-          <a:bodyPr/>
-          <a:lstStyle/>
-          <a:p>
-            <a:pPr marL="0" indent="0">
-              <a:buNone/>
-            </a:pPr>
-            <a:r>
-              <a:rPr lang="hu-HU" dirty="0" smtClean="0">
-                <a:hlinkClick r:id="rId2"/>
-              </a:rPr>
-              <a:t>https://tinyurl.com/yc3cchuv</a:t>
-            </a:r>
-          </a:p>
-          <a:p>
-            <a:pPr marL="0" indent="0">
-              <a:buNone/>
-            </a:pPr>
-            <a:r>
-              <a:rPr lang="hu-HU" dirty="0" smtClean="0">
-                <a:hlinkClick r:id="rId2"/>
-              </a:rPr>
-              <a:t>https://tinyurl.com/yc5rrhd3</a:t>
-            </a:r>
-          </a:p>
-          <a:p>
-            <a:pPr marL="0" indent="0">
-              <a:buNone/>
-            </a:pPr>
-            <a:r>
-              <a:rPr lang="hu-HU" dirty="0" smtClean="0">
-                <a:hlinkClick r:id="rId3"/>
-              </a:rPr>
-              <a:t>https://tinyurl.com/bdhz6x5h</a:t>
-            </a:r>
-            <a:r>
-              <a:rPr lang="hu-HU" dirty="0" smtClean="0"/>
-              <a:t>   </a:t>
-            </a:r>
-          </a:p>
-          <a:p>
-            <a:pPr marL="0" indent="0">
-              <a:buNone/>
-            </a:pPr>
-            <a:endParaRPr lang="hu-HU" dirty="0"/>
-          </a:p>
-        </p:txBody>
-      </p:sp>
-      <p:sp>
-        <p:nvSpPr>
-          <p:cNvPr id="4" name="Tartalom helye 3"/>
-          <p:cNvSpPr>
-            <a:spLocks noGrp="1"/>
-          </p:cNvSpPr>
-          <p:nvPr>
-            <p:ph sz="half" idx="2"/>
+          <p:cNvPr id="3" name="Alcím 2"/>
+          <p:cNvSpPr>
+            <a:spLocks noGrp="1"/>
+          </p:cNvSpPr>
+          <p:nvPr>
+            <p:ph type="subTitle" idx="1"/>
           </p:nvPr>
         </p:nvSpPr>
         <p:spPr/>
@@ -3940,7 +7141,7 @@
     </p:spTree>
     <p:extLst>
       <p:ext uri="{BB962C8B-B14F-4D97-AF65-F5344CB8AC3E}">
-        <p14:creationId xmlns:p14="http://schemas.microsoft.com/office/powerpoint/2010/main" val="1440788250"/>
+        <p14:creationId xmlns:p14="http://schemas.microsoft.com/office/powerpoint/2010/main" val="2780052122"/>
       </p:ext>
     </p:extLst>
   </p:cSld>
@@ -3951,9 +7152,9 @@
 </file>
 
 <file path=ppt/theme/theme1.xml><?xml version="1.0" encoding="utf-8"?>
-<a:theme xmlns:a="http://schemas.openxmlformats.org/drawingml/2006/main" name="Office-téma">
+<a:theme xmlns:a="http://schemas.openxmlformats.org/drawingml/2006/main" name="Pala">
   <a:themeElements>
-    <a:clrScheme name="Office">
+    <a:clrScheme name="Pala">
       <a:dk1>
         <a:sysClr val="windowText" lastClr="000000"/>
       </a:dk1>
@@ -3961,52 +7162,52 @@
         <a:sysClr val="window" lastClr="FFFFFF"/>
       </a:lt1>
       <a:dk2>
-        <a:srgbClr val="44546A"/>
+        <a:srgbClr val="212123"/>
       </a:dk2>
       <a:lt2>
-        <a:srgbClr val="E7E6E6"/>
+        <a:srgbClr val="DADADA"/>
       </a:lt2>
       <a:accent1>
-        <a:srgbClr val="5B9BD5"/>
+        <a:srgbClr val="BC451B"/>
       </a:accent1>
       <a:accent2>
-        <a:srgbClr val="ED7D31"/>
+        <a:srgbClr val="D3BA68"/>
       </a:accent2>
       <a:accent3>
-        <a:srgbClr val="A5A5A5"/>
+        <a:srgbClr val="BB8640"/>
       </a:accent3>
       <a:accent4>
-        <a:srgbClr val="FFC000"/>
+        <a:srgbClr val="AD9277"/>
       </a:accent4>
       <a:accent5>
-        <a:srgbClr val="4472C4"/>
+        <a:srgbClr val="A55A43"/>
       </a:accent5>
       <a:accent6>
-        <a:srgbClr val="70AD47"/>
+        <a:srgbClr val="AD9D7B"/>
       </a:accent6>
       <a:hlink>
-        <a:srgbClr val="0563C1"/>
+        <a:srgbClr val="E98052"/>
       </a:hlink>
       <a:folHlink>
-        <a:srgbClr val="954F72"/>
+        <a:srgbClr val="F4B69B"/>
       </a:folHlink>
     </a:clrScheme>
-    <a:fontScheme name="Office">
+    <a:fontScheme name="Pala">
       <a:majorFont>
-        <a:latin typeface="Calibri Light" panose="020F0302020204030204"/>
+        <a:latin typeface="Calisto MT" panose="02040603050505030304"/>
         <a:ea typeface=""/>
         <a:cs typeface=""/>
-        <a:font script="Jpan" typeface="游ゴシック Light"/>
-        <a:font script="Hang" typeface="맑은 고딕"/>
-        <a:font script="Hans" typeface="等线 Light"/>
-        <a:font script="Hant" typeface="新細明體"/>
-        <a:font script="Arab" typeface="Times New Roman"/>
-        <a:font script="Hebr" typeface="Times New Roman"/>
-        <a:font script="Thai" typeface="Angsana New"/>
+        <a:font script="Jpan" typeface="ＭＳ Ｐゴシック"/>
+        <a:font script="Hang" typeface="돋움"/>
+        <a:font script="Hans" typeface="方正舒体"/>
+        <a:font script="Hant" typeface="微軟正黑體"/>
+        <a:font script="Arab" typeface="Arial"/>
+        <a:font script="Hebr" typeface="Arial"/>
+        <a:font script="Thai" typeface="Cordia New"/>
         <a:font script="Ethi" typeface="Nyala"/>
         <a:font script="Beng" typeface="Vrinda"/>
         <a:font script="Gujr" typeface="Shruti"/>
-        <a:font script="Khmr" typeface="MoolBoran"/>
+        <a:font script="Khmr" typeface="DaunPenh"/>
         <a:font script="Knda" typeface="Tunga"/>
         <a:font script="Guru" typeface="Raavi"/>
         <a:font script="Cans" typeface="Euphemia"/>
@@ -4023,18 +7224,18 @@
         <a:font script="Laoo" typeface="DokChampa"/>
         <a:font script="Sinh" typeface="Iskoola Pota"/>
         <a:font script="Mong" typeface="Mongolian Baiti"/>
-        <a:font script="Viet" typeface="Times New Roman"/>
+        <a:font script="Viet" typeface="Arial"/>
         <a:font script="Uigh" typeface="Microsoft Uighur"/>
         <a:font script="Geor" typeface="Sylfaen"/>
       </a:majorFont>
       <a:minorFont>
-        <a:latin typeface="Calibri" panose="020F0502020204030204"/>
+        <a:latin typeface="Calisto MT" panose="02040603050505030304"/>
         <a:ea typeface=""/>
         <a:cs typeface=""/>
-        <a:font script="Jpan" typeface="游ゴシック"/>
-        <a:font script="Hang" typeface="맑은 고딕"/>
-        <a:font script="Hans" typeface="等线"/>
-        <a:font script="Hant" typeface="新細明體"/>
+        <a:font script="Jpan" typeface="ＭＳ Ｐゴシック"/>
+        <a:font script="Hang" typeface="돋움"/>
+        <a:font script="Hans" typeface="方正舒体"/>
+        <a:font script="Hant" typeface="微軟正黑體"/>
         <a:font script="Arab" typeface="Arial"/>
         <a:font script="Hebr" typeface="Arial"/>
         <a:font script="Thai" typeface="Cordia New"/>
@@ -4063,7 +7264,7 @@
         <a:font script="Geor" typeface="Sylfaen"/>
       </a:minorFont>
     </a:fontScheme>
-    <a:fmtScheme name="Office">
+    <a:fmtScheme name="Pala">
       <a:fillStyleLst>
         <a:solidFill>
           <a:schemeClr val="phClr"/>
@@ -4072,23 +7273,13 @@
           <a:gsLst>
             <a:gs pos="0">
               <a:schemeClr val="phClr">
+                <a:tint val="60000"/>
                 <a:lumMod val="110000"/>
-                <a:satMod val="105000"/>
-                <a:tint val="67000"/>
-              </a:schemeClr>
-            </a:gs>
-            <a:gs pos="50000">
-              <a:schemeClr val="phClr">
-                <a:lumMod val="105000"/>
-                <a:satMod val="103000"/>
-                <a:tint val="73000"/>
               </a:schemeClr>
             </a:gs>
             <a:gs pos="100000">
               <a:schemeClr val="phClr">
-                <a:lumMod val="105000"/>
-                <a:satMod val="109000"/>
-                <a:tint val="81000"/>
+                <a:tint val="88000"/>
               </a:schemeClr>
             </a:gs>
           </a:gsLst>
@@ -4098,23 +7289,14 @@
           <a:gsLst>
             <a:gs pos="0">
               <a:schemeClr val="phClr">
-                <a:satMod val="103000"/>
-                <a:lumMod val="102000"/>
-                <a:tint val="94000"/>
-              </a:schemeClr>
-            </a:gs>
-            <a:gs pos="50000">
-              <a:schemeClr val="phClr">
-                <a:satMod val="110000"/>
-                <a:lumMod val="100000"/>
-                <a:shade val="100000"/>
+                <a:tint val="96000"/>
+                <a:lumMod val="104000"/>
               </a:schemeClr>
             </a:gs>
             <a:gs pos="100000">
               <a:schemeClr val="phClr">
-                <a:lumMod val="99000"/>
-                <a:satMod val="120000"/>
-                <a:shade val="78000"/>
+                <a:shade val="90000"/>
+                <a:lumMod val="90000"/>
               </a:schemeClr>
             </a:gs>
           </a:gsLst>
@@ -4122,26 +7304,25 @@
         </a:gradFill>
       </a:fillStyleLst>
       <a:lnStyleLst>
-        <a:ln w="6350" cap="flat" cmpd="sng" algn="ctr">
+        <a:ln w="9525" cap="rnd" cmpd="sng" algn="ctr">
+          <a:solidFill>
+            <a:schemeClr val="phClr">
+              <a:shade val="90000"/>
+            </a:schemeClr>
+          </a:solidFill>
+          <a:prstDash val="solid"/>
+        </a:ln>
+        <a:ln w="15875" cap="rnd" cmpd="sng" algn="ctr">
           <a:solidFill>
             <a:schemeClr val="phClr"/>
           </a:solidFill>
           <a:prstDash val="solid"/>
-          <a:miter lim="800000"/>
         </a:ln>
-        <a:ln w="12700" cap="flat" cmpd="sng" algn="ctr">
+        <a:ln w="25400" cap="rnd" cmpd="sng" algn="ctr">
           <a:solidFill>
             <a:schemeClr val="phClr"/>
           </a:solidFill>
           <a:prstDash val="solid"/>
-          <a:miter lim="800000"/>
-        </a:ln>
-        <a:ln w="19050" cap="flat" cmpd="sng" algn="ctr">
-          <a:solidFill>
-            <a:schemeClr val="phClr"/>
-          </a:solidFill>
-          <a:prstDash val="solid"/>
-          <a:miter lim="800000"/>
         </a:ln>
       </a:lnStyleLst>
       <a:effectStyleLst>
@@ -4149,16 +7330,33 @@
           <a:effectLst/>
         </a:effectStyle>
         <a:effectStyle>
-          <a:effectLst/>
+          <a:effectLst>
+            <a:outerShdw blurRad="63500" dist="25400" dir="5400000" rotWithShape="0">
+              <a:srgbClr val="000000">
+                <a:alpha val="60000"/>
+              </a:srgbClr>
+            </a:outerShdw>
+          </a:effectLst>
         </a:effectStyle>
         <a:effectStyle>
           <a:effectLst>
-            <a:outerShdw blurRad="57150" dist="19050" dir="5400000" algn="ctr" rotWithShape="0">
+            <a:outerShdw blurRad="76200" dist="38100" dir="5400000" rotWithShape="0">
               <a:srgbClr val="000000">
-                <a:alpha val="63000"/>
+                <a:alpha val="75000"/>
               </a:srgbClr>
             </a:outerShdw>
           </a:effectLst>
+          <a:scene3d>
+            <a:camera prst="orthographicFront">
+              <a:rot lat="0" lon="0" rev="0"/>
+            </a:camera>
+            <a:lightRig rig="threePt" dir="t">
+              <a:rot lat="0" lon="0" rev="1200000"/>
+            </a:lightRig>
+          </a:scene3d>
+          <a:sp3d>
+            <a:bevelT w="63500" h="25400" prst="hardEdge"/>
+          </a:sp3d>
         </a:effectStyle>
       </a:effectStyleLst>
       <a:bgFillStyleLst>
@@ -4166,38 +7364,22 @@
           <a:schemeClr val="phClr"/>
         </a:solidFill>
         <a:solidFill>
-          <a:schemeClr val="phClr">
-            <a:tint val="95000"/>
-            <a:satMod val="170000"/>
-          </a:schemeClr>
+          <a:schemeClr val="phClr"/>
         </a:solidFill>
-        <a:gradFill rotWithShape="1">
-          <a:gsLst>
-            <a:gs pos="0">
+        <a:blipFill rotWithShape="1">
+          <a:blip xmlns:r="http://schemas.openxmlformats.org/officeDocument/2006/relationships" r:embed="rId1">
+            <a:duotone>
               <a:schemeClr val="phClr">
-                <a:tint val="93000"/>
-                <a:satMod val="150000"/>
-                <a:shade val="98000"/>
-                <a:lumMod val="102000"/>
+                <a:shade val="80000"/>
+                <a:lumMod val="80000"/>
               </a:schemeClr>
-            </a:gs>
-            <a:gs pos="50000">
               <a:schemeClr val="phClr">
                 <a:tint val="98000"/>
-                <a:satMod val="130000"/>
-                <a:shade val="90000"/>
-                <a:lumMod val="103000"/>
               </a:schemeClr>
-            </a:gs>
-            <a:gs pos="100000">
-              <a:schemeClr val="phClr">
-                <a:shade val="63000"/>
-                <a:satMod val="120000"/>
-              </a:schemeClr>
-            </a:gs>
-          </a:gsLst>
-          <a:lin ang="5400000" scaled="0"/>
-        </a:gradFill>
+            </a:duotone>
+          </a:blip>
+          <a:stretch/>
+        </a:blipFill>
       </a:bgFillStyleLst>
     </a:fmtScheme>
   </a:themeElements>
@@ -4205,7 +7387,7 @@
   <a:extraClrSchemeLst/>
   <a:extLst>
     <a:ext uri="{05A4C25C-085E-4340-85A3-A5531E510DB2}">
-      <thm15:themeFamily xmlns:thm15="http://schemas.microsoft.com/office/thememl/2012/main" name="Office Theme" id="{62F939B6-93AF-4DB8-9C6B-D6C7DFDC589F}" vid="{4A3C46E8-61CC-4603-A589-7422A47A8E4A}"/>
+      <thm15:themeFamily xmlns:thm15="http://schemas.microsoft.com/office/thememl/2012/main" name="Slate" id="{C3F70B94-7CE9-428E-ADC1-3269CC2C3385}" vid="{3F2DE9A5-64E6-437C-A389-CC4477E817E8}"/>
     </a:ext>
   </a:extLst>
 </a:theme>

--- a/Web 2.0.pptx
+++ b/Web 2.0.pptx
@@ -165,7 +165,7 @@
           </a:lstStyle>
           <a:p>
             <a:r>
-              <a:rPr lang="hu-HU" smtClean="0"/>
+              <a:rPr lang="hu-HU"/>
               <a:t>Mintacím szerkesztése</a:t>
             </a:r>
             <a:endParaRPr lang="en-US" dirty="0"/>
@@ -282,7 +282,7 @@
           </a:lstStyle>
           <a:p>
             <a:r>
-              <a:rPr lang="hu-HU" smtClean="0"/>
+              <a:rPr lang="hu-HU"/>
               <a:t>Kattintson ide az alcím mintájának szerkesztéséhez</a:t>
             </a:r>
             <a:endParaRPr lang="en-US" dirty="0"/>
@@ -306,7 +306,7 @@
           <a:p>
             <a:fld id="{CE904122-5843-4DE5-B716-8C27E94EF1F8}" type="datetimeFigureOut">
               <a:rPr lang="hu-HU" smtClean="0"/>
-              <a:t>2022.09.15.</a:t>
+              <a:t>2022. 09. 19.</a:t>
             </a:fld>
             <a:endParaRPr lang="hu-HU"/>
           </a:p>
@@ -441,7 +441,7 @@
           </a:lstStyle>
           <a:p>
             <a:r>
-              <a:rPr lang="hu-HU" smtClean="0"/>
+              <a:rPr lang="hu-HU"/>
               <a:t>Mintacím szerkesztése</a:t>
             </a:r>
             <a:endParaRPr lang="en-US" dirty="0"/>
@@ -515,7 +515,7 @@
           </a:lstStyle>
           <a:p>
             <a:r>
-              <a:rPr lang="hu-HU" smtClean="0"/>
+              <a:rPr lang="hu-HU"/>
               <a:t>Kép beszúrásához kattintson az ikonra</a:t>
             </a:r>
             <a:endParaRPr lang="en-US" dirty="0"/>
@@ -581,7 +581,7 @@
           <a:p>
             <a:pPr lvl="0"/>
             <a:r>
-              <a:rPr lang="hu-HU" smtClean="0"/>
+              <a:rPr lang="hu-HU"/>
               <a:t>Mintaszöveg szerkesztése</a:t>
             </a:r>
           </a:p>
@@ -604,7 +604,7 @@
           <a:p>
             <a:fld id="{CE904122-5843-4DE5-B716-8C27E94EF1F8}" type="datetimeFigureOut">
               <a:rPr lang="hu-HU" smtClean="0"/>
-              <a:t>2022.09.15.</a:t>
+              <a:t>2022. 09. 19.</a:t>
             </a:fld>
             <a:endParaRPr lang="hu-HU"/>
           </a:p>
@@ -707,7 +707,7 @@
           </a:lstStyle>
           <a:p>
             <a:r>
-              <a:rPr lang="hu-HU" smtClean="0"/>
+              <a:rPr lang="hu-HU"/>
               <a:t>Mintacím szerkesztése</a:t>
             </a:r>
             <a:endParaRPr lang="en-US" dirty="0"/>
@@ -773,7 +773,7 @@
           <a:p>
             <a:pPr lvl="0"/>
             <a:r>
-              <a:rPr lang="hu-HU" smtClean="0"/>
+              <a:rPr lang="hu-HU"/>
               <a:t>Mintaszöveg szerkesztése</a:t>
             </a:r>
           </a:p>
@@ -796,7 +796,7 @@
           <a:p>
             <a:fld id="{CE904122-5843-4DE5-B716-8C27E94EF1F8}" type="datetimeFigureOut">
               <a:rPr lang="hu-HU" smtClean="0"/>
-              <a:t>2022.09.15.</a:t>
+              <a:t>2022. 09. 19.</a:t>
             </a:fld>
             <a:endParaRPr lang="hu-HU"/>
           </a:p>
@@ -899,7 +899,7 @@
           </a:lstStyle>
           <a:p>
             <a:r>
-              <a:rPr lang="hu-HU" smtClean="0"/>
+              <a:rPr lang="hu-HU"/>
               <a:t>Mintacím szerkesztése</a:t>
             </a:r>
             <a:endParaRPr lang="en-US" dirty="0"/>
@@ -967,7 +967,7 @@
           <a:p>
             <a:pPr lvl="0"/>
             <a:r>
-              <a:rPr lang="hu-HU" smtClean="0"/>
+              <a:rPr lang="hu-HU"/>
               <a:t>Mintaszöveg szerkesztése</a:t>
             </a:r>
           </a:p>
@@ -1034,7 +1034,7 @@
           <a:p>
             <a:pPr lvl="0"/>
             <a:r>
-              <a:rPr lang="hu-HU" smtClean="0"/>
+              <a:rPr lang="hu-HU"/>
               <a:t>Mintaszöveg szerkesztése</a:t>
             </a:r>
           </a:p>
@@ -1057,7 +1057,7 @@
           <a:p>
             <a:fld id="{CE904122-5843-4DE5-B716-8C27E94EF1F8}" type="datetimeFigureOut">
               <a:rPr lang="hu-HU" smtClean="0"/>
-              <a:t>2022.09.15.</a:t>
+              <a:t>2022. 09. 19.</a:t>
             </a:fld>
             <a:endParaRPr lang="hu-HU"/>
           </a:p>
@@ -1392,7 +1392,7 @@
           </a:lstStyle>
           <a:p>
             <a:r>
-              <a:rPr lang="hu-HU" smtClean="0"/>
+              <a:rPr lang="hu-HU"/>
               <a:t>Mintacím szerkesztése</a:t>
             </a:r>
             <a:endParaRPr lang="en-US" dirty="0"/>
@@ -1458,7 +1458,7 @@
           <a:p>
             <a:pPr lvl="0"/>
             <a:r>
-              <a:rPr lang="hu-HU" smtClean="0"/>
+              <a:rPr lang="hu-HU"/>
               <a:t>Mintaszöveg szerkesztése</a:t>
             </a:r>
           </a:p>
@@ -1481,7 +1481,7 @@
           <a:p>
             <a:fld id="{CE904122-5843-4DE5-B716-8C27E94EF1F8}" type="datetimeFigureOut">
               <a:rPr lang="hu-HU" smtClean="0"/>
-              <a:t>2022.09.15.</a:t>
+              <a:t>2022. 09. 19.</a:t>
             </a:fld>
             <a:endParaRPr lang="hu-HU"/>
           </a:p>
@@ -1580,7 +1580,7 @@
           <a:lstStyle/>
           <a:p>
             <a:r>
-              <a:rPr lang="hu-HU" smtClean="0"/>
+              <a:rPr lang="hu-HU"/>
               <a:t>Mintacím szerkesztése</a:t>
             </a:r>
             <a:endParaRPr lang="en-US" dirty="0"/>
@@ -1652,7 +1652,7 @@
           <a:p>
             <a:pPr lvl="0"/>
             <a:r>
-              <a:rPr lang="hu-HU" smtClean="0"/>
+              <a:rPr lang="hu-HU"/>
               <a:t>Mintaszöveg szerkesztése</a:t>
             </a:r>
           </a:p>
@@ -1719,7 +1719,7 @@
           <a:p>
             <a:pPr lvl="0"/>
             <a:r>
-              <a:rPr lang="hu-HU" smtClean="0"/>
+              <a:rPr lang="hu-HU"/>
               <a:t>Mintaszöveg szerkesztése</a:t>
             </a:r>
           </a:p>
@@ -1790,7 +1790,7 @@
           <a:p>
             <a:pPr lvl="0"/>
             <a:r>
-              <a:rPr lang="hu-HU" smtClean="0"/>
+              <a:rPr lang="hu-HU"/>
               <a:t>Mintaszöveg szerkesztése</a:t>
             </a:r>
           </a:p>
@@ -1857,7 +1857,7 @@
           <a:p>
             <a:pPr lvl="0"/>
             <a:r>
-              <a:rPr lang="hu-HU" smtClean="0"/>
+              <a:rPr lang="hu-HU"/>
               <a:t>Mintaszöveg szerkesztése</a:t>
             </a:r>
           </a:p>
@@ -1928,7 +1928,7 @@
           <a:p>
             <a:pPr lvl="0"/>
             <a:r>
-              <a:rPr lang="hu-HU" smtClean="0"/>
+              <a:rPr lang="hu-HU"/>
               <a:t>Mintaszöveg szerkesztése</a:t>
             </a:r>
           </a:p>
@@ -1995,7 +1995,7 @@
           <a:p>
             <a:pPr lvl="0"/>
             <a:r>
-              <a:rPr lang="hu-HU" smtClean="0"/>
+              <a:rPr lang="hu-HU"/>
               <a:t>Mintaszöveg szerkesztése</a:t>
             </a:r>
           </a:p>
@@ -2018,7 +2018,7 @@
           <a:p>
             <a:fld id="{CE904122-5843-4DE5-B716-8C27E94EF1F8}" type="datetimeFigureOut">
               <a:rPr lang="hu-HU" smtClean="0"/>
-              <a:t>2022.09.15.</a:t>
+              <a:t>2022. 09. 19.</a:t>
             </a:fld>
             <a:endParaRPr lang="hu-HU"/>
           </a:p>
@@ -2207,7 +2207,7 @@
           <a:lstStyle/>
           <a:p>
             <a:r>
-              <a:rPr lang="hu-HU" smtClean="0"/>
+              <a:rPr lang="hu-HU"/>
               <a:t>Mintacím szerkesztése</a:t>
             </a:r>
             <a:endParaRPr lang="en-US" dirty="0"/>
@@ -2279,7 +2279,7 @@
           <a:p>
             <a:pPr lvl="0"/>
             <a:r>
-              <a:rPr lang="hu-HU" smtClean="0"/>
+              <a:rPr lang="hu-HU"/>
               <a:t>Mintaszöveg szerkesztése</a:t>
             </a:r>
           </a:p>
@@ -2357,7 +2357,7 @@
           </a:lstStyle>
           <a:p>
             <a:r>
-              <a:rPr lang="hu-HU" smtClean="0"/>
+              <a:rPr lang="hu-HU"/>
               <a:t>Kép beszúrásához kattintson az ikonra</a:t>
             </a:r>
             <a:endParaRPr lang="en-US" dirty="0"/>
@@ -2425,7 +2425,7 @@
           <a:p>
             <a:pPr lvl="0"/>
             <a:r>
-              <a:rPr lang="hu-HU" smtClean="0"/>
+              <a:rPr lang="hu-HU"/>
               <a:t>Mintaszöveg szerkesztése</a:t>
             </a:r>
           </a:p>
@@ -2496,7 +2496,7 @@
           <a:p>
             <a:pPr lvl="0"/>
             <a:r>
-              <a:rPr lang="hu-HU" smtClean="0"/>
+              <a:rPr lang="hu-HU"/>
               <a:t>Mintaszöveg szerkesztése</a:t>
             </a:r>
           </a:p>
@@ -2574,7 +2574,7 @@
           </a:lstStyle>
           <a:p>
             <a:r>
-              <a:rPr lang="hu-HU" smtClean="0"/>
+              <a:rPr lang="hu-HU"/>
               <a:t>Kép beszúrásához kattintson az ikonra</a:t>
             </a:r>
             <a:endParaRPr lang="en-US" dirty="0"/>
@@ -2642,7 +2642,7 @@
           <a:p>
             <a:pPr lvl="0"/>
             <a:r>
-              <a:rPr lang="hu-HU" smtClean="0"/>
+              <a:rPr lang="hu-HU"/>
               <a:t>Mintaszöveg szerkesztése</a:t>
             </a:r>
           </a:p>
@@ -2713,7 +2713,7 @@
           <a:p>
             <a:pPr lvl="0"/>
             <a:r>
-              <a:rPr lang="hu-HU" smtClean="0"/>
+              <a:rPr lang="hu-HU"/>
               <a:t>Mintaszöveg szerkesztése</a:t>
             </a:r>
           </a:p>
@@ -2791,7 +2791,7 @@
           </a:lstStyle>
           <a:p>
             <a:r>
-              <a:rPr lang="hu-HU" smtClean="0"/>
+              <a:rPr lang="hu-HU"/>
               <a:t>Kép beszúrásához kattintson az ikonra</a:t>
             </a:r>
             <a:endParaRPr lang="en-US" dirty="0"/>
@@ -2859,7 +2859,7 @@
           <a:p>
             <a:pPr lvl="0"/>
             <a:r>
-              <a:rPr lang="hu-HU" smtClean="0"/>
+              <a:rPr lang="hu-HU"/>
               <a:t>Mintaszöveg szerkesztése</a:t>
             </a:r>
           </a:p>
@@ -2882,7 +2882,7 @@
           <a:p>
             <a:fld id="{CE904122-5843-4DE5-B716-8C27E94EF1F8}" type="datetimeFigureOut">
               <a:rPr lang="hu-HU" smtClean="0"/>
-              <a:t>2022.09.15.</a:t>
+              <a:t>2022. 09. 19.</a:t>
             </a:fld>
             <a:endParaRPr lang="hu-HU"/>
           </a:p>
@@ -2976,7 +2976,7 @@
           <a:lstStyle/>
           <a:p>
             <a:r>
-              <a:rPr lang="hu-HU" smtClean="0"/>
+              <a:rPr lang="hu-HU"/>
               <a:t>Mintacím szerkesztése</a:t>
             </a:r>
             <a:endParaRPr lang="en-US" dirty="0"/>
@@ -3000,35 +3000,35 @@
           <a:p>
             <a:pPr lvl="0"/>
             <a:r>
-              <a:rPr lang="hu-HU" smtClean="0"/>
+              <a:rPr lang="hu-HU"/>
               <a:t>Mintaszöveg szerkesztése</a:t>
             </a:r>
           </a:p>
           <a:p>
             <a:pPr lvl="1"/>
             <a:r>
-              <a:rPr lang="hu-HU" smtClean="0"/>
+              <a:rPr lang="hu-HU"/>
               <a:t>Második szint</a:t>
             </a:r>
           </a:p>
           <a:p>
             <a:pPr lvl="2"/>
             <a:r>
-              <a:rPr lang="hu-HU" smtClean="0"/>
+              <a:rPr lang="hu-HU"/>
               <a:t>Harmadik szint</a:t>
             </a:r>
           </a:p>
           <a:p>
             <a:pPr lvl="3"/>
             <a:r>
-              <a:rPr lang="hu-HU" smtClean="0"/>
+              <a:rPr lang="hu-HU"/>
               <a:t>Negyedik szint</a:t>
             </a:r>
           </a:p>
           <a:p>
             <a:pPr lvl="4"/>
             <a:r>
-              <a:rPr lang="hu-HU" smtClean="0"/>
+              <a:rPr lang="hu-HU"/>
               <a:t>Ötödik szint</a:t>
             </a:r>
             <a:endParaRPr lang="en-US" dirty="0"/>
@@ -3052,7 +3052,7 @@
           <a:p>
             <a:fld id="{CE904122-5843-4DE5-B716-8C27E94EF1F8}" type="datetimeFigureOut">
               <a:rPr lang="hu-HU" smtClean="0"/>
-              <a:t>2022.09.15.</a:t>
+              <a:t>2022. 09. 19.</a:t>
             </a:fld>
             <a:endParaRPr lang="hu-HU"/>
           </a:p>
@@ -3155,7 +3155,7 @@
           </a:lstStyle>
           <a:p>
             <a:r>
-              <a:rPr lang="hu-HU" smtClean="0"/>
+              <a:rPr lang="hu-HU"/>
               <a:t>Mintacím szerkesztése</a:t>
             </a:r>
             <a:endParaRPr lang="en-US" dirty="0"/>
@@ -3184,35 +3184,35 @@
           <a:p>
             <a:pPr lvl="0"/>
             <a:r>
-              <a:rPr lang="hu-HU" smtClean="0"/>
+              <a:rPr lang="hu-HU"/>
               <a:t>Mintaszöveg szerkesztése</a:t>
             </a:r>
           </a:p>
           <a:p>
             <a:pPr lvl="1"/>
             <a:r>
-              <a:rPr lang="hu-HU" smtClean="0"/>
+              <a:rPr lang="hu-HU"/>
               <a:t>Második szint</a:t>
             </a:r>
           </a:p>
           <a:p>
             <a:pPr lvl="2"/>
             <a:r>
-              <a:rPr lang="hu-HU" smtClean="0"/>
+              <a:rPr lang="hu-HU"/>
               <a:t>Harmadik szint</a:t>
             </a:r>
           </a:p>
           <a:p>
             <a:pPr lvl="3"/>
             <a:r>
-              <a:rPr lang="hu-HU" smtClean="0"/>
+              <a:rPr lang="hu-HU"/>
               <a:t>Negyedik szint</a:t>
             </a:r>
           </a:p>
           <a:p>
             <a:pPr lvl="4"/>
             <a:r>
-              <a:rPr lang="hu-HU" smtClean="0"/>
+              <a:rPr lang="hu-HU"/>
               <a:t>Ötödik szint</a:t>
             </a:r>
             <a:endParaRPr lang="en-US" dirty="0"/>
@@ -3236,7 +3236,7 @@
           <a:p>
             <a:fld id="{CE904122-5843-4DE5-B716-8C27E94EF1F8}" type="datetimeFigureOut">
               <a:rPr lang="hu-HU" smtClean="0"/>
-              <a:t>2022.09.15.</a:t>
+              <a:t>2022. 09. 19.</a:t>
             </a:fld>
             <a:endParaRPr lang="hu-HU"/>
           </a:p>
@@ -3330,7 +3330,7 @@
           <a:lstStyle/>
           <a:p>
             <a:r>
-              <a:rPr lang="hu-HU" smtClean="0"/>
+              <a:rPr lang="hu-HU"/>
               <a:t>Mintacím szerkesztése</a:t>
             </a:r>
             <a:endParaRPr lang="en-US" dirty="0"/>
@@ -3354,35 +3354,35 @@
           <a:p>
             <a:pPr lvl="0"/>
             <a:r>
-              <a:rPr lang="hu-HU" smtClean="0"/>
+              <a:rPr lang="hu-HU"/>
               <a:t>Mintaszöveg szerkesztése</a:t>
             </a:r>
           </a:p>
           <a:p>
             <a:pPr lvl="1"/>
             <a:r>
-              <a:rPr lang="hu-HU" smtClean="0"/>
+              <a:rPr lang="hu-HU"/>
               <a:t>Második szint</a:t>
             </a:r>
           </a:p>
           <a:p>
             <a:pPr lvl="2"/>
             <a:r>
-              <a:rPr lang="hu-HU" smtClean="0"/>
+              <a:rPr lang="hu-HU"/>
               <a:t>Harmadik szint</a:t>
             </a:r>
           </a:p>
           <a:p>
             <a:pPr lvl="3"/>
             <a:r>
-              <a:rPr lang="hu-HU" smtClean="0"/>
+              <a:rPr lang="hu-HU"/>
               <a:t>Negyedik szint</a:t>
             </a:r>
           </a:p>
           <a:p>
             <a:pPr lvl="4"/>
             <a:r>
-              <a:rPr lang="hu-HU" smtClean="0"/>
+              <a:rPr lang="hu-HU"/>
               <a:t>Ötödik szint</a:t>
             </a:r>
             <a:endParaRPr lang="en-US" dirty="0"/>
@@ -3406,7 +3406,7 @@
           <a:p>
             <a:fld id="{CE904122-5843-4DE5-B716-8C27E94EF1F8}" type="datetimeFigureOut">
               <a:rPr lang="hu-HU" smtClean="0"/>
-              <a:t>2022.09.15.</a:t>
+              <a:t>2022. 09. 19.</a:t>
             </a:fld>
             <a:endParaRPr lang="hu-HU"/>
           </a:p>
@@ -3509,7 +3509,7 @@
           </a:lstStyle>
           <a:p>
             <a:r>
-              <a:rPr lang="hu-HU" smtClean="0"/>
+              <a:rPr lang="hu-HU"/>
               <a:t>Mintacím szerkesztése</a:t>
             </a:r>
             <a:endParaRPr lang="en-US" dirty="0"/>
@@ -3627,7 +3627,7 @@
           <a:p>
             <a:pPr lvl="0"/>
             <a:r>
-              <a:rPr lang="hu-HU" smtClean="0"/>
+              <a:rPr lang="hu-HU"/>
               <a:t>Mintaszöveg szerkesztése</a:t>
             </a:r>
           </a:p>
@@ -3650,7 +3650,7 @@
           <a:p>
             <a:fld id="{CE904122-5843-4DE5-B716-8C27E94EF1F8}" type="datetimeFigureOut">
               <a:rPr lang="hu-HU" smtClean="0"/>
-              <a:t>2022.09.15.</a:t>
+              <a:t>2022. 09. 19.</a:t>
             </a:fld>
             <a:endParaRPr lang="hu-HU"/>
           </a:p>
@@ -3744,7 +3744,7 @@
           <a:lstStyle/>
           <a:p>
             <a:r>
-              <a:rPr lang="hu-HU" smtClean="0"/>
+              <a:rPr lang="hu-HU"/>
               <a:t>Mintacím szerkesztése</a:t>
             </a:r>
             <a:endParaRPr lang="en-US" dirty="0"/>
@@ -3775,35 +3775,35 @@
           <a:p>
             <a:pPr lvl="0"/>
             <a:r>
-              <a:rPr lang="hu-HU" smtClean="0"/>
+              <a:rPr lang="hu-HU"/>
               <a:t>Mintaszöveg szerkesztése</a:t>
             </a:r>
           </a:p>
           <a:p>
             <a:pPr lvl="1"/>
             <a:r>
-              <a:rPr lang="hu-HU" smtClean="0"/>
+              <a:rPr lang="hu-HU"/>
               <a:t>Második szint</a:t>
             </a:r>
           </a:p>
           <a:p>
             <a:pPr lvl="2"/>
             <a:r>
-              <a:rPr lang="hu-HU" smtClean="0"/>
+              <a:rPr lang="hu-HU"/>
               <a:t>Harmadik szint</a:t>
             </a:r>
           </a:p>
           <a:p>
             <a:pPr lvl="3"/>
             <a:r>
-              <a:rPr lang="hu-HU" smtClean="0"/>
+              <a:rPr lang="hu-HU"/>
               <a:t>Negyedik szint</a:t>
             </a:r>
           </a:p>
           <a:p>
             <a:pPr lvl="4"/>
             <a:r>
-              <a:rPr lang="hu-HU" smtClean="0"/>
+              <a:rPr lang="hu-HU"/>
               <a:t>Ötödik szint</a:t>
             </a:r>
             <a:endParaRPr lang="en-US" dirty="0"/>
@@ -3834,35 +3834,35 @@
           <a:p>
             <a:pPr lvl="0"/>
             <a:r>
-              <a:rPr lang="hu-HU" smtClean="0"/>
+              <a:rPr lang="hu-HU"/>
               <a:t>Mintaszöveg szerkesztése</a:t>
             </a:r>
           </a:p>
           <a:p>
             <a:pPr lvl="1"/>
             <a:r>
-              <a:rPr lang="hu-HU" smtClean="0"/>
+              <a:rPr lang="hu-HU"/>
               <a:t>Második szint</a:t>
             </a:r>
           </a:p>
           <a:p>
             <a:pPr lvl="2"/>
             <a:r>
-              <a:rPr lang="hu-HU" smtClean="0"/>
+              <a:rPr lang="hu-HU"/>
               <a:t>Harmadik szint</a:t>
             </a:r>
           </a:p>
           <a:p>
             <a:pPr lvl="3"/>
             <a:r>
-              <a:rPr lang="hu-HU" smtClean="0"/>
+              <a:rPr lang="hu-HU"/>
               <a:t>Negyedik szint</a:t>
             </a:r>
           </a:p>
           <a:p>
             <a:pPr lvl="4"/>
             <a:r>
-              <a:rPr lang="hu-HU" smtClean="0"/>
+              <a:rPr lang="hu-HU"/>
               <a:t>Ötödik szint</a:t>
             </a:r>
             <a:endParaRPr lang="en-US" dirty="0"/>
@@ -3886,7 +3886,7 @@
           <a:p>
             <a:fld id="{CE904122-5843-4DE5-B716-8C27E94EF1F8}" type="datetimeFigureOut">
               <a:rPr lang="hu-HU" smtClean="0"/>
-              <a:t>2022.09.15.</a:t>
+              <a:t>2022. 09. 19.</a:t>
             </a:fld>
             <a:endParaRPr lang="hu-HU"/>
           </a:p>
@@ -4044,7 +4044,7 @@
           </a:lstStyle>
           <a:p>
             <a:r>
-              <a:rPr lang="hu-HU" smtClean="0"/>
+              <a:rPr lang="hu-HU"/>
               <a:t>Mintacím szerkesztése</a:t>
             </a:r>
             <a:endParaRPr lang="en-US" dirty="0"/>
@@ -4112,7 +4112,7 @@
           <a:p>
             <a:pPr lvl="0"/>
             <a:r>
-              <a:rPr lang="hu-HU" smtClean="0"/>
+              <a:rPr lang="hu-HU"/>
               <a:t>Mintaszöveg szerkesztése</a:t>
             </a:r>
           </a:p>
@@ -4158,35 +4158,35 @@
           <a:p>
             <a:pPr lvl="0"/>
             <a:r>
-              <a:rPr lang="hu-HU" smtClean="0"/>
+              <a:rPr lang="hu-HU"/>
               <a:t>Mintaszöveg szerkesztése</a:t>
             </a:r>
           </a:p>
           <a:p>
             <a:pPr lvl="1"/>
             <a:r>
-              <a:rPr lang="hu-HU" smtClean="0"/>
+              <a:rPr lang="hu-HU"/>
               <a:t>Második szint</a:t>
             </a:r>
           </a:p>
           <a:p>
             <a:pPr lvl="2"/>
             <a:r>
-              <a:rPr lang="hu-HU" smtClean="0"/>
+              <a:rPr lang="hu-HU"/>
               <a:t>Harmadik szint</a:t>
             </a:r>
           </a:p>
           <a:p>
             <a:pPr lvl="3"/>
             <a:r>
-              <a:rPr lang="hu-HU" smtClean="0"/>
+              <a:rPr lang="hu-HU"/>
               <a:t>Negyedik szint</a:t>
             </a:r>
           </a:p>
           <a:p>
             <a:pPr lvl="4"/>
             <a:r>
-              <a:rPr lang="hu-HU" smtClean="0"/>
+              <a:rPr lang="hu-HU"/>
               <a:t>Ötödik szint</a:t>
             </a:r>
             <a:endParaRPr lang="en-US" dirty="0"/>
@@ -4254,7 +4254,7 @@
           <a:p>
             <a:pPr lvl="0"/>
             <a:r>
-              <a:rPr lang="hu-HU" smtClean="0"/>
+              <a:rPr lang="hu-HU"/>
               <a:t>Mintaszöveg szerkesztése</a:t>
             </a:r>
           </a:p>
@@ -4300,35 +4300,35 @@
           <a:p>
             <a:pPr lvl="0"/>
             <a:r>
-              <a:rPr lang="hu-HU" smtClean="0"/>
+              <a:rPr lang="hu-HU"/>
               <a:t>Mintaszöveg szerkesztése</a:t>
             </a:r>
           </a:p>
           <a:p>
             <a:pPr lvl="1"/>
             <a:r>
-              <a:rPr lang="hu-HU" smtClean="0"/>
+              <a:rPr lang="hu-HU"/>
               <a:t>Második szint</a:t>
             </a:r>
           </a:p>
           <a:p>
             <a:pPr lvl="2"/>
             <a:r>
-              <a:rPr lang="hu-HU" smtClean="0"/>
+              <a:rPr lang="hu-HU"/>
               <a:t>Harmadik szint</a:t>
             </a:r>
           </a:p>
           <a:p>
             <a:pPr lvl="3"/>
             <a:r>
-              <a:rPr lang="hu-HU" smtClean="0"/>
+              <a:rPr lang="hu-HU"/>
               <a:t>Negyedik szint</a:t>
             </a:r>
           </a:p>
           <a:p>
             <a:pPr lvl="4"/>
             <a:r>
-              <a:rPr lang="hu-HU" smtClean="0"/>
+              <a:rPr lang="hu-HU"/>
               <a:t>Ötödik szint</a:t>
             </a:r>
             <a:endParaRPr lang="en-US" dirty="0"/>
@@ -4352,7 +4352,7 @@
           <a:p>
             <a:fld id="{CE904122-5843-4DE5-B716-8C27E94EF1F8}" type="datetimeFigureOut">
               <a:rPr lang="hu-HU" smtClean="0"/>
-              <a:t>2022.09.15.</a:t>
+              <a:t>2022. 09. 19.</a:t>
             </a:fld>
             <a:endParaRPr lang="hu-HU"/>
           </a:p>
@@ -4446,7 +4446,7 @@
           <a:lstStyle/>
           <a:p>
             <a:r>
-              <a:rPr lang="hu-HU" smtClean="0"/>
+              <a:rPr lang="hu-HU"/>
               <a:t>Mintacím szerkesztése</a:t>
             </a:r>
             <a:endParaRPr lang="en-US" dirty="0"/>
@@ -4470,7 +4470,7 @@
           <a:p>
             <a:fld id="{CE904122-5843-4DE5-B716-8C27E94EF1F8}" type="datetimeFigureOut">
               <a:rPr lang="hu-HU" smtClean="0"/>
-              <a:t>2022.09.15.</a:t>
+              <a:t>2022. 09. 19.</a:t>
             </a:fld>
             <a:endParaRPr lang="hu-HU"/>
           </a:p>
@@ -4565,7 +4565,7 @@
           <a:p>
             <a:fld id="{CE904122-5843-4DE5-B716-8C27E94EF1F8}" type="datetimeFigureOut">
               <a:rPr lang="hu-HU" smtClean="0"/>
-              <a:t>2022.09.15.</a:t>
+              <a:t>2022. 09. 19.</a:t>
             </a:fld>
             <a:endParaRPr lang="hu-HU"/>
           </a:p>
@@ -4670,7 +4670,7 @@
           </a:lstStyle>
           <a:p>
             <a:r>
-              <a:rPr lang="hu-HU" smtClean="0"/>
+              <a:rPr lang="hu-HU"/>
               <a:t>Mintacím szerkesztése</a:t>
             </a:r>
             <a:endParaRPr lang="en-US" dirty="0"/>
@@ -4701,35 +4701,35 @@
           <a:p>
             <a:pPr lvl="0"/>
             <a:r>
-              <a:rPr lang="hu-HU" smtClean="0"/>
+              <a:rPr lang="hu-HU"/>
               <a:t>Mintaszöveg szerkesztése</a:t>
             </a:r>
           </a:p>
           <a:p>
             <a:pPr lvl="1"/>
             <a:r>
-              <a:rPr lang="hu-HU" smtClean="0"/>
+              <a:rPr lang="hu-HU"/>
               <a:t>Második szint</a:t>
             </a:r>
           </a:p>
           <a:p>
             <a:pPr lvl="2"/>
             <a:r>
-              <a:rPr lang="hu-HU" smtClean="0"/>
+              <a:rPr lang="hu-HU"/>
               <a:t>Harmadik szint</a:t>
             </a:r>
           </a:p>
           <a:p>
             <a:pPr lvl="3"/>
             <a:r>
-              <a:rPr lang="hu-HU" smtClean="0"/>
+              <a:rPr lang="hu-HU"/>
               <a:t>Negyedik szint</a:t>
             </a:r>
           </a:p>
           <a:p>
             <a:pPr lvl="4"/>
             <a:r>
-              <a:rPr lang="hu-HU" smtClean="0"/>
+              <a:rPr lang="hu-HU"/>
               <a:t>Ötödik szint</a:t>
             </a:r>
             <a:endParaRPr lang="en-US" dirty="0"/>
@@ -4797,7 +4797,7 @@
           <a:p>
             <a:pPr lvl="0"/>
             <a:r>
-              <a:rPr lang="hu-HU" smtClean="0"/>
+              <a:rPr lang="hu-HU"/>
               <a:t>Mintaszöveg szerkesztése</a:t>
             </a:r>
           </a:p>
@@ -4820,7 +4820,7 @@
           <a:p>
             <a:fld id="{CE904122-5843-4DE5-B716-8C27E94EF1F8}" type="datetimeFigureOut">
               <a:rPr lang="hu-HU" smtClean="0"/>
-              <a:t>2022.09.15.</a:t>
+              <a:t>2022. 09. 19.</a:t>
             </a:fld>
             <a:endParaRPr lang="hu-HU"/>
           </a:p>
@@ -4955,7 +4955,7 @@
           </a:lstStyle>
           <a:p>
             <a:r>
-              <a:rPr lang="hu-HU" smtClean="0"/>
+              <a:rPr lang="hu-HU"/>
               <a:t>Mintacím szerkesztése</a:t>
             </a:r>
             <a:endParaRPr lang="en-US" dirty="0"/>
@@ -5029,7 +5029,7 @@
           </a:lstStyle>
           <a:p>
             <a:r>
-              <a:rPr lang="hu-HU" smtClean="0"/>
+              <a:rPr lang="hu-HU"/>
               <a:t>Kép beszúrásához kattintson az ikonra</a:t>
             </a:r>
             <a:endParaRPr lang="en-US" dirty="0"/>
@@ -5097,7 +5097,7 @@
           <a:p>
             <a:pPr lvl="0"/>
             <a:r>
-              <a:rPr lang="hu-HU" smtClean="0"/>
+              <a:rPr lang="hu-HU"/>
               <a:t>Mintaszöveg szerkesztése</a:t>
             </a:r>
           </a:p>
@@ -5120,7 +5120,7 @@
           <a:p>
             <a:fld id="{CE904122-5843-4DE5-B716-8C27E94EF1F8}" type="datetimeFigureOut">
               <a:rPr lang="hu-HU" smtClean="0"/>
-              <a:t>2022.09.15.</a:t>
+              <a:t>2022. 09. 19.</a:t>
             </a:fld>
             <a:endParaRPr lang="hu-HU"/>
           </a:p>
@@ -5236,7 +5236,7 @@
           <a:lstStyle/>
           <a:p>
             <a:r>
-              <a:rPr lang="hu-HU" smtClean="0"/>
+              <a:rPr lang="hu-HU"/>
               <a:t>Mintacím szerkesztése</a:t>
             </a:r>
             <a:endParaRPr lang="en-US" dirty="0"/>
@@ -5277,35 +5277,35 @@
           <a:p>
             <a:pPr lvl="0"/>
             <a:r>
-              <a:rPr lang="hu-HU" smtClean="0"/>
+              <a:rPr lang="hu-HU"/>
               <a:t>Mintaszöveg szerkesztése</a:t>
             </a:r>
           </a:p>
           <a:p>
             <a:pPr lvl="1"/>
             <a:r>
-              <a:rPr lang="hu-HU" smtClean="0"/>
+              <a:rPr lang="hu-HU"/>
               <a:t>Második szint</a:t>
             </a:r>
           </a:p>
           <a:p>
             <a:pPr lvl="2"/>
             <a:r>
-              <a:rPr lang="hu-HU" smtClean="0"/>
+              <a:rPr lang="hu-HU"/>
               <a:t>Harmadik szint</a:t>
             </a:r>
           </a:p>
           <a:p>
             <a:pPr lvl="3"/>
             <a:r>
-              <a:rPr lang="hu-HU" smtClean="0"/>
+              <a:rPr lang="hu-HU"/>
               <a:t>Negyedik szint</a:t>
             </a:r>
           </a:p>
           <a:p>
             <a:pPr lvl="4"/>
             <a:r>
-              <a:rPr lang="hu-HU" smtClean="0"/>
+              <a:rPr lang="hu-HU"/>
               <a:t>Ötödik szint</a:t>
             </a:r>
             <a:endParaRPr lang="en-US" dirty="0"/>
@@ -5354,7 +5354,7 @@
           <a:p>
             <a:fld id="{CE904122-5843-4DE5-B716-8C27E94EF1F8}" type="datetimeFigureOut">
               <a:rPr lang="hu-HU" smtClean="0"/>
-              <a:t>2022.09.15.</a:t>
+              <a:t>2022. 09. 19.</a:t>
             </a:fld>
             <a:endParaRPr lang="hu-HU"/>
           </a:p>
@@ -6044,10 +6044,9 @@
           <a:lstStyle/>
           <a:p>
             <a:r>
-              <a:rPr lang="hu-HU" dirty="0" smtClean="0"/>
+              <a:rPr lang="hu-HU" dirty="0"/>
               <a:t>Web 2.0</a:t>
             </a:r>
-            <a:endParaRPr lang="hu-HU" dirty="0"/>
           </a:p>
         </p:txBody>
       </p:sp>
@@ -6067,18 +6066,17 @@
           <a:lstStyle/>
           <a:p>
             <a:r>
-              <a:rPr lang="hu-HU" dirty="0" smtClean="0"/>
+              <a:rPr lang="hu-HU" dirty="0"/>
               <a:t>Készítette: </a:t>
             </a:r>
             <a:r>
-              <a:rPr lang="hu-HU" dirty="0" err="1" smtClean="0"/>
+              <a:rPr lang="hu-HU" dirty="0" err="1"/>
               <a:t>Utasi</a:t>
             </a:r>
             <a:r>
-              <a:rPr lang="hu-HU" dirty="0" smtClean="0"/>
+              <a:rPr lang="hu-HU" dirty="0"/>
               <a:t> Balázs</a:t>
             </a:r>
-            <a:endParaRPr lang="hu-HU" dirty="0"/>
           </a:p>
         </p:txBody>
       </p:sp>
@@ -6128,10 +6126,9 @@
           <a:lstStyle/>
           <a:p>
             <a:r>
-              <a:rPr lang="hu-HU" dirty="0" smtClean="0"/>
+              <a:rPr lang="hu-HU" dirty="0"/>
               <a:t>Források:</a:t>
             </a:r>
-            <a:endParaRPr lang="hu-HU" dirty="0"/>
           </a:p>
         </p:txBody>
       </p:sp>
@@ -6154,7 +6151,7 @@
               <a:buNone/>
             </a:pPr>
             <a:r>
-              <a:rPr lang="hu-HU" dirty="0" smtClean="0">
+              <a:rPr lang="hu-HU" dirty="0">
                 <a:hlinkClick r:id="rId2"/>
               </a:rPr>
               <a:t>https://tinyurl.com/yc3cchuv</a:t>
@@ -6165,7 +6162,7 @@
               <a:buNone/>
             </a:pPr>
             <a:r>
-              <a:rPr lang="hu-HU" dirty="0" smtClean="0">
+              <a:rPr lang="hu-HU" dirty="0">
                 <a:hlinkClick r:id="rId2"/>
               </a:rPr>
               <a:t>https://tinyurl.com/yc5rrhd3</a:t>
@@ -6176,46 +6173,27 @@
               <a:buNone/>
             </a:pPr>
             <a:r>
-              <a:rPr lang="hu-HU" dirty="0" smtClean="0">
+              <a:rPr lang="hu-HU" dirty="0">
                 <a:hlinkClick r:id="rId3"/>
               </a:rPr>
-              <a:t>https://</a:t>
-            </a:r>
-            <a:r>
-              <a:rPr lang="hu-HU" dirty="0" smtClean="0">
-                <a:hlinkClick r:id="rId3"/>
-              </a:rPr>
-              <a:t>tinyurl.com/bdhz6x5h</a:t>
-            </a:r>
-            <a:endParaRPr lang="hu-HU" dirty="0" smtClean="0"/>
+              <a:t>https://tinyurl.com/bdhz6x5h</a:t>
+            </a:r>
+            <a:endParaRPr lang="hu-HU" dirty="0"/>
           </a:p>
           <a:p>
             <a:pPr marL="0" indent="0">
               <a:buNone/>
             </a:pPr>
-            <a:r>
-              <a:rPr lang="hu-HU" dirty="0" smtClean="0">
-                <a:hlinkClick r:id="rId4"/>
-              </a:rPr>
-              <a:t>https</a:t>
-            </a:r>
             <a:r>
               <a:rPr lang="hu-HU" dirty="0">
                 <a:hlinkClick r:id="rId4"/>
               </a:rPr>
-              <a:t>://</a:t>
-            </a:r>
-            <a:r>
-              <a:rPr lang="hu-HU" dirty="0" smtClean="0">
-                <a:hlinkClick r:id="rId4"/>
-              </a:rPr>
-              <a:t>tinyurl.com/3p6wpybx</a:t>
-            </a:r>
-            <a:r>
-              <a:rPr lang="hu-HU" dirty="0" smtClean="0"/>
+              <a:t>https://tinyurl.com/3p6wpybx</a:t>
+            </a:r>
+            <a:r>
+              <a:rPr lang="hu-HU" dirty="0"/>
               <a:t>    </a:t>
             </a:r>
-            <a:endParaRPr lang="hu-HU" dirty="0" smtClean="0"/>
           </a:p>
           <a:p>
             <a:pPr marL="0" indent="0">
@@ -6290,49 +6268,44 @@
           <a:lstStyle/>
           <a:p>
             <a:r>
-              <a:rPr lang="hu-HU" dirty="0" smtClean="0"/>
+              <a:rPr lang="hu-HU" dirty="0"/>
               <a:t>„Webegy”</a:t>
             </a:r>
+          </a:p>
+        </p:txBody>
+      </p:sp>
+      <p:sp>
+        <p:nvSpPr>
+          <p:cNvPr id="3" name="Tartalom helye 2"/>
+          <p:cNvSpPr>
+            <a:spLocks noGrp="1"/>
+          </p:cNvSpPr>
+          <p:nvPr>
+            <p:ph sz="half" idx="1"/>
+          </p:nvPr>
+        </p:nvSpPr>
+        <p:spPr/>
+        <p:txBody>
+          <a:bodyPr/>
+          <a:lstStyle/>
+          <a:p>
+            <a:r>
+              <a:rPr lang="hu-HU" dirty="0"/>
+              <a:t>Statikus weboldalak</a:t>
+            </a:r>
+          </a:p>
+          <a:p>
+            <a:r>
+              <a:rPr lang="hu-HU" dirty="0"/>
+              <a:t>Kevesebb kommunikáció</a:t>
+            </a:r>
+          </a:p>
+          <a:p>
+            <a:r>
+              <a:rPr lang="hu-HU" dirty="0" err="1"/>
+              <a:t>Hálozatok</a:t>
+            </a:r>
             <a:endParaRPr lang="hu-HU" dirty="0"/>
-          </a:p>
-        </p:txBody>
-      </p:sp>
-      <p:sp>
-        <p:nvSpPr>
-          <p:cNvPr id="3" name="Tartalom helye 2"/>
-          <p:cNvSpPr>
-            <a:spLocks noGrp="1"/>
-          </p:cNvSpPr>
-          <p:nvPr>
-            <p:ph sz="half" idx="1"/>
-          </p:nvPr>
-        </p:nvSpPr>
-        <p:spPr/>
-        <p:txBody>
-          <a:bodyPr/>
-          <a:lstStyle/>
-          <a:p>
-            <a:r>
-              <a:rPr lang="hu-HU" dirty="0" smtClean="0"/>
-              <a:t>Statikus weboldalak</a:t>
-            </a:r>
-          </a:p>
-          <a:p>
-            <a:r>
-              <a:rPr lang="hu-HU" dirty="0" smtClean="0"/>
-              <a:t>Kevesebb </a:t>
-            </a:r>
-            <a:r>
-              <a:rPr lang="hu-HU" dirty="0" smtClean="0"/>
-              <a:t>kommunikáció</a:t>
-            </a:r>
-          </a:p>
-          <a:p>
-            <a:r>
-              <a:rPr lang="hu-HU" dirty="0" err="1" smtClean="0"/>
-              <a:t>Hálozatok</a:t>
-            </a:r>
-            <a:endParaRPr lang="hu-HU" dirty="0" smtClean="0"/>
           </a:p>
           <a:p>
             <a:endParaRPr lang="hu-HU" dirty="0"/>
@@ -6390,8 +6363,8 @@
         </p:nvSpPr>
         <p:spPr>
           <a:xfrm>
-            <a:off x="6528573" y="6176963"/>
-            <a:ext cx="4953000" cy="307777"/>
+            <a:off x="6528573" y="6014164"/>
+            <a:ext cx="4953000" cy="276999"/>
           </a:xfrm>
           <a:prstGeom prst="rect">
             <a:avLst/>
@@ -6405,32 +6378,19 @@
           <a:lstStyle/>
           <a:p>
             <a:r>
-              <a:rPr lang="hu-HU" sz="1400" dirty="0" smtClean="0"/>
+              <a:rPr lang="hu-HU" sz="1200" dirty="0"/>
               <a:t>Kép: </a:t>
             </a:r>
             <a:r>
-              <a:rPr lang="hu-HU" sz="1400" dirty="0" smtClean="0">
+              <a:rPr lang="hu-HU" sz="1200" dirty="0">
                 <a:hlinkClick r:id="rId3"/>
               </a:rPr>
-              <a:t>https</a:t>
-            </a:r>
-            <a:r>
-              <a:rPr lang="hu-HU" sz="1400" dirty="0">
-                <a:hlinkClick r:id="rId3"/>
-              </a:rPr>
-              <a:t>://</a:t>
-            </a:r>
-            <a:r>
-              <a:rPr lang="hu-HU" sz="1400" dirty="0" smtClean="0">
-                <a:hlinkClick r:id="rId3"/>
-              </a:rPr>
-              <a:t>tinyurl.com/y68t8ven</a:t>
-            </a:r>
-            <a:r>
-              <a:rPr lang="hu-HU" sz="1400" dirty="0" smtClean="0"/>
+              <a:t>https://tinyurl.com/y68t8ven</a:t>
+            </a:r>
+            <a:r>
+              <a:rPr lang="hu-HU" sz="1200" dirty="0"/>
               <a:t> </a:t>
             </a:r>
-            <a:endParaRPr lang="hu-HU" sz="1400" dirty="0"/>
           </a:p>
         </p:txBody>
       </p:sp>
@@ -6553,10 +6513,9 @@
           <a:lstStyle/>
           <a:p>
             <a:r>
-              <a:rPr lang="hu-HU" dirty="0" smtClean="0"/>
+              <a:rPr lang="hu-HU" dirty="0"/>
               <a:t>Web 2.0</a:t>
             </a:r>
-            <a:endParaRPr lang="hu-HU" dirty="0"/>
           </a:p>
         </p:txBody>
       </p:sp>
@@ -6585,20 +6544,20 @@
               <a:t>Tim </a:t>
             </a:r>
             <a:r>
-              <a:rPr lang="hu-HU" dirty="0" err="1" smtClean="0"/>
+              <a:rPr lang="hu-HU" dirty="0" err="1"/>
               <a:t>O’Reilly</a:t>
             </a:r>
-            <a:endParaRPr lang="hu-HU" dirty="0" smtClean="0"/>
-          </a:p>
-          <a:p>
-            <a:r>
-              <a:rPr lang="hu-HU" dirty="0" smtClean="0"/>
+            <a:endParaRPr lang="hu-HU" dirty="0"/>
+          </a:p>
+          <a:p>
+            <a:r>
+              <a:rPr lang="hu-HU" dirty="0"/>
               <a:t>Interaktivitás</a:t>
             </a:r>
           </a:p>
           <a:p>
             <a:r>
-              <a:rPr lang="hu-HU" dirty="0" smtClean="0"/>
+              <a:rPr lang="hu-HU" dirty="0"/>
               <a:t>Emberek</a:t>
             </a:r>
           </a:p>
@@ -6648,7 +6607,7 @@
         <p:spPr>
           <a:xfrm>
             <a:off x="5974292" y="6144519"/>
-            <a:ext cx="4953000" cy="307777"/>
+            <a:ext cx="4953000" cy="276999"/>
           </a:xfrm>
           <a:prstGeom prst="rect">
             <a:avLst/>
@@ -6662,30 +6621,19 @@
           <a:lstStyle/>
           <a:p>
             <a:r>
-              <a:rPr lang="hu-HU" sz="1400" dirty="0" smtClean="0"/>
-              <a:t>Kép</a:t>
-            </a:r>
-            <a:r>
-              <a:rPr lang="hu-HU" sz="1400" dirty="0"/>
-              <a:t>: </a:t>
-            </a:r>
-            <a:r>
-              <a:rPr lang="hu-HU" sz="1400" dirty="0">
+              <a:rPr lang="hu-HU" sz="1200" dirty="0"/>
+              <a:t>Kép: </a:t>
+            </a:r>
+            <a:r>
+              <a:rPr lang="hu-HU" sz="1200" dirty="0">
                 <a:hlinkClick r:id="rId3"/>
               </a:rPr>
-              <a:t>https://</a:t>
-            </a:r>
-            <a:r>
-              <a:rPr lang="hu-HU" sz="1400" dirty="0" smtClean="0">
-                <a:hlinkClick r:id="rId3"/>
-              </a:rPr>
-              <a:t>tinyurl.com/2p8kakn7</a:t>
-            </a:r>
-            <a:r>
-              <a:rPr lang="hu-HU" sz="1400" dirty="0" smtClean="0"/>
+              <a:t>https://tinyurl.com/2p8kakn7</a:t>
+            </a:r>
+            <a:r>
+              <a:rPr lang="hu-HU" sz="1200" dirty="0"/>
               <a:t>  </a:t>
             </a:r>
-            <a:endParaRPr lang="hu-HU" sz="1400" dirty="0"/>
           </a:p>
         </p:txBody>
       </p:sp>
@@ -6721,7 +6669,13 @@
       </p:grpSpPr>
       <p:pic>
         <p:nvPicPr>
-          <p:cNvPr id="4" name="Kép 3"/>
+          <p:cNvPr id="3" name="Kép 2">
+            <a:extLst>
+              <a:ext uri="{FF2B5EF4-FFF2-40B4-BE49-F238E27FC236}">
+                <a16:creationId xmlns:a16="http://schemas.microsoft.com/office/drawing/2014/main" id="{6B836F09-D193-CBD7-D170-234C7D2213E7}"/>
+              </a:ext>
+            </a:extLst>
+          </p:cNvPr>
           <p:cNvPicPr>
             <a:picLocks noChangeAspect="1"/>
           </p:cNvPicPr>
@@ -6735,8 +6689,38 @@
         </p:blipFill>
         <p:spPr>
           <a:xfrm>
-            <a:off x="1193800" y="188903"/>
-            <a:ext cx="9436100" cy="6669097"/>
+            <a:off x="0" y="406400"/>
+            <a:ext cx="12192000" cy="6045200"/>
+          </a:xfrm>
+          <a:prstGeom prst="rect">
+            <a:avLst/>
+          </a:prstGeom>
+        </p:spPr>
+      </p:pic>
+      <p:pic>
+        <p:nvPicPr>
+          <p:cNvPr id="6" name="Kép 5">
+            <a:extLst>
+              <a:ext uri="{FF2B5EF4-FFF2-40B4-BE49-F238E27FC236}">
+                <a16:creationId xmlns:a16="http://schemas.microsoft.com/office/drawing/2014/main" id="{1F5578D9-CDDF-FA8E-5C74-E1F59AE08D33}"/>
+              </a:ext>
+            </a:extLst>
+          </p:cNvPr>
+          <p:cNvPicPr>
+            <a:picLocks noChangeAspect="1"/>
+          </p:cNvPicPr>
+          <p:nvPr/>
+        </p:nvPicPr>
+        <p:blipFill>
+          <a:blip r:embed="rId3"/>
+          <a:stretch>
+            <a:fillRect/>
+          </a:stretch>
+        </p:blipFill>
+        <p:spPr>
+          <a:xfrm>
+            <a:off x="0" y="412750"/>
+            <a:ext cx="12192000" cy="6032500"/>
           </a:xfrm>
           <a:prstGeom prst="rect">
             <a:avLst/>
@@ -6753,6 +6737,89 @@
   <p:clrMapOvr>
     <a:masterClrMapping/>
   </p:clrMapOvr>
+  <p:timing>
+    <p:tnLst>
+      <p:par>
+        <p:cTn id="1" dur="indefinite" restart="never" nodeType="tmRoot">
+          <p:childTnLst>
+            <p:seq concurrent="1" nextAc="seek">
+              <p:cTn id="2" dur="indefinite" nodeType="mainSeq">
+                <p:childTnLst>
+                  <p:par>
+                    <p:cTn id="3" fill="hold">
+                      <p:stCondLst>
+                        <p:cond delay="indefinite"/>
+                      </p:stCondLst>
+                      <p:childTnLst>
+                        <p:par>
+                          <p:cTn id="4" fill="hold">
+                            <p:stCondLst>
+                              <p:cond delay="0"/>
+                            </p:stCondLst>
+                            <p:childTnLst>
+                              <p:par>
+                                <p:cTn id="5" presetID="10" presetClass="entr" presetSubtype="0" fill="hold" nodeType="clickEffect">
+                                  <p:stCondLst>
+                                    <p:cond delay="0"/>
+                                  </p:stCondLst>
+                                  <p:childTnLst>
+                                    <p:set>
+                                      <p:cBhvr>
+                                        <p:cTn id="6" dur="1" fill="hold">
+                                          <p:stCondLst>
+                                            <p:cond delay="0"/>
+                                          </p:stCondLst>
+                                        </p:cTn>
+                                        <p:tgtEl>
+                                          <p:spTgt spid="6"/>
+                                        </p:tgtEl>
+                                        <p:attrNameLst>
+                                          <p:attrName>style.visibility</p:attrName>
+                                        </p:attrNameLst>
+                                      </p:cBhvr>
+                                      <p:to>
+                                        <p:strVal val="visible"/>
+                                      </p:to>
+                                    </p:set>
+                                    <p:animEffect transition="in" filter="fade">
+                                      <p:cBhvr>
+                                        <p:cTn id="7" dur="500"/>
+                                        <p:tgtEl>
+                                          <p:spTgt spid="6"/>
+                                        </p:tgtEl>
+                                      </p:cBhvr>
+                                    </p:animEffect>
+                                  </p:childTnLst>
+                                </p:cTn>
+                              </p:par>
+                            </p:childTnLst>
+                          </p:cTn>
+                        </p:par>
+                      </p:childTnLst>
+                    </p:cTn>
+                  </p:par>
+                </p:childTnLst>
+              </p:cTn>
+              <p:prevCondLst>
+                <p:cond evt="onPrev" delay="0">
+                  <p:tgtEl>
+                    <p:sldTgt/>
+                  </p:tgtEl>
+                </p:cond>
+              </p:prevCondLst>
+              <p:nextCondLst>
+                <p:cond evt="onNext" delay="0">
+                  <p:tgtEl>
+                    <p:sldTgt/>
+                  </p:tgtEl>
+                </p:cond>
+              </p:nextCondLst>
+            </p:seq>
+          </p:childTnLst>
+        </p:cTn>
+      </p:par>
+    </p:tnLst>
+  </p:timing>
 </p:sld>
 </file>
 
@@ -6789,76 +6856,74 @@
           <a:lstStyle/>
           <a:p>
             <a:r>
-              <a:rPr lang="hu-HU" dirty="0" smtClean="0"/>
+              <a:rPr lang="hu-HU" dirty="0"/>
               <a:t>Web 2.0 jellemzői</a:t>
             </a:r>
+          </a:p>
+        </p:txBody>
+      </p:sp>
+      <p:sp>
+        <p:nvSpPr>
+          <p:cNvPr id="3" name="Tartalom helye 2"/>
+          <p:cNvSpPr>
+            <a:spLocks noGrp="1"/>
+          </p:cNvSpPr>
+          <p:nvPr>
+            <p:ph sz="half" idx="1"/>
+          </p:nvPr>
+        </p:nvSpPr>
+        <p:spPr/>
+        <p:txBody>
+          <a:bodyPr/>
+          <a:lstStyle/>
+          <a:p>
+            <a:r>
+              <a:rPr lang="hu-HU" dirty="0"/>
+              <a:t>A web (platform)</a:t>
+            </a:r>
+          </a:p>
+          <a:p>
+            <a:r>
+              <a:rPr lang="hu-HU" dirty="0"/>
+              <a:t>Az adat (hajtóerő)</a:t>
+            </a:r>
+          </a:p>
+          <a:p>
+            <a:r>
+              <a:rPr lang="hu-HU" dirty="0"/>
+              <a:t>Résvételen alapuló</a:t>
+            </a:r>
+          </a:p>
+          <a:p>
+            <a:r>
+              <a:rPr lang="hu-HU" dirty="0"/>
+              <a:t>Komponensalapú</a:t>
+            </a:r>
+          </a:p>
+          <a:p>
+            <a:r>
+              <a:rPr lang="hu-HU" dirty="0"/>
+              <a:t>Laza struktúra</a:t>
+            </a:r>
+          </a:p>
+        </p:txBody>
+      </p:sp>
+      <p:sp>
+        <p:nvSpPr>
+          <p:cNvPr id="4" name="Tartalom helye 3"/>
+          <p:cNvSpPr>
+            <a:spLocks noGrp="1"/>
+          </p:cNvSpPr>
+          <p:nvPr>
+            <p:ph sz="half" idx="2"/>
+          </p:nvPr>
+        </p:nvSpPr>
+        <p:spPr/>
+        <p:txBody>
+          <a:bodyPr/>
+          <a:lstStyle/>
+          <a:p>
             <a:endParaRPr lang="hu-HU" dirty="0"/>
-          </a:p>
-        </p:txBody>
-      </p:sp>
-      <p:sp>
-        <p:nvSpPr>
-          <p:cNvPr id="3" name="Tartalom helye 2"/>
-          <p:cNvSpPr>
-            <a:spLocks noGrp="1"/>
-          </p:cNvSpPr>
-          <p:nvPr>
-            <p:ph sz="half" idx="1"/>
-          </p:nvPr>
-        </p:nvSpPr>
-        <p:spPr/>
-        <p:txBody>
-          <a:bodyPr/>
-          <a:lstStyle/>
-          <a:p>
-            <a:r>
-              <a:rPr lang="hu-HU" dirty="0" smtClean="0"/>
-              <a:t>A web (platform)</a:t>
-            </a:r>
-          </a:p>
-          <a:p>
-            <a:r>
-              <a:rPr lang="hu-HU" dirty="0" smtClean="0"/>
-              <a:t>Az adat (hajtóerő)</a:t>
-            </a:r>
-          </a:p>
-          <a:p>
-            <a:r>
-              <a:rPr lang="hu-HU" dirty="0" smtClean="0"/>
-              <a:t>Résvételen alapuló</a:t>
-            </a:r>
-          </a:p>
-          <a:p>
-            <a:r>
-              <a:rPr lang="hu-HU" dirty="0" smtClean="0"/>
-              <a:t>Komponensalapú</a:t>
-            </a:r>
-          </a:p>
-          <a:p>
-            <a:r>
-              <a:rPr lang="hu-HU" dirty="0" smtClean="0"/>
-              <a:t>Laza struktúra</a:t>
-            </a:r>
-            <a:endParaRPr lang="hu-HU" dirty="0"/>
-          </a:p>
-        </p:txBody>
-      </p:sp>
-      <p:sp>
-        <p:nvSpPr>
-          <p:cNvPr id="4" name="Tartalom helye 3"/>
-          <p:cNvSpPr>
-            <a:spLocks noGrp="1"/>
-          </p:cNvSpPr>
-          <p:nvPr>
-            <p:ph sz="half" idx="2"/>
-          </p:nvPr>
-        </p:nvSpPr>
-        <p:spPr/>
-        <p:txBody>
-          <a:bodyPr/>
-          <a:lstStyle/>
-          <a:p>
-            <a:endParaRPr lang="hu-HU"/>
           </a:p>
         </p:txBody>
       </p:sp>
@@ -6908,70 +6973,236 @@
           <a:lstStyle/>
           <a:p>
             <a:r>
-              <a:rPr lang="hu-HU" dirty="0" smtClean="0"/>
+              <a:rPr lang="hu-HU" dirty="0"/>
               <a:t>Hogyan működik</a:t>
             </a:r>
+          </a:p>
+        </p:txBody>
+      </p:sp>
+      <p:sp>
+        <p:nvSpPr>
+          <p:cNvPr id="3" name="Tartalom helye 2"/>
+          <p:cNvSpPr>
+            <a:spLocks noGrp="1"/>
+          </p:cNvSpPr>
+          <p:nvPr>
+            <p:ph sz="half" idx="1"/>
+          </p:nvPr>
+        </p:nvSpPr>
+        <p:spPr/>
+        <p:txBody>
+          <a:bodyPr/>
+          <a:lstStyle/>
+          <a:p>
+            <a:r>
+              <a:rPr lang="hu-HU" dirty="0"/>
+              <a:t>Böngészőn belül</a:t>
+            </a:r>
+          </a:p>
+          <a:p>
+            <a:r>
+              <a:rPr lang="hu-HU" dirty="0" err="1"/>
+              <a:t>AJaX</a:t>
+            </a:r>
+            <a:r>
+              <a:rPr lang="hu-HU" dirty="0"/>
+              <a:t>, Java</a:t>
+            </a:r>
+          </a:p>
+          <a:p>
+            <a:pPr marL="36900" indent="0">
+              <a:buNone/>
+            </a:pPr>
             <a:endParaRPr lang="hu-HU" dirty="0"/>
           </a:p>
-        </p:txBody>
-      </p:sp>
-      <p:sp>
-        <p:nvSpPr>
-          <p:cNvPr id="3" name="Tartalom helye 2"/>
-          <p:cNvSpPr>
-            <a:spLocks noGrp="1"/>
-          </p:cNvSpPr>
-          <p:nvPr>
-            <p:ph sz="half" idx="1"/>
-          </p:nvPr>
-        </p:nvSpPr>
-        <p:spPr/>
-        <p:txBody>
-          <a:bodyPr/>
-          <a:lstStyle/>
-          <a:p>
-            <a:r>
-              <a:rPr lang="hu-HU" dirty="0" smtClean="0"/>
-              <a:t>Böngészőn belül</a:t>
-            </a:r>
-          </a:p>
-          <a:p>
-            <a:r>
-              <a:rPr lang="hu-HU" dirty="0" err="1" smtClean="0"/>
-              <a:t>AJaX</a:t>
-            </a:r>
-            <a:r>
-              <a:rPr lang="hu-HU" dirty="0" smtClean="0"/>
-              <a:t>, Java</a:t>
-            </a:r>
-          </a:p>
-          <a:p>
-            <a:pPr marL="36900" indent="0">
-              <a:buNone/>
-            </a:pPr>
-            <a:endParaRPr lang="hu-HU" dirty="0" smtClean="0"/>
-          </a:p>
           <a:p>
             <a:endParaRPr lang="hu-HU" dirty="0"/>
           </a:p>
         </p:txBody>
       </p:sp>
-      <p:sp>
-        <p:nvSpPr>
-          <p:cNvPr id="4" name="Tartalom helye 3"/>
-          <p:cNvSpPr>
-            <a:spLocks noGrp="1"/>
-          </p:cNvSpPr>
+      <p:pic>
+        <p:nvPicPr>
+          <p:cNvPr id="2050" name="Picture 2" descr="AJAX Tutorial - Complete Reference - HowToDoInJava">
+            <a:extLst>
+              <a:ext uri="{FF2B5EF4-FFF2-40B4-BE49-F238E27FC236}">
+                <a16:creationId xmlns:a16="http://schemas.microsoft.com/office/drawing/2014/main" id="{17371C59-1ECB-F282-6C06-363B0B5AFD19}"/>
+              </a:ext>
+            </a:extLst>
+          </p:cNvPr>
+          <p:cNvPicPr>
+            <a:picLocks noGrp="1" noChangeAspect="1" noChangeArrowheads="1"/>
+          </p:cNvPicPr>
           <p:nvPr>
             <p:ph sz="half" idx="2"/>
           </p:nvPr>
-        </p:nvSpPr>
-        <p:spPr/>
-        <p:txBody>
-          <a:bodyPr/>
-          <a:lstStyle/>
-          <a:p>
-            <a:endParaRPr lang="hu-HU"/>
+        </p:nvPicPr>
+        <p:blipFill>
+          <a:blip r:embed="rId2">
+            <a:extLst>
+              <a:ext uri="{28A0092B-C50C-407E-A947-70E740481C1C}">
+                <a14:useLocalDpi xmlns:a14="http://schemas.microsoft.com/office/drawing/2010/main" val="0"/>
+              </a:ext>
+            </a:extLst>
+          </a:blip>
+          <a:srcRect/>
+          <a:stretch>
+            <a:fillRect/>
+          </a:stretch>
+        </p:blipFill>
+        <p:spPr bwMode="auto">
+          <a:xfrm>
+            <a:off x="6217710" y="1518791"/>
+            <a:ext cx="3086100" cy="1476375"/>
+          </a:xfrm>
+          <a:prstGeom prst="rect">
+            <a:avLst/>
+          </a:prstGeom>
+          <a:noFill/>
+          <a:extLst>
+            <a:ext uri="{909E8E84-426E-40DD-AFC4-6F175D3DCCD1}">
+              <a14:hiddenFill xmlns:a14="http://schemas.microsoft.com/office/drawing/2010/main">
+                <a:solidFill>
+                  <a:srgbClr val="FFFFFF"/>
+                </a:solidFill>
+              </a14:hiddenFill>
+            </a:ext>
+          </a:extLst>
+        </p:spPr>
+      </p:pic>
+      <p:pic>
+        <p:nvPicPr>
+          <p:cNvPr id="2052" name="Picture 4" descr="Why is Java an independent platform? - InApps">
+            <a:extLst>
+              <a:ext uri="{FF2B5EF4-FFF2-40B4-BE49-F238E27FC236}">
+                <a16:creationId xmlns:a16="http://schemas.microsoft.com/office/drawing/2014/main" id="{8217D409-8062-11A9-97A6-160B0CE5040E}"/>
+              </a:ext>
+            </a:extLst>
+          </p:cNvPr>
+          <p:cNvPicPr>
+            <a:picLocks noChangeAspect="1" noChangeArrowheads="1"/>
+          </p:cNvPicPr>
+          <p:nvPr/>
+        </p:nvPicPr>
+        <p:blipFill>
+          <a:blip r:embed="rId3">
+            <a:extLst>
+              <a:ext uri="{28A0092B-C50C-407E-A947-70E740481C1C}">
+                <a14:useLocalDpi xmlns:a14="http://schemas.microsoft.com/office/drawing/2010/main" val="0"/>
+              </a:ext>
+            </a:extLst>
+          </a:blip>
+          <a:srcRect/>
+          <a:stretch>
+            <a:fillRect/>
+          </a:stretch>
+        </p:blipFill>
+        <p:spPr bwMode="auto">
+          <a:xfrm>
+            <a:off x="8120683" y="3283127"/>
+            <a:ext cx="2619375" cy="1743075"/>
+          </a:xfrm>
+          <a:prstGeom prst="rect">
+            <a:avLst/>
+          </a:prstGeom>
+          <a:noFill/>
+          <a:extLst>
+            <a:ext uri="{909E8E84-426E-40DD-AFC4-6F175D3DCCD1}">
+              <a14:hiddenFill xmlns:a14="http://schemas.microsoft.com/office/drawing/2010/main">
+                <a:solidFill>
+                  <a:srgbClr val="FFFFFF"/>
+                </a:solidFill>
+              </a14:hiddenFill>
+            </a:ext>
+          </a:extLst>
+        </p:spPr>
+      </p:pic>
+      <p:sp>
+        <p:nvSpPr>
+          <p:cNvPr id="5" name="Szövegdoboz 4">
+            <a:extLst>
+              <a:ext uri="{FF2B5EF4-FFF2-40B4-BE49-F238E27FC236}">
+                <a16:creationId xmlns:a16="http://schemas.microsoft.com/office/drawing/2014/main" id="{6402376A-3328-9639-1F12-FAD4A823EE2E}"/>
+              </a:ext>
+            </a:extLst>
+          </p:cNvPr>
+          <p:cNvSpPr txBox="1"/>
+          <p:nvPr/>
+        </p:nvSpPr>
+        <p:spPr>
+          <a:xfrm>
+            <a:off x="6217710" y="2995166"/>
+            <a:ext cx="2898371" cy="261610"/>
+          </a:xfrm>
+          <a:prstGeom prst="rect">
+            <a:avLst/>
+          </a:prstGeom>
+          <a:noFill/>
+        </p:spPr>
+        <p:txBody>
+          <a:bodyPr wrap="square" rtlCol="0">
+            <a:spAutoFit/>
+          </a:bodyPr>
+          <a:lstStyle/>
+          <a:p>
+            <a:r>
+              <a:rPr lang="hu-HU" sz="1100" dirty="0"/>
+              <a:t>Kép: </a:t>
+            </a:r>
+            <a:r>
+              <a:rPr lang="hu-HU" sz="1100" dirty="0">
+                <a:hlinkClick r:id="rId4"/>
+              </a:rPr>
+              <a:t>https://tinyurl.com/bdfe3n24</a:t>
+            </a:r>
+            <a:r>
+              <a:rPr lang="hu-HU" sz="1100" dirty="0"/>
+              <a:t> </a:t>
+            </a:r>
+          </a:p>
+        </p:txBody>
+      </p:sp>
+      <p:sp>
+        <p:nvSpPr>
+          <p:cNvPr id="6" name="Szövegdoboz 5">
+            <a:extLst>
+              <a:ext uri="{FF2B5EF4-FFF2-40B4-BE49-F238E27FC236}">
+                <a16:creationId xmlns:a16="http://schemas.microsoft.com/office/drawing/2014/main" id="{BCF0A4DB-9240-DE11-EB28-DCBCEAD7521F}"/>
+              </a:ext>
+            </a:extLst>
+          </p:cNvPr>
+          <p:cNvSpPr txBox="1"/>
+          <p:nvPr/>
+        </p:nvSpPr>
+        <p:spPr>
+          <a:xfrm>
+            <a:off x="8120683" y="5077599"/>
+            <a:ext cx="4389972" cy="261610"/>
+          </a:xfrm>
+          <a:prstGeom prst="rect">
+            <a:avLst/>
+          </a:prstGeom>
+          <a:noFill/>
+        </p:spPr>
+        <p:txBody>
+          <a:bodyPr wrap="square" rtlCol="0">
+            <a:spAutoFit/>
+          </a:bodyPr>
+          <a:lstStyle/>
+          <a:p>
+            <a:r>
+              <a:rPr lang="hu-HU" sz="1100" dirty="0"/>
+              <a:t>Kép: </a:t>
+            </a:r>
+            <a:r>
+              <a:rPr lang="hu-HU" sz="1100" dirty="0">
+                <a:hlinkClick r:id="rId5"/>
+              </a:rPr>
+              <a:t>https://tinyurl.com/5xu6fdxx</a:t>
+            </a:r>
+            <a:r>
+              <a:rPr lang="hu-HU" sz="1100" dirty="0"/>
+              <a:t>  </a:t>
+            </a:r>
           </a:p>
         </p:txBody>
       </p:sp>
@@ -7021,51 +7252,90 @@
           <a:lstStyle/>
           <a:p>
             <a:r>
-              <a:rPr lang="hu-HU" dirty="0" smtClean="0"/>
+              <a:rPr lang="hu-HU" dirty="0"/>
               <a:t>Web 3.0</a:t>
             </a:r>
+          </a:p>
+        </p:txBody>
+      </p:sp>
+      <p:sp>
+        <p:nvSpPr>
+          <p:cNvPr id="3" name="Tartalom helye 2"/>
+          <p:cNvSpPr>
+            <a:spLocks noGrp="1"/>
+          </p:cNvSpPr>
+          <p:nvPr>
+            <p:ph sz="half" idx="1"/>
+          </p:nvPr>
+        </p:nvSpPr>
+        <p:spPr/>
+        <p:txBody>
+          <a:bodyPr/>
+          <a:lstStyle/>
+          <a:p>
+            <a:r>
+              <a:rPr lang="hu-HU" dirty="0"/>
+              <a:t>Feltételezések</a:t>
+            </a:r>
+          </a:p>
+          <a:p>
+            <a:r>
+              <a:rPr lang="hu-HU" dirty="0"/>
+              <a:t>Decentralizáció </a:t>
+            </a:r>
+          </a:p>
+          <a:p>
+            <a:r>
+              <a:rPr lang="hu-HU" dirty="0"/>
+              <a:t>Blokkláncok</a:t>
+            </a:r>
+          </a:p>
+          <a:p>
+            <a:r>
+              <a:rPr lang="hu-HU" dirty="0" err="1"/>
+              <a:t>Pl</a:t>
+            </a:r>
+            <a:r>
+              <a:rPr lang="hu-HU" dirty="0"/>
+              <a:t>: </a:t>
+            </a:r>
+            <a:r>
+              <a:rPr lang="hu-HU" dirty="0" err="1"/>
+              <a:t>Odysee</a:t>
+            </a:r>
             <a:endParaRPr lang="hu-HU" dirty="0"/>
           </a:p>
         </p:txBody>
       </p:sp>
-      <p:sp>
-        <p:nvSpPr>
-          <p:cNvPr id="3" name="Tartalom helye 2"/>
-          <p:cNvSpPr>
-            <a:spLocks noGrp="1"/>
-          </p:cNvSpPr>
-          <p:nvPr>
-            <p:ph sz="half" idx="1"/>
-          </p:nvPr>
-        </p:nvSpPr>
-        <p:spPr/>
-        <p:txBody>
-          <a:bodyPr/>
-          <a:lstStyle/>
-          <a:p>
-            <a:endParaRPr lang="hu-HU"/>
-          </a:p>
-        </p:txBody>
-      </p:sp>
-      <p:sp>
-        <p:nvSpPr>
-          <p:cNvPr id="4" name="Tartalom helye 3"/>
-          <p:cNvSpPr>
-            <a:spLocks noGrp="1"/>
-          </p:cNvSpPr>
+      <p:pic>
+        <p:nvPicPr>
+          <p:cNvPr id="8" name="Tartalom helye 7">
+            <a:extLst>
+              <a:ext uri="{FF2B5EF4-FFF2-40B4-BE49-F238E27FC236}">
+                <a16:creationId xmlns:a16="http://schemas.microsoft.com/office/drawing/2014/main" id="{F93ED2BB-3670-EFF3-38FC-FE9510505BFB}"/>
+              </a:ext>
+            </a:extLst>
+          </p:cNvPr>
+          <p:cNvPicPr>
+            <a:picLocks noGrp="1" noChangeAspect="1"/>
+          </p:cNvPicPr>
           <p:nvPr>
             <p:ph sz="half" idx="2"/>
           </p:nvPr>
-        </p:nvSpPr>
-        <p:spPr/>
-        <p:txBody>
-          <a:bodyPr/>
-          <a:lstStyle/>
-          <a:p>
-            <a:endParaRPr lang="hu-HU"/>
-          </a:p>
-        </p:txBody>
-      </p:sp>
+        </p:nvPicPr>
+        <p:blipFill>
+          <a:blip r:embed="rId2"/>
+          <a:stretch>
+            <a:fillRect/>
+          </a:stretch>
+        </p:blipFill>
+        <p:spPr>
+          <a:xfrm>
+            <a:off x="5154248" y="1580050"/>
+            <a:ext cx="6821347" cy="3453306"/>
+          </a:xfrm>
+        </p:spPr>
+      </p:pic>
     </p:spTree>
     <p:extLst>
       <p:ext uri="{BB962C8B-B14F-4D97-AF65-F5344CB8AC3E}">
@@ -7112,29 +7382,9 @@
           <a:lstStyle/>
           <a:p>
             <a:r>
-              <a:rPr lang="hu-HU" dirty="0" smtClean="0"/>
+              <a:rPr lang="hu-HU" dirty="0"/>
               <a:t>Köszönöm a figyelmet!</a:t>
             </a:r>
-            <a:endParaRPr lang="hu-HU" dirty="0"/>
-          </a:p>
-        </p:txBody>
-      </p:sp>
-      <p:sp>
-        <p:nvSpPr>
-          <p:cNvPr id="3" name="Alcím 2"/>
-          <p:cNvSpPr>
-            <a:spLocks noGrp="1"/>
-          </p:cNvSpPr>
-          <p:nvPr>
-            <p:ph type="subTitle" idx="1"/>
-          </p:nvPr>
-        </p:nvSpPr>
-        <p:spPr/>
-        <p:txBody>
-          <a:bodyPr/>
-          <a:lstStyle/>
-          <a:p>
-            <a:endParaRPr lang="hu-HU" dirty="0"/>
           </a:p>
         </p:txBody>
       </p:sp>
